--- a/Poster.pptx
+++ b/Poster.pptx
@@ -208,7 +208,7 @@
           <a:p>
             <a:fld id="{8EC4A873-0FC3-4DFC-B48E-97ACF1B5AC04}" type="datetimeFigureOut">
               <a:rPr lang="en-US" smtClean="0"/>
-              <a:t>1/21/2023</a:t>
+              <a:t>1/22/2023</a:t>
             </a:fld>
             <a:endParaRPr lang="en-US"/>
           </a:p>
@@ -1001,14 +1001,14 @@
           </a:ln>
           <a:extLst>
             <a:ext uri="{909E8E84-426E-40dd-AFC4-6F175D3DCCD1}">
-              <a14:hiddenFill xmlns:a14="http://schemas.microsoft.com/office/drawing/2010/main" xmlns="">
+              <a14:hiddenFill xmlns="" xmlns:a14="http://schemas.microsoft.com/office/drawing/2010/main">
                 <a:solidFill>
                   <a:srgbClr val="FFFFFF"/>
                 </a:solidFill>
               </a14:hiddenFill>
             </a:ext>
             <a:ext uri="{91240B29-F687-4f45-9708-019B960494DF}">
-              <a14:hiddenLine xmlns:a14="http://schemas.microsoft.com/office/drawing/2010/main" xmlns="" w="9525">
+              <a14:hiddenLine xmlns="" xmlns:a14="http://schemas.microsoft.com/office/drawing/2010/main" w="9525">
                 <a:solidFill>
                   <a:srgbClr val="000000"/>
                 </a:solidFill>
@@ -1145,14 +1145,14 @@
           </a:ln>
           <a:extLst>
             <a:ext uri="{909E8E84-426E-40dd-AFC4-6F175D3DCCD1}">
-              <a14:hiddenFill xmlns:a14="http://schemas.microsoft.com/office/drawing/2010/main" xmlns="">
+              <a14:hiddenFill xmlns="" xmlns:a14="http://schemas.microsoft.com/office/drawing/2010/main">
                 <a:solidFill>
                   <a:srgbClr val="FFFFFF"/>
                 </a:solidFill>
               </a14:hiddenFill>
             </a:ext>
             <a:ext uri="{91240B29-F687-4f45-9708-019B960494DF}">
-              <a14:hiddenLine xmlns:a14="http://schemas.microsoft.com/office/drawing/2010/main" xmlns="" w="9525">
+              <a14:hiddenLine xmlns="" xmlns:a14="http://schemas.microsoft.com/office/drawing/2010/main" w="9525">
                 <a:solidFill>
                   <a:srgbClr val="000000"/>
                 </a:solidFill>
@@ -3638,7 +3638,7 @@
             <a:pPr lvl="1"/>
             <a:r>
               <a:rPr lang="de-DE" dirty="0" err="1"/>
-              <a:t>Basline</a:t>
+              <a:t>Two</a:t>
             </a:r>
             <a:r>
               <a:rPr lang="de-DE" dirty="0"/>
@@ -3646,32 +3646,283 @@
             </a:r>
             <a:r>
               <a:rPr lang="de-DE" dirty="0" err="1"/>
+              <a:t>simpe</a:t>
+            </a:r>
+            <a:r>
+              <a:rPr lang="de-DE" dirty="0"/>
+              <a:t> </a:t>
+            </a:r>
+            <a:r>
+              <a:rPr lang="de-DE" dirty="0" err="1"/>
+              <a:t>baseline</a:t>
+            </a:r>
+            <a:r>
+              <a:rPr lang="de-DE" dirty="0"/>
+              <a:t> </a:t>
+            </a:r>
+            <a:r>
+              <a:rPr lang="de-DE" dirty="0" err="1"/>
               <a:t>models</a:t>
             </a:r>
             <a:r>
               <a:rPr lang="de-DE" dirty="0"/>
-              <a:t>…</a:t>
+              <a:t> </a:t>
+            </a:r>
+            <a:r>
+              <a:rPr lang="de-DE" dirty="0" err="1"/>
+              <a:t>were</a:t>
+            </a:r>
+            <a:r>
+              <a:rPr lang="de-DE" dirty="0"/>
+              <a:t> </a:t>
+            </a:r>
+            <a:r>
+              <a:rPr lang="de-DE" dirty="0" err="1"/>
+              <a:t>created</a:t>
+            </a:r>
+            <a:r>
+              <a:rPr lang="de-DE" dirty="0"/>
+              <a:t> </a:t>
+            </a:r>
+            <a:r>
+              <a:rPr lang="de-DE" dirty="0" err="1"/>
+              <a:t>for</a:t>
+            </a:r>
+            <a:r>
+              <a:rPr lang="de-DE" dirty="0"/>
+              <a:t> </a:t>
+            </a:r>
+            <a:r>
+              <a:rPr lang="de-DE" dirty="0" err="1"/>
+              <a:t>refernce</a:t>
+            </a:r>
+            <a:r>
+              <a:rPr lang="de-DE" dirty="0"/>
+              <a:t>:</a:t>
             </a:r>
           </a:p>
           <a:p>
             <a:pPr marL="342900" lvl="1" indent="-342900">
-              <a:buFontTx/>
-              <a:buChar char="-"/>
+              <a:buFont typeface="Arial" panose="020B0604020202020204" pitchFamily="34" charset="0"/>
+              <a:buChar char="•"/>
             </a:pPr>
             <a:r>
               <a:rPr lang="de-DE" dirty="0"/>
               <a:t>Mean </a:t>
             </a:r>
+            <a:r>
+              <a:rPr lang="de-DE" dirty="0" err="1"/>
+              <a:t>baseline</a:t>
+            </a:r>
+            <a:r>
+              <a:rPr lang="de-DE" dirty="0"/>
+              <a:t> </a:t>
+            </a:r>
+            <a:r>
+              <a:rPr lang="de-DE" dirty="0" err="1"/>
+              <a:t>model</a:t>
+            </a:r>
+            <a:r>
+              <a:rPr lang="de-DE" dirty="0"/>
+              <a:t> [MBM]:</a:t>
+            </a:r>
           </a:p>
           <a:p>
             <a:pPr marL="342900" lvl="1" indent="-342900">
-              <a:buFontTx/>
-              <a:buChar char="-"/>
+              <a:buFont typeface="Arial" panose="020B0604020202020204" pitchFamily="34" charset="0"/>
+              <a:buChar char="•"/>
             </a:pPr>
             <a:r>
+              <a:rPr lang="de-DE" dirty="0" err="1"/>
+              <a:t>Predicted</a:t>
+            </a:r>
+            <a:r>
               <a:rPr lang="de-DE" dirty="0"/>
-              <a:t>Random</a:t>
-            </a:r>
+              <a:t> </a:t>
+            </a:r>
+            <a:r>
+              <a:rPr lang="de-DE" dirty="0" err="1"/>
+              <a:t>values</a:t>
+            </a:r>
+            <a:r>
+              <a:rPr lang="de-DE" dirty="0"/>
+              <a:t> </a:t>
+            </a:r>
+            <a:r>
+              <a:rPr lang="de-DE" dirty="0" err="1"/>
+              <a:t>are</a:t>
+            </a:r>
+            <a:r>
+              <a:rPr lang="de-DE" dirty="0"/>
+              <a:t> </a:t>
+            </a:r>
+            <a:r>
+              <a:rPr lang="de-DE" dirty="0" err="1"/>
+              <a:t>equal</a:t>
+            </a:r>
+            <a:r>
+              <a:rPr lang="de-DE" dirty="0"/>
+              <a:t> </a:t>
+            </a:r>
+            <a:r>
+              <a:rPr lang="de-DE" dirty="0" err="1"/>
+              <a:t>to</a:t>
+            </a:r>
+            <a:r>
+              <a:rPr lang="de-DE" dirty="0"/>
+              <a:t> </a:t>
+            </a:r>
+            <a:r>
+              <a:rPr lang="de-DE" dirty="0" err="1"/>
+              <a:t>the</a:t>
+            </a:r>
+            <a:r>
+              <a:rPr lang="de-DE" dirty="0"/>
+              <a:t> </a:t>
+            </a:r>
+            <a:r>
+              <a:rPr lang="de-DE" dirty="0" err="1"/>
+              <a:t>mean</a:t>
+            </a:r>
+            <a:r>
+              <a:rPr lang="de-DE" dirty="0"/>
+              <a:t> </a:t>
+            </a:r>
+            <a:r>
+              <a:rPr lang="de-DE" dirty="0" err="1"/>
+              <a:t>of</a:t>
+            </a:r>
+            <a:r>
+              <a:rPr lang="de-DE" dirty="0"/>
+              <a:t> </a:t>
+            </a:r>
+            <a:r>
+              <a:rPr lang="de-DE" dirty="0" err="1"/>
+              <a:t>the</a:t>
+            </a:r>
+            <a:r>
+              <a:rPr lang="de-DE" dirty="0"/>
+              <a:t> </a:t>
+            </a:r>
+            <a:r>
+              <a:rPr lang="de-DE" dirty="0" err="1"/>
+              <a:t>training</a:t>
+            </a:r>
+            <a:r>
+              <a:rPr lang="de-DE" dirty="0"/>
+              <a:t> </a:t>
+            </a:r>
+            <a:r>
+              <a:rPr lang="de-DE" dirty="0" err="1"/>
+              <a:t>data</a:t>
+            </a:r>
+            <a:endParaRPr lang="de-DE" dirty="0"/>
+          </a:p>
+          <a:p>
+            <a:pPr marL="342900" lvl="1" indent="-342900" algn="l">
+              <a:buFont typeface="Arial" panose="020B0604020202020204" pitchFamily="34" charset="0"/>
+              <a:buChar char="•"/>
+            </a:pPr>
+            <a:r>
+              <a:rPr lang="de-DE" dirty="0"/>
+              <a:t>Random </a:t>
+            </a:r>
+            <a:r>
+              <a:rPr lang="de-DE" dirty="0" err="1"/>
+              <a:t>basline</a:t>
+            </a:r>
+            <a:r>
+              <a:rPr lang="de-DE" dirty="0"/>
+              <a:t> </a:t>
+            </a:r>
+            <a:r>
+              <a:rPr lang="de-DE" dirty="0" err="1"/>
+              <a:t>model</a:t>
+            </a:r>
+            <a:r>
+              <a:rPr lang="de-DE" dirty="0"/>
+              <a:t> [RBM]:</a:t>
+            </a:r>
+            <a:br>
+              <a:rPr lang="de-DE" dirty="0"/>
+            </a:br>
+            <a:r>
+              <a:rPr lang="de-DE" dirty="0" err="1"/>
+              <a:t>Predicted</a:t>
+            </a:r>
+            <a:r>
+              <a:rPr lang="de-DE" dirty="0"/>
+              <a:t> </a:t>
+            </a:r>
+            <a:r>
+              <a:rPr lang="de-DE" dirty="0" err="1"/>
+              <a:t>values</a:t>
+            </a:r>
+            <a:r>
+              <a:rPr lang="de-DE" dirty="0"/>
+              <a:t> </a:t>
+            </a:r>
+            <a:r>
+              <a:rPr lang="de-DE" dirty="0" err="1"/>
+              <a:t>are</a:t>
+            </a:r>
+            <a:r>
+              <a:rPr lang="de-DE" dirty="0"/>
+              <a:t> </a:t>
+            </a:r>
+            <a:r>
+              <a:rPr lang="de-DE" dirty="0" err="1"/>
+              <a:t>uniformly</a:t>
+            </a:r>
+            <a:r>
+              <a:rPr lang="de-DE" dirty="0"/>
+              <a:t> </a:t>
+            </a:r>
+            <a:r>
+              <a:rPr lang="de-DE" dirty="0" err="1"/>
+              <a:t>sampled</a:t>
+            </a:r>
+            <a:r>
+              <a:rPr lang="de-DE" dirty="0"/>
+              <a:t> </a:t>
+            </a:r>
+            <a:r>
+              <a:rPr lang="de-DE" dirty="0" err="1"/>
+              <a:t>from</a:t>
+            </a:r>
+            <a:r>
+              <a:rPr lang="de-DE" dirty="0"/>
+              <a:t> </a:t>
+            </a:r>
+            <a:r>
+              <a:rPr lang="de-DE" dirty="0" err="1"/>
+              <a:t>range</a:t>
+            </a:r>
+            <a:r>
+              <a:rPr lang="de-DE" dirty="0"/>
+              <a:t> </a:t>
+            </a:r>
+            <a:r>
+              <a:rPr lang="de-DE" dirty="0" err="1"/>
+              <a:t>of</a:t>
+            </a:r>
+            <a:r>
+              <a:rPr lang="de-DE" dirty="0"/>
+              <a:t> </a:t>
+            </a:r>
+            <a:r>
+              <a:rPr lang="de-DE" dirty="0" err="1"/>
+              <a:t>training</a:t>
+            </a:r>
+            <a:r>
+              <a:rPr lang="de-DE" dirty="0"/>
+              <a:t> </a:t>
+            </a:r>
+            <a:r>
+              <a:rPr lang="de-DE" dirty="0" err="1"/>
+              <a:t>data</a:t>
+            </a:r>
+            <a:endParaRPr lang="de-DE" dirty="0"/>
           </a:p>
         </p:txBody>
       </p:sp>
@@ -3691,7 +3942,7 @@
         </p:nvSpPr>
         <p:spPr>
           <a:xfrm>
-            <a:off x="1838325" y="18803129"/>
+            <a:off x="1837461" y="18697357"/>
             <a:ext cx="8820000" cy="3005447"/>
           </a:xfrm>
           <a:prstGeom prst="rect">
@@ -3860,85 +4111,240 @@
           <a:p>
             <a:r>
               <a:rPr lang="de-DE" dirty="0"/>
-              <a:t>Additive Model</a:t>
-            </a:r>
-          </a:p>
-          <a:p>
-            <a:r>
-              <a:rPr lang="de-DE" sz="2000" dirty="0"/>
-              <a:t>-    FFT </a:t>
-            </a:r>
-            <a:r>
-              <a:rPr lang="de-DE" sz="2000" dirty="0" err="1"/>
+              <a:t>Additive Model [AM]</a:t>
+            </a:r>
+          </a:p>
+          <a:p>
+            <a:pPr marL="457200" indent="-457200">
+              <a:buFont typeface="Arial" panose="020B0604020202020204" pitchFamily="34" charset="0"/>
+              <a:buChar char="•"/>
+            </a:pPr>
+            <a:r>
+              <a:rPr lang="de-DE" sz="2000" b="0" dirty="0"/>
+              <a:t>FFT </a:t>
+            </a:r>
+            <a:r>
+              <a:rPr lang="de-DE" sz="2000" b="0" dirty="0" err="1"/>
               <a:t>analysis</a:t>
             </a:r>
-            <a:endParaRPr lang="de-DE" sz="2000" dirty="0"/>
-          </a:p>
-          <a:p>
-            <a:pPr marL="342900" indent="-342900">
-              <a:buFontTx/>
-              <a:buChar char="-"/>
+            <a:r>
+              <a:rPr lang="de-DE" sz="2000" b="0" dirty="0"/>
+              <a:t>, </a:t>
+            </a:r>
+            <a:r>
+              <a:rPr lang="de-DE" sz="2000" b="0" dirty="0" err="1"/>
+              <a:t>to</a:t>
+            </a:r>
+            <a:r>
+              <a:rPr lang="de-DE" sz="2000" b="0" dirty="0"/>
+              <a:t> </a:t>
+            </a:r>
+            <a:r>
+              <a:rPr lang="de-DE" sz="2000" b="0" dirty="0" err="1"/>
+              <a:t>extract</a:t>
+            </a:r>
+            <a:r>
+              <a:rPr lang="de-DE" sz="2000" b="0" dirty="0"/>
+              <a:t> </a:t>
+            </a:r>
+            <a:r>
+              <a:rPr lang="de-DE" sz="2000" b="0" dirty="0" err="1"/>
+              <a:t>most</a:t>
+            </a:r>
+            <a:r>
+              <a:rPr lang="de-DE" sz="2000" b="0" dirty="0"/>
+              <a:t> </a:t>
+            </a:r>
+            <a:r>
+              <a:rPr lang="de-DE" sz="2000" b="0" dirty="0" err="1"/>
+              <a:t>present</a:t>
+            </a:r>
+            <a:r>
+              <a:rPr lang="de-DE" sz="2000" b="0" dirty="0"/>
+              <a:t> </a:t>
+            </a:r>
+            <a:r>
+              <a:rPr lang="de-DE" sz="2000" b="0" dirty="0" err="1"/>
+              <a:t>frequencies</a:t>
+            </a:r>
+            <a:r>
+              <a:rPr lang="de-DE" sz="2000" b="0" dirty="0"/>
+              <a:t> in </a:t>
+            </a:r>
+            <a:r>
+              <a:rPr lang="de-DE" sz="2000" b="0" dirty="0" err="1"/>
+              <a:t>the</a:t>
+            </a:r>
+            <a:r>
+              <a:rPr lang="de-DE" sz="2000" b="0" dirty="0"/>
+              <a:t> </a:t>
+            </a:r>
+            <a:r>
+              <a:rPr lang="de-DE" sz="2000" b="0" dirty="0" err="1"/>
+              <a:t>signal</a:t>
+            </a:r>
+            <a:endParaRPr lang="de-DE" sz="2000" b="0" dirty="0"/>
+          </a:p>
+          <a:p>
+            <a:pPr marL="457200" indent="-457200">
+              <a:buFont typeface="Arial" panose="020B0604020202020204" pitchFamily="34" charset="0"/>
+              <a:buChar char="•"/>
             </a:pPr>
             <a:r>
-              <a:rPr lang="de-DE" sz="2000" dirty="0" err="1"/>
-              <a:t>Frequency</a:t>
-            </a:r>
-            <a:r>
-              <a:rPr lang="de-DE" sz="2000" dirty="0"/>
+              <a:rPr lang="de-DE" sz="2000" b="0" dirty="0"/>
+              <a:t>Extract </a:t>
+            </a:r>
+            <a:r>
+              <a:rPr lang="de-DE" sz="2000" b="0" dirty="0" err="1"/>
+              <a:t>found</a:t>
+            </a:r>
+            <a:r>
+              <a:rPr lang="de-DE" sz="2000" b="0" dirty="0"/>
               <a:t> </a:t>
             </a:r>
             <a:r>
-              <a:rPr lang="de-DE" sz="2000" dirty="0" err="1"/>
-              <a:t>split</a:t>
-            </a:r>
-            <a:endParaRPr lang="de-DE" sz="2000" dirty="0"/>
-          </a:p>
-          <a:p>
-            <a:pPr marL="342900" indent="-342900">
-              <a:buFontTx/>
-              <a:buChar char="-"/>
+              <a:rPr lang="de-DE" sz="2000" b="0" dirty="0" err="1"/>
+              <a:t>frequencies</a:t>
+            </a:r>
+            <a:r>
+              <a:rPr lang="de-DE" sz="2000" b="0" dirty="0"/>
+              <a:t> </a:t>
+            </a:r>
+            <a:r>
+              <a:rPr lang="de-DE" sz="2000" b="0" dirty="0" err="1"/>
+              <a:t>of</a:t>
+            </a:r>
+            <a:r>
+              <a:rPr lang="de-DE" sz="2000" b="0" dirty="0"/>
+              <a:t> </a:t>
+            </a:r>
+            <a:r>
+              <a:rPr lang="de-DE" sz="2000" b="0" dirty="0" err="1"/>
+              <a:t>the</a:t>
+            </a:r>
+            <a:r>
+              <a:rPr lang="de-DE" sz="2000" b="0" dirty="0"/>
+              <a:t> </a:t>
+            </a:r>
+            <a:r>
+              <a:rPr lang="de-DE" sz="2000" b="0" dirty="0" err="1"/>
+              <a:t>signal</a:t>
+            </a:r>
+            <a:r>
+              <a:rPr lang="de-DE" sz="2000" b="0" dirty="0"/>
+              <a:t> </a:t>
+            </a:r>
+            <a:r>
+              <a:rPr lang="de-DE" sz="2000" b="0" dirty="0" err="1"/>
+              <a:t>using</a:t>
+            </a:r>
+            <a:r>
+              <a:rPr lang="de-DE" sz="2000" b="0" dirty="0"/>
+              <a:t> </a:t>
+            </a:r>
+            <a:r>
+              <a:rPr lang="de-DE" sz="2000" b="0" i="1" dirty="0"/>
+              <a:t>„</a:t>
+            </a:r>
+            <a:r>
+              <a:rPr lang="de-DE" sz="2000" b="0" i="1" dirty="0" err="1"/>
+              <a:t>signal_decompose</a:t>
+            </a:r>
+            <a:r>
+              <a:rPr lang="de-DE" sz="2000" b="0" i="1" dirty="0"/>
+              <a:t>“, </a:t>
+            </a:r>
+            <a:r>
+              <a:rPr lang="de-DE" sz="2000" b="0" dirty="0" err="1"/>
+              <a:t>using</a:t>
+            </a:r>
+            <a:r>
+              <a:rPr lang="de-DE" sz="2000" b="0" dirty="0"/>
+              <a:t> top 4 </a:t>
+            </a:r>
+            <a:r>
+              <a:rPr lang="de-DE" sz="2000" b="0" dirty="0" err="1"/>
+              <a:t>frequencies</a:t>
+            </a:r>
+            <a:r>
+              <a:rPr lang="de-DE" sz="2000" b="0" dirty="0"/>
+              <a:t>.</a:t>
+            </a:r>
+          </a:p>
+          <a:p>
+            <a:pPr marL="457200" indent="-457200">
+              <a:buFont typeface="Arial" panose="020B0604020202020204" pitchFamily="34" charset="0"/>
+              <a:buChar char="•"/>
             </a:pPr>
             <a:r>
-              <a:rPr lang="de-DE" sz="2000" dirty="0" err="1"/>
-              <a:t>Curve</a:t>
-            </a:r>
-            <a:r>
-              <a:rPr lang="de-DE" sz="2000" dirty="0"/>
+              <a:rPr lang="de-DE" sz="2000" b="0" dirty="0"/>
+              <a:t>Model </a:t>
+            </a:r>
+            <a:r>
+              <a:rPr lang="de-DE" sz="2000" b="0" dirty="0" err="1"/>
+              <a:t>each</a:t>
+            </a:r>
+            <a:r>
+              <a:rPr lang="de-DE" sz="2000" b="0" dirty="0"/>
               <a:t> </a:t>
             </a:r>
             <a:r>
-              <a:rPr lang="de-DE" sz="2000" dirty="0" err="1"/>
-              <a:t>fitting</a:t>
-            </a:r>
-            <a:endParaRPr lang="de-DE" sz="2000" dirty="0"/>
-          </a:p>
-          <a:p>
-            <a:pPr marL="342900" indent="-342900">
-              <a:buFontTx/>
-              <a:buChar char="-"/>
+              <a:rPr lang="de-DE" sz="2000" b="0" dirty="0" err="1"/>
+              <a:t>component</a:t>
+            </a:r>
+            <a:r>
+              <a:rPr lang="de-DE" sz="2000" b="0" dirty="0"/>
+              <a:t>, 4 different Seasons [0.5, 1.0, 7.0, 245.0] </a:t>
+            </a:r>
+            <a:r>
+              <a:rPr lang="de-DE" sz="2000" b="0" dirty="0" err="1"/>
+              <a:t>days</a:t>
+            </a:r>
+            <a:r>
+              <a:rPr lang="de-DE" sz="2000" b="0" dirty="0"/>
+              <a:t> and Trend.</a:t>
+            </a:r>
+          </a:p>
+          <a:p>
+            <a:pPr marL="457200" indent="-457200">
+              <a:buFont typeface="Arial" panose="020B0604020202020204" pitchFamily="34" charset="0"/>
+              <a:buChar char="•"/>
             </a:pPr>
             <a:r>
-              <a:rPr lang="de-DE" sz="2000" dirty="0"/>
-              <a:t>Model</a:t>
-            </a:r>
-          </a:p>
-          <a:p>
-            <a:pPr marL="342900" indent="-342900">
-              <a:buFontTx/>
-              <a:buChar char="-"/>
+              <a:rPr lang="de-DE" sz="2000" b="0" dirty="0" err="1"/>
+              <a:t>Combining</a:t>
+            </a:r>
+            <a:r>
+              <a:rPr lang="de-DE" sz="2000" b="0" dirty="0"/>
+              <a:t> </a:t>
+            </a:r>
+            <a:r>
+              <a:rPr lang="de-DE" sz="2000" b="0" dirty="0" err="1"/>
+              <a:t>models</a:t>
+            </a:r>
+            <a:r>
+              <a:rPr lang="de-DE" sz="2000" b="0" dirty="0"/>
+              <a:t> in additive </a:t>
+            </a:r>
+            <a:r>
+              <a:rPr lang="de-DE" sz="2000" b="0" dirty="0" err="1"/>
+              <a:t>fashion</a:t>
+            </a:r>
+            <a:endParaRPr lang="de-DE" sz="2000" b="0" dirty="0"/>
+          </a:p>
+          <a:p>
+            <a:pPr marL="457200" indent="-457200">
+              <a:buFont typeface="Arial" panose="020B0604020202020204" pitchFamily="34" charset="0"/>
+              <a:buChar char="•"/>
             </a:pPr>
-            <a:r>
-              <a:rPr lang="de-DE" sz="2000" dirty="0"/>
-              <a:t>Extension </a:t>
-            </a:r>
-            <a:r>
-              <a:rPr lang="de-DE" sz="2000" dirty="0" err="1"/>
-              <a:t>with</a:t>
-            </a:r>
-            <a:r>
-              <a:rPr lang="de-DE" sz="2000" dirty="0"/>
-              <a:t> LSTM, ARIMA</a:t>
-            </a:r>
+            <a:endParaRPr lang="de-DE" sz="2000" b="0" dirty="0"/>
+          </a:p>
+          <a:p>
+            <a:pPr marL="457200" indent="-457200">
+              <a:buFont typeface="Arial" panose="020B0604020202020204" pitchFamily="34" charset="0"/>
+              <a:buChar char="•"/>
+            </a:pPr>
+            <a:endParaRPr lang="de-DE" sz="2000" b="0" dirty="0"/>
           </a:p>
         </p:txBody>
       </p:sp>
@@ -4408,6 +4814,752 @@
           </a:prstGeom>
         </p:spPr>
       </p:pic>
+      <p:pic>
+        <p:nvPicPr>
+          <p:cNvPr id="5" name="Picture 4" descr="Diagram&#10;&#10;Description automatically generated with medium confidence">
+            <a:extLst>
+              <a:ext uri="{FF2B5EF4-FFF2-40B4-BE49-F238E27FC236}">
+                <a16:creationId xmlns:a16="http://schemas.microsoft.com/office/drawing/2014/main" id="{230F4192-C7FA-D598-021A-8D1D976D6A58}"/>
+              </a:ext>
+            </a:extLst>
+          </p:cNvPr>
+          <p:cNvPicPr>
+            <a:picLocks noChangeAspect="1"/>
+          </p:cNvPicPr>
+          <p:nvPr/>
+        </p:nvPicPr>
+        <p:blipFill rotWithShape="1">
+          <a:blip r:embed="rId4"/>
+          <a:srcRect l="10919" t="5149" r="9191" b="8341"/>
+          <a:stretch/>
+        </p:blipFill>
+        <p:spPr>
+          <a:xfrm>
+            <a:off x="546741" y="21533132"/>
+            <a:ext cx="10264450" cy="3943906"/>
+          </a:xfrm>
+          <a:prstGeom prst="rect">
+            <a:avLst/>
+          </a:prstGeom>
+        </p:spPr>
+      </p:pic>
+      <p:graphicFrame>
+        <p:nvGraphicFramePr>
+          <p:cNvPr id="9" name="Table 9">
+            <a:extLst>
+              <a:ext uri="{FF2B5EF4-FFF2-40B4-BE49-F238E27FC236}">
+                <a16:creationId xmlns:a16="http://schemas.microsoft.com/office/drawing/2014/main" id="{C1EB1167-26B1-1F33-2E21-4F66C68CD3D2}"/>
+              </a:ext>
+            </a:extLst>
+          </p:cNvPr>
+          <p:cNvGraphicFramePr>
+            <a:graphicFrameLocks noGrp="1"/>
+          </p:cNvGraphicFramePr>
+          <p:nvPr>
+            <p:extLst>
+              <p:ext uri="{D42A27DB-BD31-4B8C-83A1-F6EECF244321}">
+                <p14:modId xmlns:p14="http://schemas.microsoft.com/office/powerpoint/2010/main" val="96492476"/>
+              </p:ext>
+            </p:extLst>
+          </p:nvPr>
+        </p:nvGraphicFramePr>
+        <p:xfrm>
+          <a:off x="11481980" y="10709352"/>
+          <a:ext cx="8780389" cy="2481388"/>
+        </p:xfrm>
+        <a:graphic>
+          <a:graphicData uri="http://schemas.openxmlformats.org/drawingml/2006/table">
+            <a:tbl>
+              <a:tblPr firstRow="1" bandRow="1">
+                <a:tableStyleId>{3C2FFA5D-87B4-456A-9821-1D502468CF0F}</a:tableStyleId>
+              </a:tblPr>
+              <a:tblGrid>
+                <a:gridCol w="1770597">
+                  <a:extLst>
+                    <a:ext uri="{9D8B030D-6E8A-4147-A177-3AD203B41FA5}">
+                      <a16:colId xmlns:a16="http://schemas.microsoft.com/office/drawing/2014/main" val="464465941"/>
+                    </a:ext>
+                  </a:extLst>
+                </a:gridCol>
+                <a:gridCol w="1752448">
+                  <a:extLst>
+                    <a:ext uri="{9D8B030D-6E8A-4147-A177-3AD203B41FA5}">
+                      <a16:colId xmlns:a16="http://schemas.microsoft.com/office/drawing/2014/main" val="4112224327"/>
+                    </a:ext>
+                  </a:extLst>
+                </a:gridCol>
+                <a:gridCol w="1752448">
+                  <a:extLst>
+                    <a:ext uri="{9D8B030D-6E8A-4147-A177-3AD203B41FA5}">
+                      <a16:colId xmlns:a16="http://schemas.microsoft.com/office/drawing/2014/main" val="3437293291"/>
+                    </a:ext>
+                  </a:extLst>
+                </a:gridCol>
+                <a:gridCol w="1752448">
+                  <a:extLst>
+                    <a:ext uri="{9D8B030D-6E8A-4147-A177-3AD203B41FA5}">
+                      <a16:colId xmlns:a16="http://schemas.microsoft.com/office/drawing/2014/main" val="2014822585"/>
+                    </a:ext>
+                  </a:extLst>
+                </a:gridCol>
+                <a:gridCol w="1752448">
+                  <a:extLst>
+                    <a:ext uri="{9D8B030D-6E8A-4147-A177-3AD203B41FA5}">
+                      <a16:colId xmlns:a16="http://schemas.microsoft.com/office/drawing/2014/main" val="1167555461"/>
+                    </a:ext>
+                  </a:extLst>
+                </a:gridCol>
+              </a:tblGrid>
+              <a:tr h="361537">
+                <a:tc>
+                  <a:txBody>
+                    <a:bodyPr/>
+                    <a:lstStyle/>
+                    <a:p>
+                      <a:r>
+                        <a:rPr lang="en-US" sz="2000" kern="1200" dirty="0">
+                          <a:solidFill>
+                            <a:schemeClr val="bg1"/>
+                          </a:solidFill>
+                          <a:latin typeface="+mn-lt"/>
+                          <a:ea typeface="+mn-ea"/>
+                          <a:cs typeface="+mn-cs"/>
+                        </a:rPr>
+                        <a:t>Model</a:t>
+                      </a:r>
+                    </a:p>
+                  </a:txBody>
+                  <a:tcPr/>
+                </a:tc>
+                <a:tc>
+                  <a:txBody>
+                    <a:bodyPr/>
+                    <a:lstStyle/>
+                    <a:p>
+                      <a:r>
+                        <a:rPr lang="en-US" sz="2000" kern="1200" dirty="0">
+                          <a:solidFill>
+                            <a:schemeClr val="bg1"/>
+                          </a:solidFill>
+                          <a:latin typeface="+mn-lt"/>
+                          <a:ea typeface="+mn-ea"/>
+                          <a:cs typeface="+mn-cs"/>
+                        </a:rPr>
+                        <a:t>MSE</a:t>
+                      </a:r>
+                    </a:p>
+                  </a:txBody>
+                  <a:tcPr/>
+                </a:tc>
+                <a:tc>
+                  <a:txBody>
+                    <a:bodyPr/>
+                    <a:lstStyle/>
+                    <a:p>
+                      <a:r>
+                        <a:rPr lang="en-US" sz="2000" kern="1200" dirty="0">
+                          <a:solidFill>
+                            <a:schemeClr val="bg1"/>
+                          </a:solidFill>
+                          <a:latin typeface="+mn-lt"/>
+                          <a:ea typeface="+mn-ea"/>
+                          <a:cs typeface="+mn-cs"/>
+                        </a:rPr>
+                        <a:t>MAE</a:t>
+                      </a:r>
+                    </a:p>
+                  </a:txBody>
+                  <a:tcPr/>
+                </a:tc>
+                <a:tc>
+                  <a:txBody>
+                    <a:bodyPr/>
+                    <a:lstStyle/>
+                    <a:p>
+                      <a:r>
+                        <a:rPr lang="en-US" sz="2000" kern="1200" dirty="0">
+                          <a:solidFill>
+                            <a:schemeClr val="bg1"/>
+                          </a:solidFill>
+                          <a:latin typeface="+mn-lt"/>
+                          <a:ea typeface="+mn-ea"/>
+                          <a:cs typeface="+mn-cs"/>
+                        </a:rPr>
+                        <a:t>RMSE</a:t>
+                      </a:r>
+                    </a:p>
+                  </a:txBody>
+                  <a:tcPr/>
+                </a:tc>
+                <a:tc>
+                  <a:txBody>
+                    <a:bodyPr/>
+                    <a:lstStyle/>
+                    <a:p>
+                      <a:r>
+                        <a:rPr lang="en-US" sz="2000" kern="1200" dirty="0">
+                          <a:solidFill>
+                            <a:schemeClr val="bg1"/>
+                          </a:solidFill>
+                          <a:latin typeface="+mn-lt"/>
+                          <a:ea typeface="+mn-ea"/>
+                          <a:cs typeface="+mn-cs"/>
+                        </a:rPr>
+                        <a:t>R2</a:t>
+                      </a:r>
+                    </a:p>
+                  </a:txBody>
+                  <a:tcPr/>
+                </a:tc>
+                <a:extLst>
+                  <a:ext uri="{0D108BD9-81ED-4DB2-BD59-A6C34878D82A}">
+                    <a16:rowId xmlns:a16="http://schemas.microsoft.com/office/drawing/2014/main" val="1848082894"/>
+                  </a:ext>
+                </a:extLst>
+              </a:tr>
+              <a:tr h="361537">
+                <a:tc>
+                  <a:txBody>
+                    <a:bodyPr/>
+                    <a:lstStyle/>
+                    <a:p>
+                      <a:r>
+                        <a:rPr lang="en-US" sz="2000" kern="1200" dirty="0">
+                          <a:solidFill>
+                            <a:schemeClr val="tx1"/>
+                          </a:solidFill>
+                          <a:latin typeface="+mn-lt"/>
+                          <a:ea typeface="+mn-ea"/>
+                          <a:cs typeface="+mn-cs"/>
+                        </a:rPr>
+                        <a:t>RBM</a:t>
+                      </a:r>
+                    </a:p>
+                  </a:txBody>
+                  <a:tcPr/>
+                </a:tc>
+                <a:tc>
+                  <a:txBody>
+                    <a:bodyPr/>
+                    <a:lstStyle/>
+                    <a:p>
+                      <a:pPr algn="r"/>
+                      <a:r>
+                        <a:rPr lang="en-US" sz="2000" kern="1200" dirty="0">
+                          <a:solidFill>
+                            <a:schemeClr val="tx1"/>
+                          </a:solidFill>
+                          <a:latin typeface="+mn-lt"/>
+                          <a:ea typeface="+mn-ea"/>
+                          <a:cs typeface="+mn-cs"/>
+                        </a:rPr>
+                        <a:t>6168.746</a:t>
+                      </a:r>
+                    </a:p>
+                  </a:txBody>
+                  <a:tcPr/>
+                </a:tc>
+                <a:tc>
+                  <a:txBody>
+                    <a:bodyPr/>
+                    <a:lstStyle/>
+                    <a:p>
+                      <a:pPr algn="r"/>
+                      <a:r>
+                        <a:rPr lang="en-US" sz="2000" kern="1200" dirty="0">
+                          <a:solidFill>
+                            <a:schemeClr val="tx1"/>
+                          </a:solidFill>
+                          <a:latin typeface="+mn-lt"/>
+                          <a:ea typeface="+mn-ea"/>
+                          <a:cs typeface="+mn-cs"/>
+                        </a:rPr>
+                        <a:t>64.824</a:t>
+                      </a:r>
+                    </a:p>
+                  </a:txBody>
+                  <a:tcPr/>
+                </a:tc>
+                <a:tc>
+                  <a:txBody>
+                    <a:bodyPr/>
+                    <a:lstStyle/>
+                    <a:p>
+                      <a:pPr algn="r"/>
+                      <a:r>
+                        <a:rPr lang="en-US" sz="2000" kern="1200" dirty="0">
+                          <a:solidFill>
+                            <a:schemeClr val="tx1"/>
+                          </a:solidFill>
+                          <a:latin typeface="+mn-lt"/>
+                          <a:ea typeface="+mn-ea"/>
+                          <a:cs typeface="+mn-cs"/>
+                        </a:rPr>
+                        <a:t>78.541</a:t>
+                      </a:r>
+                    </a:p>
+                  </a:txBody>
+                  <a:tcPr/>
+                </a:tc>
+                <a:tc>
+                  <a:txBody>
+                    <a:bodyPr/>
+                    <a:lstStyle/>
+                    <a:p>
+                      <a:pPr algn="r"/>
+                      <a:r>
+                        <a:rPr lang="en-US" sz="2000" kern="1200" dirty="0">
+                          <a:solidFill>
+                            <a:schemeClr val="tx1"/>
+                          </a:solidFill>
+                          <a:latin typeface="+mn-lt"/>
+                          <a:ea typeface="+mn-ea"/>
+                          <a:cs typeface="+mn-cs"/>
+                        </a:rPr>
+                        <a:t>-2.007</a:t>
+                      </a:r>
+                    </a:p>
+                  </a:txBody>
+                  <a:tcPr/>
+                </a:tc>
+                <a:extLst>
+                  <a:ext uri="{0D108BD9-81ED-4DB2-BD59-A6C34878D82A}">
+                    <a16:rowId xmlns:a16="http://schemas.microsoft.com/office/drawing/2014/main" val="3500294253"/>
+                  </a:ext>
+                </a:extLst>
+              </a:tr>
+              <a:tr h="361537">
+                <a:tc>
+                  <a:txBody>
+                    <a:bodyPr/>
+                    <a:lstStyle/>
+                    <a:p>
+                      <a:r>
+                        <a:rPr lang="en-US" sz="2000" kern="1200" dirty="0">
+                          <a:solidFill>
+                            <a:schemeClr val="tx1"/>
+                          </a:solidFill>
+                          <a:latin typeface="+mn-lt"/>
+                          <a:ea typeface="+mn-ea"/>
+                          <a:cs typeface="+mn-cs"/>
+                        </a:rPr>
+                        <a:t>MBM</a:t>
+                      </a:r>
+                    </a:p>
+                  </a:txBody>
+                  <a:tcPr/>
+                </a:tc>
+                <a:tc>
+                  <a:txBody>
+                    <a:bodyPr/>
+                    <a:lstStyle/>
+                    <a:p>
+                      <a:pPr algn="r"/>
+                      <a:r>
+                        <a:rPr lang="en-US" sz="2000" kern="1200" dirty="0">
+                          <a:solidFill>
+                            <a:schemeClr val="tx1"/>
+                          </a:solidFill>
+                          <a:latin typeface="+mn-lt"/>
+                          <a:ea typeface="+mn-ea"/>
+                          <a:cs typeface="+mn-cs"/>
+                        </a:rPr>
+                        <a:t>2172.005</a:t>
+                      </a:r>
+                    </a:p>
+                  </a:txBody>
+                  <a:tcPr/>
+                </a:tc>
+                <a:tc>
+                  <a:txBody>
+                    <a:bodyPr/>
+                    <a:lstStyle/>
+                    <a:p>
+                      <a:pPr algn="r"/>
+                      <a:r>
+                        <a:rPr lang="en-US" sz="2000" kern="1200" dirty="0">
+                          <a:solidFill>
+                            <a:schemeClr val="tx1"/>
+                          </a:solidFill>
+                          <a:latin typeface="+mn-lt"/>
+                          <a:ea typeface="+mn-ea"/>
+                          <a:cs typeface="+mn-cs"/>
+                        </a:rPr>
+                        <a:t>40.396</a:t>
+                      </a:r>
+                    </a:p>
+                  </a:txBody>
+                  <a:tcPr/>
+                </a:tc>
+                <a:tc>
+                  <a:txBody>
+                    <a:bodyPr/>
+                    <a:lstStyle/>
+                    <a:p>
+                      <a:pPr algn="r"/>
+                      <a:r>
+                        <a:rPr lang="en-US" sz="2000" kern="1200" dirty="0">
+                          <a:solidFill>
+                            <a:schemeClr val="tx1"/>
+                          </a:solidFill>
+                          <a:latin typeface="+mn-lt"/>
+                          <a:ea typeface="+mn-ea"/>
+                          <a:cs typeface="+mn-cs"/>
+                        </a:rPr>
+                        <a:t>46.605</a:t>
+                      </a:r>
+                    </a:p>
+                  </a:txBody>
+                  <a:tcPr/>
+                </a:tc>
+                <a:tc>
+                  <a:txBody>
+                    <a:bodyPr/>
+                    <a:lstStyle/>
+                    <a:p>
+                      <a:pPr algn="r"/>
+                      <a:r>
+                        <a:rPr lang="en-US" sz="2000" kern="1200" dirty="0">
+                          <a:solidFill>
+                            <a:schemeClr val="tx1"/>
+                          </a:solidFill>
+                          <a:latin typeface="+mn-lt"/>
+                          <a:ea typeface="+mn-ea"/>
+                          <a:cs typeface="+mn-cs"/>
+                        </a:rPr>
+                        <a:t>-0.059</a:t>
+                      </a:r>
+                    </a:p>
+                  </a:txBody>
+                  <a:tcPr/>
+                </a:tc>
+                <a:extLst>
+                  <a:ext uri="{0D108BD9-81ED-4DB2-BD59-A6C34878D82A}">
+                    <a16:rowId xmlns:a16="http://schemas.microsoft.com/office/drawing/2014/main" val="270543441"/>
+                  </a:ext>
+                </a:extLst>
+              </a:tr>
+              <a:tr h="361537">
+                <a:tc>
+                  <a:txBody>
+                    <a:bodyPr/>
+                    <a:lstStyle/>
+                    <a:p>
+                      <a:r>
+                        <a:rPr lang="en-US" sz="2000" kern="1200" dirty="0">
+                          <a:solidFill>
+                            <a:schemeClr val="tx1"/>
+                          </a:solidFill>
+                          <a:latin typeface="+mn-lt"/>
+                          <a:ea typeface="+mn-ea"/>
+                          <a:cs typeface="+mn-cs"/>
+                        </a:rPr>
+                        <a:t>AM</a:t>
+                      </a:r>
+                    </a:p>
+                  </a:txBody>
+                  <a:tcPr/>
+                </a:tc>
+                <a:tc>
+                  <a:txBody>
+                    <a:bodyPr/>
+                    <a:lstStyle/>
+                    <a:p>
+                      <a:pPr algn="r"/>
+                      <a:r>
+                        <a:rPr lang="en-US" sz="2000" kern="1200" dirty="0">
+                          <a:solidFill>
+                            <a:schemeClr val="tx1"/>
+                          </a:solidFill>
+                          <a:latin typeface="+mn-lt"/>
+                          <a:ea typeface="+mn-ea"/>
+                          <a:cs typeface="+mn-cs"/>
+                        </a:rPr>
+                        <a:t>557.02</a:t>
+                      </a:r>
+                    </a:p>
+                  </a:txBody>
+                  <a:tcPr/>
+                </a:tc>
+                <a:tc>
+                  <a:txBody>
+                    <a:bodyPr/>
+                    <a:lstStyle/>
+                    <a:p>
+                      <a:pPr algn="r"/>
+                      <a:r>
+                        <a:rPr lang="en-US" sz="2000" kern="1200" dirty="0">
+                          <a:solidFill>
+                            <a:schemeClr val="tx1"/>
+                          </a:solidFill>
+                          <a:latin typeface="+mn-lt"/>
+                          <a:ea typeface="+mn-ea"/>
+                          <a:cs typeface="+mn-cs"/>
+                        </a:rPr>
+                        <a:t>18.421</a:t>
+                      </a:r>
+                    </a:p>
+                  </a:txBody>
+                  <a:tcPr/>
+                </a:tc>
+                <a:tc>
+                  <a:txBody>
+                    <a:bodyPr/>
+                    <a:lstStyle/>
+                    <a:p>
+                      <a:pPr algn="r"/>
+                      <a:r>
+                        <a:rPr lang="en-US" sz="2000" kern="1200" dirty="0">
+                          <a:solidFill>
+                            <a:schemeClr val="tx1"/>
+                          </a:solidFill>
+                          <a:latin typeface="+mn-lt"/>
+                          <a:ea typeface="+mn-ea"/>
+                          <a:cs typeface="+mn-cs"/>
+                        </a:rPr>
+                        <a:t>23.601</a:t>
+                      </a:r>
+                    </a:p>
+                  </a:txBody>
+                  <a:tcPr/>
+                </a:tc>
+                <a:tc>
+                  <a:txBody>
+                    <a:bodyPr/>
+                    <a:lstStyle/>
+                    <a:p>
+                      <a:pPr algn="r"/>
+                      <a:r>
+                        <a:rPr lang="en-US" sz="2000" kern="1200" dirty="0">
+                          <a:solidFill>
+                            <a:schemeClr val="tx1"/>
+                          </a:solidFill>
+                          <a:latin typeface="+mn-lt"/>
+                          <a:ea typeface="+mn-ea"/>
+                          <a:cs typeface="+mn-cs"/>
+                        </a:rPr>
+                        <a:t>0.745</a:t>
+                      </a:r>
+                    </a:p>
+                  </a:txBody>
+                  <a:tcPr/>
+                </a:tc>
+                <a:extLst>
+                  <a:ext uri="{0D108BD9-81ED-4DB2-BD59-A6C34878D82A}">
+                    <a16:rowId xmlns:a16="http://schemas.microsoft.com/office/drawing/2014/main" val="2439749995"/>
+                  </a:ext>
+                </a:extLst>
+              </a:tr>
+              <a:tr h="361537">
+                <a:tc>
+                  <a:txBody>
+                    <a:bodyPr/>
+                    <a:lstStyle/>
+                    <a:p>
+                      <a:r>
+                        <a:rPr lang="en-US" sz="2000" kern="1200" dirty="0" err="1">
+                          <a:solidFill>
+                            <a:schemeClr val="tx1"/>
+                          </a:solidFill>
+                          <a:latin typeface="+mn-lt"/>
+                          <a:ea typeface="+mn-ea"/>
+                          <a:cs typeface="+mn-cs"/>
+                        </a:rPr>
+                        <a:t>LightGBM</a:t>
+                      </a:r>
+                      <a:endParaRPr lang="en-US" sz="2000" kern="1200" dirty="0">
+                        <a:solidFill>
+                          <a:schemeClr val="tx1"/>
+                        </a:solidFill>
+                        <a:latin typeface="+mn-lt"/>
+                        <a:ea typeface="+mn-ea"/>
+                        <a:cs typeface="+mn-cs"/>
+                      </a:endParaRPr>
+                    </a:p>
+                  </a:txBody>
+                  <a:tcPr/>
+                </a:tc>
+                <a:tc>
+                  <a:txBody>
+                    <a:bodyPr/>
+                    <a:lstStyle/>
+                    <a:p>
+                      <a:endParaRPr lang="en-US" sz="2000" kern="1200" dirty="0">
+                        <a:solidFill>
+                          <a:schemeClr val="tx1"/>
+                        </a:solidFill>
+                        <a:latin typeface="+mn-lt"/>
+                        <a:ea typeface="+mn-ea"/>
+                        <a:cs typeface="+mn-cs"/>
+                      </a:endParaRPr>
+                    </a:p>
+                  </a:txBody>
+                  <a:tcPr/>
+                </a:tc>
+                <a:tc>
+                  <a:txBody>
+                    <a:bodyPr/>
+                    <a:lstStyle/>
+                    <a:p>
+                      <a:endParaRPr lang="en-US" sz="2000" kern="1200" dirty="0">
+                        <a:solidFill>
+                          <a:schemeClr val="tx1"/>
+                        </a:solidFill>
+                        <a:latin typeface="+mn-lt"/>
+                        <a:ea typeface="+mn-ea"/>
+                        <a:cs typeface="+mn-cs"/>
+                      </a:endParaRPr>
+                    </a:p>
+                  </a:txBody>
+                  <a:tcPr/>
+                </a:tc>
+                <a:tc>
+                  <a:txBody>
+                    <a:bodyPr/>
+                    <a:lstStyle/>
+                    <a:p>
+                      <a:endParaRPr lang="en-US" sz="2000" kern="1200">
+                        <a:solidFill>
+                          <a:schemeClr val="tx1"/>
+                        </a:solidFill>
+                        <a:latin typeface="+mn-lt"/>
+                        <a:ea typeface="+mn-ea"/>
+                        <a:cs typeface="+mn-cs"/>
+                      </a:endParaRPr>
+                    </a:p>
+                  </a:txBody>
+                  <a:tcPr/>
+                </a:tc>
+                <a:tc>
+                  <a:txBody>
+                    <a:bodyPr/>
+                    <a:lstStyle/>
+                    <a:p>
+                      <a:endParaRPr lang="en-US" sz="2000" kern="1200" dirty="0">
+                        <a:solidFill>
+                          <a:schemeClr val="tx1"/>
+                        </a:solidFill>
+                        <a:latin typeface="+mn-lt"/>
+                        <a:ea typeface="+mn-ea"/>
+                        <a:cs typeface="+mn-cs"/>
+                      </a:endParaRPr>
+                    </a:p>
+                  </a:txBody>
+                  <a:tcPr/>
+                </a:tc>
+                <a:extLst>
+                  <a:ext uri="{0D108BD9-81ED-4DB2-BD59-A6C34878D82A}">
+                    <a16:rowId xmlns:a16="http://schemas.microsoft.com/office/drawing/2014/main" val="3030324525"/>
+                  </a:ext>
+                </a:extLst>
+              </a:tr>
+              <a:tr h="500188">
+                <a:tc>
+                  <a:txBody>
+                    <a:bodyPr/>
+                    <a:lstStyle/>
+                    <a:p>
+                      <a:r>
+                        <a:rPr lang="en-US" sz="2000" kern="1200" dirty="0" err="1">
+                          <a:solidFill>
+                            <a:schemeClr val="tx1"/>
+                          </a:solidFill>
+                          <a:latin typeface="+mn-lt"/>
+                          <a:ea typeface="+mn-ea"/>
+                          <a:cs typeface="+mn-cs"/>
+                        </a:rPr>
+                        <a:t>XGBoost</a:t>
+                      </a:r>
+                      <a:endParaRPr lang="en-US" sz="2000" kern="1200" dirty="0">
+                        <a:solidFill>
+                          <a:schemeClr val="tx1"/>
+                        </a:solidFill>
+                        <a:latin typeface="+mn-lt"/>
+                        <a:ea typeface="+mn-ea"/>
+                        <a:cs typeface="+mn-cs"/>
+                      </a:endParaRPr>
+                    </a:p>
+                  </a:txBody>
+                  <a:tcPr/>
+                </a:tc>
+                <a:tc>
+                  <a:txBody>
+                    <a:bodyPr/>
+                    <a:lstStyle/>
+                    <a:p>
+                      <a:endParaRPr lang="en-US" sz="2000" kern="1200" dirty="0">
+                        <a:solidFill>
+                          <a:schemeClr val="tx1"/>
+                        </a:solidFill>
+                        <a:latin typeface="+mn-lt"/>
+                        <a:ea typeface="+mn-ea"/>
+                        <a:cs typeface="+mn-cs"/>
+                      </a:endParaRPr>
+                    </a:p>
+                  </a:txBody>
+                  <a:tcPr/>
+                </a:tc>
+                <a:tc>
+                  <a:txBody>
+                    <a:bodyPr/>
+                    <a:lstStyle/>
+                    <a:p>
+                      <a:endParaRPr lang="en-US" sz="2000" kern="1200">
+                        <a:solidFill>
+                          <a:schemeClr val="tx1"/>
+                        </a:solidFill>
+                        <a:latin typeface="+mn-lt"/>
+                        <a:ea typeface="+mn-ea"/>
+                        <a:cs typeface="+mn-cs"/>
+                      </a:endParaRPr>
+                    </a:p>
+                  </a:txBody>
+                  <a:tcPr/>
+                </a:tc>
+                <a:tc>
+                  <a:txBody>
+                    <a:bodyPr/>
+                    <a:lstStyle/>
+                    <a:p>
+                      <a:endParaRPr lang="en-US" sz="2000" kern="1200">
+                        <a:solidFill>
+                          <a:schemeClr val="tx1"/>
+                        </a:solidFill>
+                        <a:latin typeface="+mn-lt"/>
+                        <a:ea typeface="+mn-ea"/>
+                        <a:cs typeface="+mn-cs"/>
+                      </a:endParaRPr>
+                    </a:p>
+                  </a:txBody>
+                  <a:tcPr/>
+                </a:tc>
+                <a:tc>
+                  <a:txBody>
+                    <a:bodyPr/>
+                    <a:lstStyle/>
+                    <a:p>
+                      <a:endParaRPr lang="en-US" sz="2000" kern="1200" dirty="0">
+                        <a:solidFill>
+                          <a:schemeClr val="tx1"/>
+                        </a:solidFill>
+                        <a:latin typeface="+mn-lt"/>
+                        <a:ea typeface="+mn-ea"/>
+                        <a:cs typeface="+mn-cs"/>
+                      </a:endParaRPr>
+                    </a:p>
+                  </a:txBody>
+                  <a:tcPr/>
+                </a:tc>
+                <a:extLst>
+                  <a:ext uri="{0D108BD9-81ED-4DB2-BD59-A6C34878D82A}">
+                    <a16:rowId xmlns:a16="http://schemas.microsoft.com/office/drawing/2014/main" val="2062666678"/>
+                  </a:ext>
+                </a:extLst>
+              </a:tr>
+            </a:tbl>
+          </a:graphicData>
+        </a:graphic>
+      </p:graphicFrame>
     </p:spTree>
     <p:extLst>
       <p:ext uri="{BB962C8B-B14F-4D97-AF65-F5344CB8AC3E}">
@@ -5043,15 +6195,6 @@
 </file>
 
 <file path=customXml/item2.xml><?xml version="1.0" encoding="utf-8"?>
-<?mso-contentType ?>
-<FormTemplates xmlns="http://schemas.microsoft.com/sharepoint/v3/contenttype/forms">
-  <Display>DocumentLibraryForm</Display>
-  <Edit>DocumentLibraryForm</Edit>
-  <New>DocumentLibraryForm</New>
-</FormTemplates>
-</file>
-
-<file path=customXml/item3.xml><?xml version="1.0" encoding="utf-8"?>
 <ct:contentTypeSchema xmlns:ct="http://schemas.microsoft.com/office/2006/metadata/contentType" xmlns:ma="http://schemas.microsoft.com/office/2006/metadata/properties/metaAttributes" ct:_="" ma:_="" ma:contentTypeName="Document" ma:contentTypeID="0x01010091FB4E2C44785744AD758A08C31CB8BB" ma:contentTypeVersion="" ma:contentTypeDescription="Create a new document." ma:contentTypeScope="" ma:versionID="c10ed37576fa3e2355debe60a3f3e110">
   <xsd:schema xmlns:xsd="http://www.w3.org/2001/XMLSchema" xmlns:xs="http://www.w3.org/2001/XMLSchema" xmlns:p="http://schemas.microsoft.com/office/2006/metadata/properties" targetNamespace="http://schemas.microsoft.com/office/2006/metadata/properties" ma:root="true" ma:fieldsID="b2384c6cc0088fcedbaf6edaf557defa">
     <xsd:element name="properties">
@@ -5165,6 +6308,15 @@
 </ct:contentTypeSchema>
 </file>
 
+<file path=customXml/item3.xml><?xml version="1.0" encoding="utf-8"?>
+<?mso-contentType ?>
+<FormTemplates xmlns="http://schemas.microsoft.com/sharepoint/v3/contenttype/forms">
+  <Display>DocumentLibraryForm</Display>
+  <Edit>DocumentLibraryForm</Edit>
+  <New>DocumentLibraryForm</New>
+</FormTemplates>
+</file>
+
 <file path=customXml/itemProps1.xml><?xml version="1.0" encoding="utf-8"?>
 <ds:datastoreItem xmlns:ds="http://schemas.openxmlformats.org/officeDocument/2006/customXml" ds:itemID="{772D69D5-417F-4E01-BF36-724AAA3B40C9}">
   <ds:schemaRefs>
@@ -5175,14 +6327,6 @@
 </file>
 
 <file path=customXml/itemProps2.xml><?xml version="1.0" encoding="utf-8"?>
-<ds:datastoreItem xmlns:ds="http://schemas.openxmlformats.org/officeDocument/2006/customXml" ds:itemID="{F775AA27-F288-48DE-998B-34BCC959C2C3}">
-  <ds:schemaRefs>
-    <ds:schemaRef ds:uri="http://schemas.microsoft.com/sharepoint/v3/contenttype/forms"/>
-  </ds:schemaRefs>
-</ds:datastoreItem>
-</file>
-
-<file path=customXml/itemProps3.xml><?xml version="1.0" encoding="utf-8"?>
 <ds:datastoreItem xmlns:ds="http://schemas.openxmlformats.org/officeDocument/2006/customXml" ds:itemID="{CEAA2269-7DA5-4899-9701-3B66F199AD34}">
   <ds:schemaRefs>
     <ds:schemaRef ds:uri="http://schemas.microsoft.com/office/2006/metadata/contentType"/>
@@ -5196,4 +6340,12 @@
     <ds:schemaRef ds:uri="http://schemas.microsoft.com/office/infopath/2007/PartnerControls"/>
   </ds:schemaRefs>
 </ds:datastoreItem>
+</file>
+
+<file path=customXml/itemProps3.xml><?xml version="1.0" encoding="utf-8"?>
+<ds:datastoreItem xmlns:ds="http://schemas.openxmlformats.org/officeDocument/2006/customXml" ds:itemID="{F775AA27-F288-48DE-998B-34BCC959C2C3}">
+  <ds:schemaRefs>
+    <ds:schemaRef ds:uri="http://schemas.microsoft.com/sharepoint/v3/contenttype/forms"/>
+  </ds:schemaRefs>
+</ds:datastoreItem>
 </file>
--- a/Poster.pptx
+++ b/Poster.pptx
@@ -1001,14 +1001,14 @@
           </a:ln>
           <a:extLst>
             <a:ext uri="{909E8E84-426E-40dd-AFC4-6F175D3DCCD1}">
-              <a14:hiddenFill xmlns="" xmlns:a14="http://schemas.microsoft.com/office/drawing/2010/main">
+              <a14:hiddenFill xmlns:a14="http://schemas.microsoft.com/office/drawing/2010/main" xmlns="">
                 <a:solidFill>
                   <a:srgbClr val="FFFFFF"/>
                 </a:solidFill>
               </a14:hiddenFill>
             </a:ext>
             <a:ext uri="{91240B29-F687-4f45-9708-019B960494DF}">
-              <a14:hiddenLine xmlns="" xmlns:a14="http://schemas.microsoft.com/office/drawing/2010/main" w="9525">
+              <a14:hiddenLine xmlns:a14="http://schemas.microsoft.com/office/drawing/2010/main" xmlns="" w="9525">
                 <a:solidFill>
                   <a:srgbClr val="000000"/>
                 </a:solidFill>
@@ -1145,14 +1145,14 @@
           </a:ln>
           <a:extLst>
             <a:ext uri="{909E8E84-426E-40dd-AFC4-6F175D3DCCD1}">
-              <a14:hiddenFill xmlns="" xmlns:a14="http://schemas.microsoft.com/office/drawing/2010/main">
+              <a14:hiddenFill xmlns:a14="http://schemas.microsoft.com/office/drawing/2010/main" xmlns="">
                 <a:solidFill>
                   <a:srgbClr val="FFFFFF"/>
                 </a:solidFill>
               </a14:hiddenFill>
             </a:ext>
             <a:ext uri="{91240B29-F687-4f45-9708-019B960494DF}">
-              <a14:hiddenLine xmlns="" xmlns:a14="http://schemas.microsoft.com/office/drawing/2010/main" w="9525">
+              <a14:hiddenLine xmlns:a14="http://schemas.microsoft.com/office/drawing/2010/main" xmlns="" w="9525">
                 <a:solidFill>
                   <a:srgbClr val="000000"/>
                 </a:solidFill>
@@ -2098,118 +2098,6 @@
       </p:sp>
       <p:sp>
         <p:nvSpPr>
-          <p:cNvPr id="7" name="Inhaltsplatzhalter 6"/>
-          <p:cNvSpPr>
-            <a:spLocks noGrp="1"/>
-          </p:cNvSpPr>
-          <p:nvPr>
-            <p:ph sz="quarter" idx="11"/>
-          </p:nvPr>
-        </p:nvSpPr>
-        <p:spPr>
-          <a:xfrm>
-            <a:off x="1837893" y="5217680"/>
-            <a:ext cx="8820000" cy="5170920"/>
-          </a:xfrm>
-        </p:spPr>
-        <p:txBody>
-          <a:bodyPr>
-            <a:noAutofit/>
-          </a:bodyPr>
-          <a:lstStyle/>
-          <a:p>
-            <a:r>
-              <a:rPr lang="de-DE" dirty="0" err="1"/>
-              <a:t>Introduction</a:t>
-            </a:r>
-            <a:endParaRPr lang="de-DE" dirty="0"/>
-          </a:p>
-          <a:p>
-            <a:pPr lvl="1"/>
-            <a:r>
-              <a:rPr lang="en-US" dirty="0"/>
-              <a:t>The </a:t>
-            </a:r>
-            <a:r>
-              <a:rPr lang="en-US" dirty="0" err="1"/>
-              <a:t>Powersupply</a:t>
-            </a:r>
-            <a:r>
-              <a:rPr lang="en-US" dirty="0"/>
-              <a:t> dataset contains hourly power supply measurements of an </a:t>
-            </a:r>
-            <a:r>
-              <a:rPr lang="en-US" dirty="0" err="1"/>
-              <a:t>italian</a:t>
-            </a:r>
-            <a:r>
-              <a:rPr lang="en-US" dirty="0"/>
-              <a:t> electricity company in a span of 3 years. There are two sources in these records, the main grid and the power transformed from other grids. In this work the focus is on the main grid. The goal of this work is forecasting 20% of the dataset. First the data is inspected using Fourier transformation and additive model, as well as proven to be stationary. Later on, the task is tackled using ARIMA, Booster models, LSTM models and a Hypernetwork that generates the weights for a LSTM model.</a:t>
-            </a:r>
-          </a:p>
-          <a:p>
-            <a:pPr lvl="1"/>
-            <a:r>
-              <a:rPr lang="en-US" dirty="0"/>
-              <a:t>TODO:</a:t>
-            </a:r>
-          </a:p>
-          <a:p>
-            <a:pPr lvl="1"/>
-            <a:r>
-              <a:rPr lang="en-US" dirty="0"/>
-              <a:t>Mention </a:t>
-            </a:r>
-            <a:r>
-              <a:rPr lang="en-US" dirty="0" err="1"/>
-              <a:t>preprocesssing</a:t>
-            </a:r>
-            <a:r>
-              <a:rPr lang="en-US" dirty="0"/>
-              <a:t> (Error, added timestamps </a:t>
-            </a:r>
-            <a:r>
-              <a:rPr lang="en-US" dirty="0" err="1"/>
-              <a:t>unkwon</a:t>
-            </a:r>
-            <a:r>
-              <a:rPr lang="en-US" dirty="0"/>
-              <a:t> start of dataset, Nearly no trend,…</a:t>
-            </a:r>
-          </a:p>
-          <a:p>
-            <a:pPr lvl="1"/>
-            <a:r>
-              <a:rPr lang="en-US" dirty="0"/>
-              <a:t>What problem are you working on?</a:t>
-            </a:r>
-          </a:p>
-          <a:p>
-            <a:pPr lvl="1"/>
-            <a:r>
-              <a:rPr lang="en-US" dirty="0"/>
-              <a:t>What are the key characteristics of the data set?</a:t>
-            </a:r>
-          </a:p>
-          <a:p>
-            <a:pPr lvl="1"/>
-            <a:r>
-              <a:rPr lang="en-US" dirty="0"/>
-              <a:t>Why did you choose this approach? Basi thought process (multiple </a:t>
-            </a:r>
-            <a:r>
-              <a:rPr lang="en-US" dirty="0" err="1"/>
-              <a:t>seasonalites</a:t>
-            </a:r>
-            <a:r>
-              <a:rPr lang="en-US" dirty="0"/>
-              <a:t>, little trend, high noise)</a:t>
-            </a:r>
-          </a:p>
-        </p:txBody>
-      </p:sp>
-      <p:sp>
-        <p:nvSpPr>
           <p:cNvPr id="8" name="Inhaltsplatzhalter 7"/>
           <p:cNvSpPr>
             <a:spLocks noGrp="1"/>
@@ -2220,8 +2108,8 @@
         </p:nvSpPr>
         <p:spPr>
           <a:xfrm>
-            <a:off x="11467188" y="4645063"/>
-            <a:ext cx="8820000" cy="5584787"/>
+            <a:off x="11380805" y="4662463"/>
+            <a:ext cx="9481571" cy="5815781"/>
           </a:xfrm>
         </p:spPr>
         <p:txBody>
@@ -2349,298 +2237,6 @@
           </a:p>
         </p:txBody>
       </p:sp>
-      <p:graphicFrame>
-        <p:nvGraphicFramePr>
-          <p:cNvPr id="14" name="Tabelle 13"/>
-          <p:cNvGraphicFramePr>
-            <a:graphicFrameLocks noGrp="1"/>
-          </p:cNvGraphicFramePr>
-          <p:nvPr>
-            <p:extLst>
-              <p:ext uri="{D42A27DB-BD31-4B8C-83A1-F6EECF244321}">
-                <p14:modId xmlns:p14="http://schemas.microsoft.com/office/powerpoint/2010/main" val="2623153291"/>
-              </p:ext>
-            </p:extLst>
-          </p:nvPr>
-        </p:nvGraphicFramePr>
-        <p:xfrm>
-          <a:off x="1837461" y="11714055"/>
-          <a:ext cx="8820216" cy="4131188"/>
-        </p:xfrm>
-        <a:graphic>
-          <a:graphicData uri="http://schemas.openxmlformats.org/drawingml/2006/table">
-            <a:tbl>
-              <a:tblPr firstRow="1" bandRow="1">
-                <a:tableStyleId>{6E25E649-3F16-4E02-A733-19D2CDBF48F0}</a:tableStyleId>
-              </a:tblPr>
-              <a:tblGrid>
-                <a:gridCol w="8820216">
-                  <a:extLst>
-                    <a:ext uri="{9D8B030D-6E8A-4147-A177-3AD203B41FA5}">
-                      <a16:colId xmlns:a16="http://schemas.microsoft.com/office/drawing/2014/main" val="20000"/>
-                    </a:ext>
-                  </a:extLst>
-                </a:gridCol>
-              </a:tblGrid>
-              <a:tr h="365682">
-                <a:tc>
-                  <a:txBody>
-                    <a:bodyPr/>
-                    <a:lstStyle/>
-                    <a:p>
-                      <a:pPr>
-                        <a:lnSpc>
-                          <a:spcPct val="110000"/>
-                        </a:lnSpc>
-                      </a:pPr>
-                      <a:r>
-                        <a:rPr lang="de-DE" sz="2800" dirty="0"/>
-                        <a:t>Dataset </a:t>
-                      </a:r>
-                      <a:r>
-                        <a:rPr lang="de-DE" sz="2800" dirty="0" err="1"/>
-                        <a:t>overview</a:t>
-                      </a:r>
-                      <a:endParaRPr lang="de-DE" sz="2800" b="0" dirty="0"/>
-                    </a:p>
-                  </a:txBody>
-                  <a:tcPr/>
-                </a:tc>
-                <a:extLst>
-                  <a:ext uri="{0D108BD9-81ED-4DB2-BD59-A6C34878D82A}">
-                    <a16:rowId xmlns:a16="http://schemas.microsoft.com/office/drawing/2014/main" val="10000"/>
-                  </a:ext>
-                </a:extLst>
-              </a:tr>
-              <a:tr h="279431">
-                <a:tc>
-                  <a:txBody>
-                    <a:bodyPr/>
-                    <a:lstStyle/>
-                    <a:p>
-                      <a:pPr>
-                        <a:lnSpc>
-                          <a:spcPct val="110000"/>
-                        </a:lnSpc>
-                      </a:pPr>
-                      <a:r>
-                        <a:rPr lang="de-DE" sz="2000" dirty="0"/>
-                        <a:t>Text</a:t>
-                      </a:r>
-                    </a:p>
-                  </a:txBody>
-                  <a:tcPr/>
-                </a:tc>
-                <a:extLst>
-                  <a:ext uri="{0D108BD9-81ED-4DB2-BD59-A6C34878D82A}">
-                    <a16:rowId xmlns:a16="http://schemas.microsoft.com/office/drawing/2014/main" val="10001"/>
-                  </a:ext>
-                </a:extLst>
-              </a:tr>
-              <a:tr h="279431">
-                <a:tc>
-                  <a:txBody>
-                    <a:bodyPr/>
-                    <a:lstStyle/>
-                    <a:p>
-                      <a:pPr>
-                        <a:lnSpc>
-                          <a:spcPct val="110000"/>
-                        </a:lnSpc>
-                      </a:pPr>
-                      <a:r>
-                        <a:rPr lang="de-DE" sz="2000" dirty="0"/>
-                        <a:t>Text</a:t>
-                      </a:r>
-                    </a:p>
-                  </a:txBody>
-                  <a:tcPr/>
-                </a:tc>
-                <a:extLst>
-                  <a:ext uri="{0D108BD9-81ED-4DB2-BD59-A6C34878D82A}">
-                    <a16:rowId xmlns:a16="http://schemas.microsoft.com/office/drawing/2014/main" val="10002"/>
-                  </a:ext>
-                </a:extLst>
-              </a:tr>
-              <a:tr h="279431">
-                <a:tc>
-                  <a:txBody>
-                    <a:bodyPr/>
-                    <a:lstStyle/>
-                    <a:p>
-                      <a:pPr>
-                        <a:lnSpc>
-                          <a:spcPct val="110000"/>
-                        </a:lnSpc>
-                      </a:pPr>
-                      <a:r>
-                        <a:rPr lang="de-DE" sz="2000" dirty="0"/>
-                        <a:t>Text</a:t>
-                      </a:r>
-                    </a:p>
-                  </a:txBody>
-                  <a:tcPr/>
-                </a:tc>
-                <a:extLst>
-                  <a:ext uri="{0D108BD9-81ED-4DB2-BD59-A6C34878D82A}">
-                    <a16:rowId xmlns:a16="http://schemas.microsoft.com/office/drawing/2014/main" val="10003"/>
-                  </a:ext>
-                </a:extLst>
-              </a:tr>
-              <a:tr h="279431">
-                <a:tc>
-                  <a:txBody>
-                    <a:bodyPr/>
-                    <a:lstStyle/>
-                    <a:p>
-                      <a:pPr>
-                        <a:lnSpc>
-                          <a:spcPct val="110000"/>
-                        </a:lnSpc>
-                      </a:pPr>
-                      <a:r>
-                        <a:rPr lang="de-DE" sz="2000" dirty="0"/>
-                        <a:t>Text</a:t>
-                      </a:r>
-                    </a:p>
-                  </a:txBody>
-                  <a:tcPr/>
-                </a:tc>
-                <a:extLst>
-                  <a:ext uri="{0D108BD9-81ED-4DB2-BD59-A6C34878D82A}">
-                    <a16:rowId xmlns:a16="http://schemas.microsoft.com/office/drawing/2014/main" val="10004"/>
-                  </a:ext>
-                </a:extLst>
-              </a:tr>
-              <a:tr h="279431">
-                <a:tc>
-                  <a:txBody>
-                    <a:bodyPr/>
-                    <a:lstStyle/>
-                    <a:p>
-                      <a:pPr>
-                        <a:lnSpc>
-                          <a:spcPct val="110000"/>
-                        </a:lnSpc>
-                      </a:pPr>
-                      <a:r>
-                        <a:rPr lang="de-DE" sz="2000" dirty="0"/>
-                        <a:t>Text</a:t>
-                      </a:r>
-                    </a:p>
-                  </a:txBody>
-                  <a:tcPr/>
-                </a:tc>
-                <a:extLst>
-                  <a:ext uri="{0D108BD9-81ED-4DB2-BD59-A6C34878D82A}">
-                    <a16:rowId xmlns:a16="http://schemas.microsoft.com/office/drawing/2014/main" val="10005"/>
-                  </a:ext>
-                </a:extLst>
-              </a:tr>
-              <a:tr h="279431">
-                <a:tc>
-                  <a:txBody>
-                    <a:bodyPr/>
-                    <a:lstStyle/>
-                    <a:p>
-                      <a:pPr>
-                        <a:lnSpc>
-                          <a:spcPct val="110000"/>
-                        </a:lnSpc>
-                      </a:pPr>
-                      <a:r>
-                        <a:rPr lang="de-DE" sz="2000" dirty="0"/>
-                        <a:t>Text</a:t>
-                      </a:r>
-                    </a:p>
-                  </a:txBody>
-                  <a:tcPr/>
-                </a:tc>
-                <a:extLst>
-                  <a:ext uri="{0D108BD9-81ED-4DB2-BD59-A6C34878D82A}">
-                    <a16:rowId xmlns:a16="http://schemas.microsoft.com/office/drawing/2014/main" val="10006"/>
-                  </a:ext>
-                </a:extLst>
-              </a:tr>
-              <a:tr h="279431">
-                <a:tc>
-                  <a:txBody>
-                    <a:bodyPr/>
-                    <a:lstStyle/>
-                    <a:p>
-                      <a:pPr>
-                        <a:lnSpc>
-                          <a:spcPct val="110000"/>
-                        </a:lnSpc>
-                      </a:pPr>
-                      <a:r>
-                        <a:rPr lang="de-DE" sz="2000" dirty="0"/>
-                        <a:t>Text</a:t>
-                      </a:r>
-                    </a:p>
-                  </a:txBody>
-                  <a:tcPr/>
-                </a:tc>
-                <a:extLst>
-                  <a:ext uri="{0D108BD9-81ED-4DB2-BD59-A6C34878D82A}">
-                    <a16:rowId xmlns:a16="http://schemas.microsoft.com/office/drawing/2014/main" val="10007"/>
-                  </a:ext>
-                </a:extLst>
-              </a:tr>
-              <a:tr h="279431">
-                <a:tc>
-                  <a:txBody>
-                    <a:bodyPr/>
-                    <a:lstStyle/>
-                    <a:p>
-                      <a:pPr>
-                        <a:lnSpc>
-                          <a:spcPct val="110000"/>
-                        </a:lnSpc>
-                      </a:pPr>
-                      <a:r>
-                        <a:rPr lang="de-DE" sz="2000" dirty="0"/>
-                        <a:t>Text</a:t>
-                      </a:r>
-                    </a:p>
-                  </a:txBody>
-                  <a:tcPr/>
-                </a:tc>
-                <a:extLst>
-                  <a:ext uri="{0D108BD9-81ED-4DB2-BD59-A6C34878D82A}">
-                    <a16:rowId xmlns:a16="http://schemas.microsoft.com/office/drawing/2014/main" val="10008"/>
-                  </a:ext>
-                </a:extLst>
-              </a:tr>
-              <a:tr h="279431">
-                <a:tc>
-                  <a:txBody>
-                    <a:bodyPr/>
-                    <a:lstStyle/>
-                    <a:p>
-                      <a:pPr>
-                        <a:lnSpc>
-                          <a:spcPct val="110000"/>
-                        </a:lnSpc>
-                      </a:pPr>
-                      <a:r>
-                        <a:rPr lang="de-DE" sz="2000" dirty="0"/>
-                        <a:t>Text</a:t>
-                      </a:r>
-                    </a:p>
-                  </a:txBody>
-                  <a:tcPr/>
-                </a:tc>
-                <a:extLst>
-                  <a:ext uri="{0D108BD9-81ED-4DB2-BD59-A6C34878D82A}">
-                    <a16:rowId xmlns:a16="http://schemas.microsoft.com/office/drawing/2014/main" val="10009"/>
-                  </a:ext>
-                </a:extLst>
-              </a:tr>
-            </a:tbl>
-          </a:graphicData>
-        </a:graphic>
-      </p:graphicFrame>
       <p:graphicFrame>
         <p:nvGraphicFramePr>
           <p:cNvPr id="15" name="Tabelle 14"/>
@@ -3462,7 +3058,7 @@
         </p:nvSpPr>
         <p:spPr>
           <a:xfrm>
-            <a:off x="1837677" y="16030936"/>
+            <a:off x="1837461" y="16510443"/>
             <a:ext cx="8820000" cy="3005447"/>
           </a:xfrm>
           <a:prstGeom prst="rect">
@@ -3942,7 +3538,7 @@
         </p:nvSpPr>
         <p:spPr>
           <a:xfrm>
-            <a:off x="1837461" y="18697357"/>
+            <a:off x="1837245" y="19341016"/>
             <a:ext cx="8820000" cy="3005447"/>
           </a:xfrm>
           <a:prstGeom prst="rect">
@@ -4806,7 +4402,7 @@
         </p:blipFill>
         <p:spPr>
           <a:xfrm>
-            <a:off x="11125201" y="6755806"/>
+            <a:off x="11125201" y="7005440"/>
             <a:ext cx="10458450" cy="1554609"/>
           </a:xfrm>
           <a:prstGeom prst="rect">
@@ -4835,8 +4431,8 @@
         </p:blipFill>
         <p:spPr>
           <a:xfrm>
-            <a:off x="546741" y="21533132"/>
-            <a:ext cx="10264450" cy="3943906"/>
+            <a:off x="1677462" y="22346463"/>
+            <a:ext cx="9447739" cy="3630101"/>
           </a:xfrm>
           <a:prstGeom prst="rect">
             <a:avLst/>
@@ -5560,6 +5156,390 @@
           </a:graphicData>
         </a:graphic>
       </p:graphicFrame>
+      <p:sp>
+        <p:nvSpPr>
+          <p:cNvPr id="11" name="Inhaltsplatzhalter 6">
+            <a:extLst>
+              <a:ext uri="{FF2B5EF4-FFF2-40B4-BE49-F238E27FC236}">
+                <a16:creationId xmlns:a16="http://schemas.microsoft.com/office/drawing/2014/main" id="{DC713CBB-4040-6E20-5356-8951C70800F0}"/>
+              </a:ext>
+            </a:extLst>
+          </p:cNvPr>
+          <p:cNvSpPr>
+            <a:spLocks noGrp="1"/>
+          </p:cNvSpPr>
+          <p:nvPr>
+            <p:ph sz="quarter" idx="11"/>
+          </p:nvPr>
+        </p:nvSpPr>
+        <p:spPr>
+          <a:xfrm>
+            <a:off x="1837461" y="4645063"/>
+            <a:ext cx="8820000" cy="2734656"/>
+          </a:xfrm>
+          <a:noFill/>
+        </p:spPr>
+        <p:txBody>
+          <a:bodyPr>
+            <a:noAutofit/>
+          </a:bodyPr>
+          <a:lstStyle/>
+          <a:p>
+            <a:r>
+              <a:rPr lang="de-DE" dirty="0" err="1"/>
+              <a:t>Introduction</a:t>
+            </a:r>
+            <a:endParaRPr lang="de-DE" dirty="0"/>
+          </a:p>
+          <a:p>
+            <a:pPr lvl="1"/>
+            <a:r>
+              <a:rPr lang="en-AT" dirty="0"/>
+              <a:t>In the forecasting tasks, the goal is to predict future values based on the previously observed values. We use the</a:t>
+            </a:r>
+            <a:r>
+              <a:rPr lang="en-US" dirty="0"/>
+              <a:t> </a:t>
+            </a:r>
+            <a:r>
+              <a:rPr lang="en-AT" dirty="0"/>
+              <a:t>p</a:t>
+            </a:r>
+            <a:r>
+              <a:rPr lang="en-US" dirty="0" err="1"/>
+              <a:t>ower</a:t>
+            </a:r>
+            <a:r>
+              <a:rPr lang="en-AT" dirty="0"/>
+              <a:t> </a:t>
+            </a:r>
+            <a:r>
+              <a:rPr lang="en-US" dirty="0"/>
+              <a:t>supply dataset</a:t>
+            </a:r>
+            <a:r>
+              <a:rPr lang="en-AT" dirty="0"/>
+              <a:t> that</a:t>
+            </a:r>
+            <a:r>
+              <a:rPr lang="en-US" dirty="0"/>
+              <a:t> contains hourly measurements of </a:t>
+            </a:r>
+            <a:r>
+              <a:rPr lang="en-AT" dirty="0"/>
+              <a:t>the</a:t>
+            </a:r>
+            <a:r>
+              <a:rPr lang="en-US" dirty="0"/>
+              <a:t> </a:t>
+            </a:r>
+            <a:r>
+              <a:rPr lang="en-AT" dirty="0"/>
+              <a:t>I</a:t>
+            </a:r>
+            <a:r>
+              <a:rPr lang="en-US" dirty="0" err="1"/>
+              <a:t>talian</a:t>
+            </a:r>
+            <a:r>
+              <a:rPr lang="en-US" dirty="0"/>
+              <a:t> electricity company in a span of 3 years. There are two sources in these records, the main grid and the power transformed from other grids. In this work the focus is on the main grid</a:t>
+            </a:r>
+            <a:endParaRPr lang="en-AT" dirty="0"/>
+          </a:p>
+        </p:txBody>
+      </p:sp>
+      <p:sp>
+        <p:nvSpPr>
+          <p:cNvPr id="13" name="Inhaltsplatzhalter 6">
+            <a:extLst>
+              <a:ext uri="{FF2B5EF4-FFF2-40B4-BE49-F238E27FC236}">
+                <a16:creationId xmlns:a16="http://schemas.microsoft.com/office/drawing/2014/main" id="{94317078-94DC-4219-354B-F26806A1FEFA}"/>
+              </a:ext>
+            </a:extLst>
+          </p:cNvPr>
+          <p:cNvSpPr txBox="1">
+            <a:spLocks/>
+          </p:cNvSpPr>
+          <p:nvPr/>
+        </p:nvSpPr>
+        <p:spPr>
+          <a:xfrm>
+            <a:off x="1838325" y="7154654"/>
+            <a:ext cx="8820000" cy="5379657"/>
+          </a:xfrm>
+          <a:prstGeom prst="rect">
+            <a:avLst/>
+          </a:prstGeom>
+          <a:noFill/>
+        </p:spPr>
+        <p:txBody>
+          <a:bodyPr vert="horz" lIns="0" tIns="0" rIns="0" bIns="0" rtlCol="0" anchor="t" anchorCtr="0">
+            <a:noAutofit/>
+          </a:bodyPr>
+          <a:lstStyle>
+            <a:lvl1pPr marL="0" indent="0" algn="l" defTabSz="1498839" rtl="0" eaLnBrk="1" latinLnBrk="0" hangingPunct="1">
+              <a:lnSpc>
+                <a:spcPct val="110000"/>
+              </a:lnSpc>
+              <a:spcBef>
+                <a:spcPct val="20000"/>
+              </a:spcBef>
+              <a:buFontTx/>
+              <a:buNone/>
+              <a:defRPr sz="2800" b="1" kern="1200">
+                <a:solidFill>
+                  <a:schemeClr val="tx1"/>
+                </a:solidFill>
+                <a:latin typeface="+mn-lt"/>
+                <a:ea typeface="+mn-ea"/>
+                <a:cs typeface="+mn-cs"/>
+              </a:defRPr>
+            </a:lvl1pPr>
+            <a:lvl2pPr marL="0" indent="0" algn="just" defTabSz="1498839" rtl="0" eaLnBrk="1" latinLnBrk="0" hangingPunct="1">
+              <a:lnSpc>
+                <a:spcPct val="110000"/>
+              </a:lnSpc>
+              <a:spcBef>
+                <a:spcPct val="20000"/>
+              </a:spcBef>
+              <a:buFont typeface="Arial"/>
+              <a:buNone/>
+              <a:defRPr sz="2000" kern="1200">
+                <a:solidFill>
+                  <a:schemeClr val="tx1"/>
+                </a:solidFill>
+                <a:latin typeface="+mn-lt"/>
+                <a:ea typeface="+mn-ea"/>
+                <a:cs typeface="+mn-cs"/>
+              </a:defRPr>
+            </a:lvl2pPr>
+            <a:lvl3pPr marL="271463" indent="-271463" algn="l" defTabSz="1498839" rtl="0" eaLnBrk="1" latinLnBrk="0" hangingPunct="1">
+              <a:lnSpc>
+                <a:spcPct val="110000"/>
+              </a:lnSpc>
+              <a:spcBef>
+                <a:spcPct val="20000"/>
+              </a:spcBef>
+              <a:buClr>
+                <a:srgbClr val="F70146"/>
+              </a:buClr>
+              <a:buFont typeface="Wingdings" charset="2"/>
+              <a:buChar char="§"/>
+              <a:defRPr sz="2000" kern="1200">
+                <a:solidFill>
+                  <a:schemeClr val="tx1"/>
+                </a:solidFill>
+                <a:latin typeface="+mn-lt"/>
+                <a:ea typeface="+mn-ea"/>
+                <a:cs typeface="+mn-cs"/>
+              </a:defRPr>
+            </a:lvl3pPr>
+            <a:lvl4pPr marL="542925" indent="-271463" algn="l" defTabSz="1498839" rtl="0" eaLnBrk="1" latinLnBrk="0" hangingPunct="1">
+              <a:lnSpc>
+                <a:spcPct val="110000"/>
+              </a:lnSpc>
+              <a:spcBef>
+                <a:spcPct val="20000"/>
+              </a:spcBef>
+              <a:buFont typeface="Wingdings" charset="2"/>
+              <a:buChar char="§"/>
+              <a:defRPr sz="2000" kern="1200">
+                <a:solidFill>
+                  <a:schemeClr val="tx1"/>
+                </a:solidFill>
+                <a:latin typeface="+mn-lt"/>
+                <a:ea typeface="+mn-ea"/>
+                <a:cs typeface="+mn-cs"/>
+              </a:defRPr>
+            </a:lvl4pPr>
+            <a:lvl5pPr marL="809625" indent="-266700" algn="l" defTabSz="1498839" rtl="0" eaLnBrk="1" latinLnBrk="0" hangingPunct="1">
+              <a:lnSpc>
+                <a:spcPct val="110000"/>
+              </a:lnSpc>
+              <a:spcBef>
+                <a:spcPct val="20000"/>
+              </a:spcBef>
+              <a:buFont typeface="Symbol" charset="2"/>
+              <a:buChar char="-"/>
+              <a:defRPr sz="2000" kern="1200">
+                <a:solidFill>
+                  <a:schemeClr val="tx1"/>
+                </a:solidFill>
+                <a:latin typeface="+mn-lt"/>
+                <a:ea typeface="+mn-ea"/>
+                <a:cs typeface="+mn-cs"/>
+              </a:defRPr>
+            </a:lvl5pPr>
+            <a:lvl6pPr marL="8243613" indent="-749419" algn="l" defTabSz="1498839" rtl="0" eaLnBrk="1" latinLnBrk="0" hangingPunct="1">
+              <a:spcBef>
+                <a:spcPct val="20000"/>
+              </a:spcBef>
+              <a:buFont typeface="Arial"/>
+              <a:buChar char="•"/>
+              <a:defRPr sz="6600" kern="1200">
+                <a:solidFill>
+                  <a:schemeClr val="tx1"/>
+                </a:solidFill>
+                <a:latin typeface="+mn-lt"/>
+                <a:ea typeface="+mn-ea"/>
+                <a:cs typeface="+mn-cs"/>
+              </a:defRPr>
+            </a:lvl6pPr>
+            <a:lvl7pPr marL="9742452" indent="-749419" algn="l" defTabSz="1498839" rtl="0" eaLnBrk="1" latinLnBrk="0" hangingPunct="1">
+              <a:spcBef>
+                <a:spcPct val="20000"/>
+              </a:spcBef>
+              <a:buFont typeface="Arial"/>
+              <a:buChar char="•"/>
+              <a:defRPr sz="6600" kern="1200">
+                <a:solidFill>
+                  <a:schemeClr val="tx1"/>
+                </a:solidFill>
+                <a:latin typeface="+mn-lt"/>
+                <a:ea typeface="+mn-ea"/>
+                <a:cs typeface="+mn-cs"/>
+              </a:defRPr>
+            </a:lvl7pPr>
+            <a:lvl8pPr marL="11241291" indent="-749419" algn="l" defTabSz="1498839" rtl="0" eaLnBrk="1" latinLnBrk="0" hangingPunct="1">
+              <a:spcBef>
+                <a:spcPct val="20000"/>
+              </a:spcBef>
+              <a:buFont typeface="Arial"/>
+              <a:buChar char="•"/>
+              <a:defRPr sz="6600" kern="1200">
+                <a:solidFill>
+                  <a:schemeClr val="tx1"/>
+                </a:solidFill>
+                <a:latin typeface="+mn-lt"/>
+                <a:ea typeface="+mn-ea"/>
+                <a:cs typeface="+mn-cs"/>
+              </a:defRPr>
+            </a:lvl8pPr>
+            <a:lvl9pPr marL="12740129" indent="-749419" algn="l" defTabSz="1498839" rtl="0" eaLnBrk="1" latinLnBrk="0" hangingPunct="1">
+              <a:spcBef>
+                <a:spcPct val="20000"/>
+              </a:spcBef>
+              <a:buFont typeface="Arial"/>
+              <a:buChar char="•"/>
+              <a:defRPr sz="6600" kern="1200">
+                <a:solidFill>
+                  <a:schemeClr val="tx1"/>
+                </a:solidFill>
+                <a:latin typeface="+mn-lt"/>
+                <a:ea typeface="+mn-ea"/>
+                <a:cs typeface="+mn-cs"/>
+              </a:defRPr>
+            </a:lvl9pPr>
+          </a:lstStyle>
+          <a:p>
+            <a:r>
+              <a:rPr lang="en-AT" dirty="0"/>
+              <a:t>Dataset </a:t>
+            </a:r>
+            <a:r>
+              <a:rPr lang="en-AT" dirty="0" err="1"/>
+              <a:t>Preprocessing</a:t>
+            </a:r>
+            <a:endParaRPr lang="de-DE" dirty="0"/>
+          </a:p>
+          <a:p>
+            <a:pPr lvl="1"/>
+            <a:r>
+              <a:rPr lang="en-AT" dirty="0"/>
+              <a:t>Dataset contains one more feature that represents hours when the data was recorded. But this feature contains an error in one sample, the hour is set to 9 even though the right record is 6.</a:t>
+            </a:r>
+          </a:p>
+          <a:p>
+            <a:pPr lvl="1"/>
+            <a:r>
+              <a:rPr lang="en-AT" dirty="0"/>
+              <a:t>In the dataset description stands that the data is collected from 1995 to 1998, so we assume that it started in the beg</a:t>
+            </a:r>
+            <a:r>
+              <a:rPr lang="bs-Latn-BA" dirty="0"/>
+              <a:t>in</a:t>
+            </a:r>
+            <a:r>
+              <a:rPr lang="en-AT" dirty="0" err="1"/>
+              <a:t>ning</a:t>
+            </a:r>
+            <a:r>
+              <a:rPr lang="en-AT" dirty="0"/>
+              <a:t> of the year and we add timestamps from 01.01.1995 00:00 until 31.05.1998 23:00.</a:t>
+            </a:r>
+          </a:p>
+          <a:p>
+            <a:pPr lvl="1"/>
+            <a:r>
+              <a:rPr lang="en-AT" dirty="0"/>
+              <a:t>We apply the Augmented Dickey-Fuller test on the dataset with alpha value equal to 0.05. We get the p value of 5.13 e-10, which tells us that the data is stationary.</a:t>
+            </a:r>
+          </a:p>
+          <a:p>
+            <a:pPr lvl="1"/>
+            <a:r>
+              <a:rPr lang="en-AT" dirty="0"/>
+              <a:t>With the assumption that the data can be expressed with an additive model, we apply FTF to the dataset to find the most common frequencies in the dataset  and find the seasonality. Combining these findings with seasonal decompose we extract the seasons and found no trend in the dataset.</a:t>
+            </a:r>
+          </a:p>
+          <a:p>
+            <a:pPr lvl="1"/>
+            <a:r>
+              <a:rPr lang="en-AT" dirty="0"/>
+              <a:t>In the end we split the dataset into two sets, the training and the test set. The test set contains the last 20% of the data.</a:t>
+            </a:r>
+            <a:endParaRPr lang="en-US" dirty="0"/>
+          </a:p>
+        </p:txBody>
+      </p:sp>
+      <p:pic>
+        <p:nvPicPr>
+          <p:cNvPr id="1028" name="Picture 4">
+            <a:extLst>
+              <a:ext uri="{FF2B5EF4-FFF2-40B4-BE49-F238E27FC236}">
+                <a16:creationId xmlns:a16="http://schemas.microsoft.com/office/drawing/2014/main" id="{A2CF4F74-F927-9757-CEB2-509548356E71}"/>
+              </a:ext>
+            </a:extLst>
+          </p:cNvPr>
+          <p:cNvPicPr>
+            <a:picLocks noChangeAspect="1" noChangeArrowheads="1"/>
+          </p:cNvPicPr>
+          <p:nvPr/>
+        </p:nvPicPr>
+        <p:blipFill>
+          <a:blip r:embed="rId5">
+            <a:extLst>
+              <a:ext uri="{28A0092B-C50C-407E-A947-70E740481C1C}">
+                <a14:useLocalDpi xmlns:a14="http://schemas.microsoft.com/office/drawing/2010/main" val="0"/>
+              </a:ext>
+            </a:extLst>
+          </a:blip>
+          <a:srcRect/>
+          <a:stretch>
+            <a:fillRect/>
+          </a:stretch>
+        </p:blipFill>
+        <p:spPr bwMode="auto">
+          <a:xfrm>
+            <a:off x="1837461" y="13119870"/>
+            <a:ext cx="8820000" cy="3043804"/>
+          </a:xfrm>
+          <a:prstGeom prst="rect">
+            <a:avLst/>
+          </a:prstGeom>
+          <a:noFill/>
+          <a:extLst>
+            <a:ext uri="{909E8E84-426E-40DD-AFC4-6F175D3DCCD1}">
+              <a14:hiddenFill xmlns:a14="http://schemas.microsoft.com/office/drawing/2010/main">
+                <a:solidFill>
+                  <a:srgbClr val="FFFFFF"/>
+                </a:solidFill>
+              </a14:hiddenFill>
+            </a:ext>
+          </a:extLst>
+        </p:spPr>
+      </p:pic>
     </p:spTree>
     <p:extLst>
       <p:ext uri="{BB962C8B-B14F-4D97-AF65-F5344CB8AC3E}">
@@ -6189,9 +6169,12 @@
 </file>
 
 <file path=customXml/item1.xml><?xml version="1.0" encoding="utf-8"?>
-<p:properties xmlns:p="http://schemas.microsoft.com/office/2006/metadata/properties" xmlns:xsi="http://www.w3.org/2001/XMLSchema-instance" xmlns:pc="http://schemas.microsoft.com/office/infopath/2007/PartnerControls">
-  <documentManagement/>
-</p:properties>
+<?mso-contentType ?>
+<FormTemplates xmlns="http://schemas.microsoft.com/sharepoint/v3/contenttype/forms">
+  <Display>DocumentLibraryForm</Display>
+  <Edit>DocumentLibraryForm</Edit>
+  <New>DocumentLibraryForm</New>
+</FormTemplates>
 </file>
 
 <file path=customXml/item2.xml><?xml version="1.0" encoding="utf-8"?>
@@ -6309,19 +6292,15 @@
 </file>
 
 <file path=customXml/item3.xml><?xml version="1.0" encoding="utf-8"?>
-<?mso-contentType ?>
-<FormTemplates xmlns="http://schemas.microsoft.com/sharepoint/v3/contenttype/forms">
-  <Display>DocumentLibraryForm</Display>
-  <Edit>DocumentLibraryForm</Edit>
-  <New>DocumentLibraryForm</New>
-</FormTemplates>
+<p:properties xmlns:p="http://schemas.microsoft.com/office/2006/metadata/properties" xmlns:xsi="http://www.w3.org/2001/XMLSchema-instance" xmlns:pc="http://schemas.microsoft.com/office/infopath/2007/PartnerControls">
+  <documentManagement/>
+</p:properties>
 </file>
 
 <file path=customXml/itemProps1.xml><?xml version="1.0" encoding="utf-8"?>
-<ds:datastoreItem xmlns:ds="http://schemas.openxmlformats.org/officeDocument/2006/customXml" ds:itemID="{772D69D5-417F-4E01-BF36-724AAA3B40C9}">
+<ds:datastoreItem xmlns:ds="http://schemas.openxmlformats.org/officeDocument/2006/customXml" ds:itemID="{F775AA27-F288-48DE-998B-34BCC959C2C3}">
   <ds:schemaRefs>
-    <ds:schemaRef ds:uri="http://schemas.microsoft.com/office/2006/metadata/properties"/>
-    <ds:schemaRef ds:uri="http://schemas.microsoft.com/office/infopath/2007/PartnerControls"/>
+    <ds:schemaRef ds:uri="http://schemas.microsoft.com/sharepoint/v3/contenttype/forms"/>
   </ds:schemaRefs>
 </ds:datastoreItem>
 </file>
@@ -6343,9 +6322,10 @@
 </file>
 
 <file path=customXml/itemProps3.xml><?xml version="1.0" encoding="utf-8"?>
-<ds:datastoreItem xmlns:ds="http://schemas.openxmlformats.org/officeDocument/2006/customXml" ds:itemID="{F775AA27-F288-48DE-998B-34BCC959C2C3}">
+<ds:datastoreItem xmlns:ds="http://schemas.openxmlformats.org/officeDocument/2006/customXml" ds:itemID="{772D69D5-417F-4E01-BF36-724AAA3B40C9}">
   <ds:schemaRefs>
-    <ds:schemaRef ds:uri="http://schemas.microsoft.com/sharepoint/v3/contenttype/forms"/>
+    <ds:schemaRef ds:uri="http://schemas.microsoft.com/office/2006/metadata/properties"/>
+    <ds:schemaRef ds:uri="http://schemas.microsoft.com/office/infopath/2007/PartnerControls"/>
   </ds:schemaRefs>
 </ds:datastoreItem>
 </file>
--- a/Poster.pptx
+++ b/Poster.pptx
@@ -208,7 +208,7 @@
           <a:p>
             <a:fld id="{8EC4A873-0FC3-4DFC-B48E-97ACF1B5AC04}" type="datetimeFigureOut">
               <a:rPr lang="en-US" smtClean="0"/>
-              <a:t>1/22/2023</a:t>
+              <a:t>1/22/23</a:t>
             </a:fld>
             <a:endParaRPr lang="en-US"/>
           </a:p>
@@ -1001,14 +1001,14 @@
           </a:ln>
           <a:extLst>
             <a:ext uri="{909E8E84-426E-40dd-AFC4-6F175D3DCCD1}">
-              <a14:hiddenFill xmlns:a14="http://schemas.microsoft.com/office/drawing/2010/main" xmlns="">
+              <a14:hiddenFill xmlns="" xmlns:a14="http://schemas.microsoft.com/office/drawing/2010/main">
                 <a:solidFill>
                   <a:srgbClr val="FFFFFF"/>
                 </a:solidFill>
               </a14:hiddenFill>
             </a:ext>
             <a:ext uri="{91240B29-F687-4f45-9708-019B960494DF}">
-              <a14:hiddenLine xmlns:a14="http://schemas.microsoft.com/office/drawing/2010/main" xmlns="" w="9525">
+              <a14:hiddenLine xmlns="" xmlns:a14="http://schemas.microsoft.com/office/drawing/2010/main" w="9525">
                 <a:solidFill>
                   <a:srgbClr val="000000"/>
                 </a:solidFill>
@@ -1145,14 +1145,14 @@
           </a:ln>
           <a:extLst>
             <a:ext uri="{909E8E84-426E-40dd-AFC4-6F175D3DCCD1}">
-              <a14:hiddenFill xmlns:a14="http://schemas.microsoft.com/office/drawing/2010/main" xmlns="">
+              <a14:hiddenFill xmlns="" xmlns:a14="http://schemas.microsoft.com/office/drawing/2010/main">
                 <a:solidFill>
                   <a:srgbClr val="FFFFFF"/>
                 </a:solidFill>
               </a14:hiddenFill>
             </a:ext>
             <a:ext uri="{91240B29-F687-4f45-9708-019B960494DF}">
-              <a14:hiddenLine xmlns:a14="http://schemas.microsoft.com/office/drawing/2010/main" xmlns="" w="9525">
+              <a14:hiddenLine xmlns="" xmlns:a14="http://schemas.microsoft.com/office/drawing/2010/main" w="9525">
                 <a:solidFill>
                   <a:srgbClr val="000000"/>
                 </a:solidFill>
@@ -2108,7 +2108,7 @@
         </p:nvSpPr>
         <p:spPr>
           <a:xfrm>
-            <a:off x="11380805" y="4662463"/>
+            <a:off x="11568679" y="4028701"/>
             <a:ext cx="9481571" cy="5815781"/>
           </a:xfrm>
         </p:spPr>
@@ -2155,294 +2155,20 @@
           <a:p>
             <a:pPr lvl="2"/>
             <a:r>
-              <a:rPr lang="de-DE" dirty="0" err="1"/>
-              <a:t>Prediction</a:t>
-            </a:r>
-            <a:r>
-              <a:rPr lang="de-DE" dirty="0"/>
-              <a:t> </a:t>
-            </a:r>
-            <a:r>
-              <a:rPr lang="de-DE" dirty="0" err="1"/>
-              <a:t>plots</a:t>
-            </a:r>
-            <a:r>
-              <a:rPr lang="de-DE" dirty="0"/>
-              <a:t> (</a:t>
-            </a:r>
-            <a:r>
-              <a:rPr lang="de-DE" dirty="0" err="1"/>
-              <a:t>first</a:t>
-            </a:r>
-            <a:r>
-              <a:rPr lang="de-DE" dirty="0"/>
-              <a:t> 1000 </a:t>
-            </a:r>
-            <a:r>
-              <a:rPr lang="de-DE" dirty="0" err="1"/>
-              <a:t>points</a:t>
-            </a:r>
-            <a:r>
-              <a:rPr lang="de-DE" dirty="0"/>
-              <a:t> </a:t>
-            </a:r>
-            <a:r>
-              <a:rPr lang="de-DE" dirty="0" err="1"/>
-              <a:t>of</a:t>
-            </a:r>
-            <a:r>
-              <a:rPr lang="de-DE" dirty="0"/>
-              <a:t> </a:t>
-            </a:r>
-            <a:r>
-              <a:rPr lang="de-DE" dirty="0" err="1"/>
-              <a:t>test</a:t>
-            </a:r>
-            <a:r>
-              <a:rPr lang="de-DE" dirty="0"/>
-              <a:t>)</a:t>
+              <a:rPr lang="en-US" sz="2000" b="0" dirty="0"/>
+              <a:t>Different LSTM Models architecture with different window sizes were tested for forecasting. However, most of the LSTM models did not showed good performance with lowest RMSE of 40.21 and window size of 5. LSTM was also investigated to predict randomness for the additive models but also did not perform well and the ARMIA showed a better results. </a:t>
             </a:r>
           </a:p>
           <a:p>
             <a:pPr lvl="2"/>
-            <a:endParaRPr lang="de-DE" dirty="0"/>
-          </a:p>
-          <a:p>
-            <a:pPr lvl="2"/>
-            <a:r>
-              <a:rPr lang="de-DE" dirty="0"/>
-              <a:t>Table Evaluation </a:t>
-            </a:r>
-            <a:r>
-              <a:rPr lang="de-DE" dirty="0" err="1"/>
-              <a:t>Metrics</a:t>
-            </a:r>
-            <a:r>
-              <a:rPr lang="de-DE" dirty="0"/>
-              <a:t> </a:t>
-            </a:r>
-            <a:r>
-              <a:rPr lang="de-DE" dirty="0" err="1"/>
-              <a:t>of</a:t>
-            </a:r>
-            <a:r>
-              <a:rPr lang="de-DE" dirty="0"/>
-              <a:t> all </a:t>
-            </a:r>
-            <a:r>
-              <a:rPr lang="de-DE" dirty="0" err="1"/>
-              <a:t>models</a:t>
+            <a:r>
+              <a:rPr lang="en-US" sz="2000" b="0" dirty="0"/>
+              <a:t>ARIMA and SARIMA model were tested to forecast the whole data and they did show better results than LSTM results. ARIMA was used to predict randomness after removing seasonality. </a:t>
             </a:r>
             <a:endParaRPr lang="de-DE" dirty="0"/>
           </a:p>
         </p:txBody>
       </p:sp>
-      <p:graphicFrame>
-        <p:nvGraphicFramePr>
-          <p:cNvPr id="15" name="Tabelle 14"/>
-          <p:cNvGraphicFramePr>
-            <a:graphicFrameLocks noGrp="1"/>
-          </p:cNvGraphicFramePr>
-          <p:nvPr>
-            <p:extLst>
-              <p:ext uri="{D42A27DB-BD31-4B8C-83A1-F6EECF244321}">
-                <p14:modId xmlns:p14="http://schemas.microsoft.com/office/powerpoint/2010/main" val="4059613430"/>
-              </p:ext>
-            </p:extLst>
-          </p:nvPr>
-        </p:nvGraphicFramePr>
-        <p:xfrm>
-          <a:off x="11415759" y="16565744"/>
-          <a:ext cx="8820216" cy="4277996"/>
-        </p:xfrm>
-        <a:graphic>
-          <a:graphicData uri="http://schemas.openxmlformats.org/drawingml/2006/table">
-            <a:tbl>
-              <a:tblPr firstRow="1" bandRow="1">
-                <a:tableStyleId>{6E25E649-3F16-4E02-A733-19D2CDBF48F0}</a:tableStyleId>
-              </a:tblPr>
-              <a:tblGrid>
-                <a:gridCol w="8820216">
-                  <a:extLst>
-                    <a:ext uri="{9D8B030D-6E8A-4147-A177-3AD203B41FA5}">
-                      <a16:colId xmlns:a16="http://schemas.microsoft.com/office/drawing/2014/main" val="20000"/>
-                    </a:ext>
-                  </a:extLst>
-                </a:gridCol>
-              </a:tblGrid>
-              <a:tr h="0">
-                <a:tc>
-                  <a:txBody>
-                    <a:bodyPr/>
-                    <a:lstStyle/>
-                    <a:p>
-                      <a:pPr>
-                        <a:lnSpc>
-                          <a:spcPct val="110000"/>
-                        </a:lnSpc>
-                      </a:pPr>
-                      <a:r>
-                        <a:rPr lang="de-DE" sz="2800" dirty="0"/>
-                        <a:t>Evaluation </a:t>
-                      </a:r>
-                      <a:r>
-                        <a:rPr lang="de-DE" sz="2800" dirty="0" err="1"/>
-                        <a:t>Metrics</a:t>
-                      </a:r>
-                      <a:r>
-                        <a:rPr lang="de-DE" sz="2800" dirty="0"/>
-                        <a:t> ALL MODELS</a:t>
-                      </a:r>
-                      <a:endParaRPr lang="de-DE" sz="2800" b="0" dirty="0"/>
-                    </a:p>
-                  </a:txBody>
-                  <a:tcPr/>
-                </a:tc>
-                <a:extLst>
-                  <a:ext uri="{0D108BD9-81ED-4DB2-BD59-A6C34878D82A}">
-                    <a16:rowId xmlns:a16="http://schemas.microsoft.com/office/drawing/2014/main" val="10000"/>
-                  </a:ext>
-                </a:extLst>
-              </a:tr>
-              <a:tr h="2645713">
-                <a:tc>
-                  <a:txBody>
-                    <a:bodyPr/>
-                    <a:lstStyle/>
-                    <a:p>
-                      <a:pPr>
-                        <a:lnSpc>
-                          <a:spcPct val="110000"/>
-                        </a:lnSpc>
-                      </a:pPr>
-                      <a:r>
-                        <a:rPr lang="de-DE" sz="2000" dirty="0"/>
-                        <a:t>Text</a:t>
-                      </a:r>
-                    </a:p>
-                    <a:p>
-                      <a:pPr>
-                        <a:lnSpc>
-                          <a:spcPct val="110000"/>
-                        </a:lnSpc>
-                      </a:pPr>
-                      <a:r>
-                        <a:rPr lang="de-DE" sz="2000" dirty="0"/>
-                        <a:t>Text</a:t>
-                      </a:r>
-                    </a:p>
-                    <a:p>
-                      <a:pPr>
-                        <a:lnSpc>
-                          <a:spcPct val="110000"/>
-                        </a:lnSpc>
-                      </a:pPr>
-                      <a:r>
-                        <a:rPr lang="de-DE" sz="2000" dirty="0"/>
-                        <a:t>Text</a:t>
-                      </a:r>
-                    </a:p>
-                    <a:p>
-                      <a:pPr>
-                        <a:lnSpc>
-                          <a:spcPct val="110000"/>
-                        </a:lnSpc>
-                      </a:pPr>
-                      <a:r>
-                        <a:rPr lang="de-DE" sz="2000" dirty="0"/>
-                        <a:t>Text</a:t>
-                      </a:r>
-                    </a:p>
-                    <a:p>
-                      <a:pPr>
-                        <a:lnSpc>
-                          <a:spcPct val="110000"/>
-                        </a:lnSpc>
-                      </a:pPr>
-                      <a:r>
-                        <a:rPr lang="de-DE" sz="2000" dirty="0"/>
-                        <a:t>Text</a:t>
-                      </a:r>
-                    </a:p>
-                    <a:p>
-                      <a:pPr>
-                        <a:lnSpc>
-                          <a:spcPct val="110000"/>
-                        </a:lnSpc>
-                      </a:pPr>
-                      <a:r>
-                        <a:rPr lang="de-DE" sz="2000" dirty="0"/>
-                        <a:t>Text</a:t>
-                      </a:r>
-                    </a:p>
-                    <a:p>
-                      <a:pPr>
-                        <a:lnSpc>
-                          <a:spcPct val="110000"/>
-                        </a:lnSpc>
-                      </a:pPr>
-                      <a:r>
-                        <a:rPr lang="de-DE" sz="2000" dirty="0"/>
-                        <a:t>Text</a:t>
-                      </a:r>
-                    </a:p>
-                    <a:p>
-                      <a:pPr>
-                        <a:lnSpc>
-                          <a:spcPct val="110000"/>
-                        </a:lnSpc>
-                      </a:pPr>
-                      <a:r>
-                        <a:rPr lang="de-DE" sz="2000" dirty="0"/>
-                        <a:t>Text</a:t>
-                      </a:r>
-                    </a:p>
-                    <a:p>
-                      <a:pPr>
-                        <a:lnSpc>
-                          <a:spcPct val="110000"/>
-                        </a:lnSpc>
-                      </a:pPr>
-                      <a:r>
-                        <a:rPr lang="de-DE" sz="2000" dirty="0"/>
-                        <a:t>Text</a:t>
-                      </a:r>
-                    </a:p>
-                    <a:p>
-                      <a:pPr>
-                        <a:lnSpc>
-                          <a:spcPct val="110000"/>
-                        </a:lnSpc>
-                      </a:pPr>
-                      <a:r>
-                        <a:rPr lang="de-DE" sz="2000" dirty="0"/>
-                        <a:t>Text</a:t>
-                      </a:r>
-                    </a:p>
-                    <a:p>
-                      <a:pPr>
-                        <a:lnSpc>
-                          <a:spcPct val="110000"/>
-                        </a:lnSpc>
-                      </a:pPr>
-                      <a:r>
-                        <a:rPr lang="de-DE" sz="2000" dirty="0"/>
-                        <a:t>Und noch eine Zeile</a:t>
-                      </a:r>
-                    </a:p>
-                  </a:txBody>
-                  <a:tcPr/>
-                </a:tc>
-                <a:extLst>
-                  <a:ext uri="{0D108BD9-81ED-4DB2-BD59-A6C34878D82A}">
-                    <a16:rowId xmlns:a16="http://schemas.microsoft.com/office/drawing/2014/main" val="10001"/>
-                  </a:ext>
-                </a:extLst>
-              </a:tr>
-            </a:tbl>
-          </a:graphicData>
-        </a:graphic>
-      </p:graphicFrame>
       <p:sp>
         <p:nvSpPr>
           <p:cNvPr id="19" name="Rechteck 18"/>
@@ -4148,17 +3874,345 @@
           <a:p>
             <a:pPr lvl="2"/>
             <a:r>
-              <a:rPr lang="de-DE" dirty="0"/>
-              <a:t>Troubles </a:t>
-            </a:r>
-            <a:r>
-              <a:rPr lang="de-DE" dirty="0" err="1"/>
-              <a:t>with</a:t>
-            </a:r>
-            <a:r>
-              <a:rPr lang="de-DE" dirty="0"/>
-              <a:t> LSTM</a:t>
-            </a:r>
+              <a:rPr lang="de-DE"/>
+              <a:t> </a:t>
+            </a:r>
+            <a:r>
+              <a:rPr lang="de-DE" dirty="0"/>
+              <a:t>LSTM </a:t>
+            </a:r>
+            <a:r>
+              <a:rPr lang="de-DE" dirty="0" err="1"/>
+              <a:t>did</a:t>
+            </a:r>
+            <a:r>
+              <a:rPr lang="de-DE" dirty="0"/>
+              <a:t> not perform </a:t>
+            </a:r>
+            <a:r>
+              <a:rPr lang="de-DE" dirty="0" err="1"/>
+              <a:t>well</a:t>
+            </a:r>
+            <a:r>
+              <a:rPr lang="de-DE" dirty="0"/>
+              <a:t> in </a:t>
+            </a:r>
+            <a:r>
+              <a:rPr lang="de-DE" dirty="0" err="1"/>
+              <a:t>forecasting</a:t>
+            </a:r>
+            <a:r>
+              <a:rPr lang="de-DE" dirty="0"/>
+              <a:t> </a:t>
+            </a:r>
+            <a:r>
+              <a:rPr lang="de-DE" dirty="0" err="1"/>
+              <a:t>because</a:t>
+            </a:r>
+            <a:r>
+              <a:rPr lang="de-DE" dirty="0"/>
+              <a:t> </a:t>
+            </a:r>
+            <a:r>
+              <a:rPr lang="de-DE" dirty="0" err="1"/>
+              <a:t>it</a:t>
+            </a:r>
+            <a:r>
+              <a:rPr lang="de-DE" dirty="0"/>
+              <a:t> </a:t>
+            </a:r>
+            <a:r>
+              <a:rPr lang="de-DE" dirty="0" err="1"/>
+              <a:t>uses</a:t>
+            </a:r>
+            <a:r>
+              <a:rPr lang="de-DE" dirty="0"/>
+              <a:t> </a:t>
+            </a:r>
+            <a:r>
+              <a:rPr lang="de-DE" dirty="0" err="1"/>
+              <a:t>the</a:t>
+            </a:r>
+            <a:r>
+              <a:rPr lang="de-DE" dirty="0"/>
+              <a:t> </a:t>
+            </a:r>
+            <a:r>
+              <a:rPr lang="de-DE" dirty="0" err="1"/>
+              <a:t>lagged</a:t>
+            </a:r>
+            <a:r>
+              <a:rPr lang="de-DE" dirty="0"/>
+              <a:t> </a:t>
+            </a:r>
+            <a:r>
+              <a:rPr lang="de-DE" dirty="0" err="1"/>
+              <a:t>values</a:t>
+            </a:r>
+            <a:r>
+              <a:rPr lang="de-DE" dirty="0"/>
+              <a:t> (</a:t>
+            </a:r>
+            <a:r>
+              <a:rPr lang="de-DE" dirty="0" err="1"/>
+              <a:t>based</a:t>
+            </a:r>
+            <a:r>
+              <a:rPr lang="de-DE" dirty="0"/>
+              <a:t> on </a:t>
+            </a:r>
+            <a:r>
+              <a:rPr lang="de-DE" dirty="0" err="1"/>
+              <a:t>window</a:t>
+            </a:r>
+            <a:r>
+              <a:rPr lang="de-DE" dirty="0"/>
+              <a:t> </a:t>
+            </a:r>
+            <a:r>
+              <a:rPr lang="de-DE" dirty="0" err="1"/>
+              <a:t>size</a:t>
+            </a:r>
+            <a:r>
+              <a:rPr lang="de-DE" dirty="0"/>
+              <a:t>) </a:t>
+            </a:r>
+            <a:r>
+              <a:rPr lang="de-DE" dirty="0" err="1"/>
+              <a:t>to</a:t>
+            </a:r>
+            <a:r>
+              <a:rPr lang="de-DE" dirty="0"/>
+              <a:t> </a:t>
+            </a:r>
+            <a:r>
+              <a:rPr lang="de-DE" dirty="0" err="1"/>
+              <a:t>forecast</a:t>
+            </a:r>
+            <a:r>
+              <a:rPr lang="de-DE" dirty="0"/>
+              <a:t> and in </a:t>
+            </a:r>
+            <a:r>
+              <a:rPr lang="de-DE" dirty="0" err="1"/>
+              <a:t>predicting</a:t>
+            </a:r>
+            <a:r>
+              <a:rPr lang="de-DE" dirty="0"/>
+              <a:t> power </a:t>
+            </a:r>
+            <a:r>
+              <a:rPr lang="de-DE" dirty="0" err="1"/>
+              <a:t>supply</a:t>
+            </a:r>
+            <a:r>
+              <a:rPr lang="de-DE" dirty="0"/>
+              <a:t> </a:t>
+            </a:r>
+            <a:r>
+              <a:rPr lang="de-DE" dirty="0" err="1"/>
+              <a:t>values</a:t>
+            </a:r>
+            <a:r>
+              <a:rPr lang="de-DE" dirty="0"/>
+              <a:t> </a:t>
+            </a:r>
+            <a:r>
+              <a:rPr lang="de-DE" dirty="0" err="1"/>
+              <a:t>did</a:t>
+            </a:r>
+            <a:r>
+              <a:rPr lang="de-DE" dirty="0"/>
+              <a:t> not perform </a:t>
+            </a:r>
+            <a:r>
+              <a:rPr lang="de-DE" dirty="0" err="1"/>
+              <a:t>well</a:t>
+            </a:r>
+            <a:r>
+              <a:rPr lang="de-DE" dirty="0"/>
+              <a:t>. </a:t>
+            </a:r>
+            <a:r>
+              <a:rPr lang="de-DE" dirty="0" err="1"/>
+              <a:t>Moreover</a:t>
+            </a:r>
+            <a:r>
+              <a:rPr lang="de-DE" dirty="0"/>
+              <a:t>, LSTM </a:t>
+            </a:r>
+            <a:r>
+              <a:rPr lang="de-DE" dirty="0" err="1"/>
+              <a:t>did</a:t>
+            </a:r>
+            <a:r>
+              <a:rPr lang="de-DE" dirty="0"/>
+              <a:t> not </a:t>
+            </a:r>
+            <a:r>
+              <a:rPr lang="de-DE" dirty="0" err="1"/>
+              <a:t>successfully</a:t>
+            </a:r>
+            <a:r>
+              <a:rPr lang="de-DE" dirty="0"/>
+              <a:t> find a </a:t>
+            </a:r>
+            <a:r>
+              <a:rPr lang="de-DE" dirty="0" err="1"/>
+              <a:t>good</a:t>
+            </a:r>
+            <a:r>
+              <a:rPr lang="de-DE" dirty="0"/>
+              <a:t> </a:t>
+            </a:r>
+            <a:r>
+              <a:rPr lang="de-DE" dirty="0" err="1"/>
+              <a:t>pattern</a:t>
+            </a:r>
+            <a:r>
+              <a:rPr lang="de-DE" dirty="0"/>
+              <a:t> </a:t>
+            </a:r>
+            <a:r>
+              <a:rPr lang="de-DE" dirty="0" err="1"/>
+              <a:t>for</a:t>
+            </a:r>
+            <a:r>
+              <a:rPr lang="de-DE" dirty="0"/>
+              <a:t> </a:t>
+            </a:r>
+            <a:r>
+              <a:rPr lang="de-DE" dirty="0" err="1"/>
+              <a:t>predicting</a:t>
+            </a:r>
+            <a:r>
+              <a:rPr lang="de-DE" dirty="0"/>
+              <a:t> </a:t>
+            </a:r>
+            <a:r>
+              <a:rPr lang="de-DE" dirty="0" err="1"/>
+              <a:t>the</a:t>
+            </a:r>
+            <a:r>
+              <a:rPr lang="de-DE" dirty="0"/>
+              <a:t> </a:t>
+            </a:r>
+            <a:r>
+              <a:rPr lang="de-DE" dirty="0" err="1"/>
+              <a:t>randomness</a:t>
+            </a:r>
+            <a:r>
+              <a:rPr lang="de-DE" dirty="0"/>
+              <a:t> in </a:t>
+            </a:r>
+            <a:r>
+              <a:rPr lang="de-DE" dirty="0" err="1"/>
+              <a:t>the</a:t>
+            </a:r>
+            <a:r>
+              <a:rPr lang="de-DE" dirty="0"/>
+              <a:t> additive </a:t>
+            </a:r>
+            <a:r>
+              <a:rPr lang="de-DE" dirty="0" err="1"/>
+              <a:t>model</a:t>
+            </a:r>
+            <a:r>
+              <a:rPr lang="de-DE" dirty="0"/>
+              <a:t>. ARIMA </a:t>
+            </a:r>
+            <a:r>
+              <a:rPr lang="de-DE" dirty="0" err="1"/>
+              <a:t>models</a:t>
+            </a:r>
+            <a:r>
+              <a:rPr lang="de-DE" dirty="0"/>
+              <a:t> </a:t>
+            </a:r>
+            <a:r>
+              <a:rPr lang="de-DE" dirty="0" err="1"/>
+              <a:t>performed</a:t>
+            </a:r>
+            <a:r>
+              <a:rPr lang="de-DE" dirty="0"/>
+              <a:t> </a:t>
+            </a:r>
+            <a:r>
+              <a:rPr lang="de-DE" dirty="0" err="1"/>
+              <a:t>better</a:t>
+            </a:r>
+            <a:r>
+              <a:rPr lang="de-DE" dirty="0"/>
+              <a:t> </a:t>
+            </a:r>
+            <a:r>
+              <a:rPr lang="de-DE" dirty="0" err="1"/>
+              <a:t>than</a:t>
+            </a:r>
+            <a:r>
+              <a:rPr lang="de-DE" dirty="0"/>
+              <a:t> LSTM in </a:t>
+            </a:r>
+            <a:r>
+              <a:rPr lang="de-DE" dirty="0" err="1"/>
+              <a:t>predicting</a:t>
+            </a:r>
+            <a:r>
+              <a:rPr lang="de-DE" dirty="0"/>
+              <a:t> </a:t>
+            </a:r>
+            <a:r>
+              <a:rPr lang="de-DE" dirty="0" err="1"/>
+              <a:t>randomness</a:t>
+            </a:r>
+            <a:r>
+              <a:rPr lang="de-DE" dirty="0"/>
+              <a:t> </a:t>
+            </a:r>
+            <a:r>
+              <a:rPr lang="de-DE" dirty="0" err="1"/>
+              <a:t>noise</a:t>
+            </a:r>
+            <a:r>
+              <a:rPr lang="de-DE" dirty="0"/>
+              <a:t> but </a:t>
+            </a:r>
+            <a:r>
+              <a:rPr lang="de-DE" dirty="0" err="1"/>
+              <a:t>did</a:t>
+            </a:r>
+            <a:r>
+              <a:rPr lang="de-DE" dirty="0"/>
+              <a:t> not </a:t>
+            </a:r>
+            <a:r>
+              <a:rPr lang="de-DE" dirty="0" err="1"/>
+              <a:t>show</a:t>
+            </a:r>
+            <a:r>
+              <a:rPr lang="de-DE" dirty="0"/>
+              <a:t> </a:t>
+            </a:r>
+            <a:r>
+              <a:rPr lang="de-DE" dirty="0" err="1"/>
+              <a:t>sigificant</a:t>
+            </a:r>
+            <a:r>
+              <a:rPr lang="de-DE" dirty="0"/>
+              <a:t> </a:t>
+            </a:r>
+            <a:r>
+              <a:rPr lang="de-DE" dirty="0" err="1"/>
+              <a:t>enhancement</a:t>
+            </a:r>
+            <a:r>
+              <a:rPr lang="de-DE" dirty="0"/>
+              <a:t> </a:t>
+            </a:r>
+          </a:p>
+          <a:p>
+            <a:pPr lvl="2"/>
+            <a:endParaRPr lang="de-DE" dirty="0"/>
           </a:p>
           <a:p>
             <a:pPr lvl="2"/>
@@ -4382,36 +4436,6 @@
       </p:sp>
       <p:pic>
         <p:nvPicPr>
-          <p:cNvPr id="26" name="Picture 25">
-            <a:extLst>
-              <a:ext uri="{FF2B5EF4-FFF2-40B4-BE49-F238E27FC236}">
-                <a16:creationId xmlns:a16="http://schemas.microsoft.com/office/drawing/2014/main" id="{8F41B79F-E449-4CF2-1B3E-67CBD25627C7}"/>
-              </a:ext>
-            </a:extLst>
-          </p:cNvPr>
-          <p:cNvPicPr>
-            <a:picLocks noChangeAspect="1"/>
-          </p:cNvPicPr>
-          <p:nvPr/>
-        </p:nvPicPr>
-        <p:blipFill>
-          <a:blip r:embed="rId3"/>
-          <a:stretch>
-            <a:fillRect/>
-          </a:stretch>
-        </p:blipFill>
-        <p:spPr>
-          <a:xfrm>
-            <a:off x="11125201" y="7005440"/>
-            <a:ext cx="10458450" cy="1554609"/>
-          </a:xfrm>
-          <a:prstGeom prst="rect">
-            <a:avLst/>
-          </a:prstGeom>
-        </p:spPr>
-      </p:pic>
-      <p:pic>
-        <p:nvPicPr>
           <p:cNvPr id="5" name="Picture 4" descr="Diagram&#10;&#10;Description automatically generated with medium confidence">
             <a:extLst>
               <a:ext uri="{FF2B5EF4-FFF2-40B4-BE49-F238E27FC236}">
@@ -4425,7 +4449,7 @@
           <p:nvPr/>
         </p:nvPicPr>
         <p:blipFill rotWithShape="1">
-          <a:blip r:embed="rId4"/>
+          <a:blip r:embed="rId3"/>
           <a:srcRect l="10919" t="5149" r="9191" b="8341"/>
           <a:stretch/>
         </p:blipFill>
@@ -4454,13 +4478,13 @@
           <p:nvPr>
             <p:extLst>
               <p:ext uri="{D42A27DB-BD31-4B8C-83A1-F6EECF244321}">
-                <p14:modId xmlns:p14="http://schemas.microsoft.com/office/powerpoint/2010/main" val="96492476"/>
+                <p14:modId xmlns:p14="http://schemas.microsoft.com/office/powerpoint/2010/main" val="3709292618"/>
               </p:ext>
             </p:extLst>
           </p:nvPr>
         </p:nvGraphicFramePr>
         <p:xfrm>
-          <a:off x="11481980" y="10709352"/>
+          <a:off x="11728314" y="18601790"/>
           <a:ext cx="8780389" cy="2481388"/>
         </p:xfrm>
         <a:graphic>
@@ -4639,7 +4663,7 @@
                     <a:bodyPr/>
                     <a:lstStyle/>
                     <a:p>
-                      <a:pPr algn="r"/>
+                      <a:pPr algn="ctr"/>
                       <a:r>
                         <a:rPr lang="en-US" sz="2000" kern="1200" dirty="0">
                           <a:solidFill>
@@ -4660,7 +4684,7 @@
                     <a:bodyPr/>
                     <a:lstStyle/>
                     <a:p>
-                      <a:pPr algn="r"/>
+                      <a:pPr algn="ctr"/>
                       <a:r>
                         <a:rPr lang="en-US" sz="2000" kern="1200" dirty="0">
                           <a:solidFill>
@@ -4681,7 +4705,7 @@
                     <a:bodyPr/>
                     <a:lstStyle/>
                     <a:p>
-                      <a:pPr algn="r"/>
+                      <a:pPr algn="ctr"/>
                       <a:r>
                         <a:rPr lang="en-US" sz="2000" kern="1200" dirty="0">
                           <a:solidFill>
@@ -4702,7 +4726,7 @@
                     <a:bodyPr/>
                     <a:lstStyle/>
                     <a:p>
-                      <a:pPr algn="r"/>
+                      <a:pPr algn="ctr"/>
                       <a:r>
                         <a:rPr lang="en-US" sz="2000" kern="1200" dirty="0">
                           <a:solidFill>
@@ -4750,7 +4774,7 @@
                     <a:bodyPr/>
                     <a:lstStyle/>
                     <a:p>
-                      <a:pPr algn="r"/>
+                      <a:pPr algn="ctr"/>
                       <a:r>
                         <a:rPr lang="en-US" sz="2000" kern="1200" dirty="0">
                           <a:solidFill>
@@ -4771,7 +4795,7 @@
                     <a:bodyPr/>
                     <a:lstStyle/>
                     <a:p>
-                      <a:pPr algn="r"/>
+                      <a:pPr algn="ctr"/>
                       <a:r>
                         <a:rPr lang="en-US" sz="2000" kern="1200" dirty="0">
                           <a:solidFill>
@@ -4792,7 +4816,7 @@
                     <a:bodyPr/>
                     <a:lstStyle/>
                     <a:p>
-                      <a:pPr algn="r"/>
+                      <a:pPr algn="ctr"/>
                       <a:r>
                         <a:rPr lang="en-US" sz="2000" kern="1200" dirty="0">
                           <a:solidFill>
@@ -4813,7 +4837,7 @@
                     <a:bodyPr/>
                     <a:lstStyle/>
                     <a:p>
-                      <a:pPr algn="r"/>
+                      <a:pPr algn="ctr"/>
                       <a:r>
                         <a:rPr lang="en-US" sz="2000" kern="1200" dirty="0">
                           <a:solidFill>
@@ -4861,7 +4885,7 @@
                     <a:bodyPr/>
                     <a:lstStyle/>
                     <a:p>
-                      <a:pPr algn="r"/>
+                      <a:pPr algn="ctr"/>
                       <a:r>
                         <a:rPr lang="en-US" sz="2000" kern="1200" dirty="0">
                           <a:solidFill>
@@ -4882,7 +4906,7 @@
                     <a:bodyPr/>
                     <a:lstStyle/>
                     <a:p>
-                      <a:pPr algn="r"/>
+                      <a:pPr algn="ctr"/>
                       <a:r>
                         <a:rPr lang="en-US" sz="2000" kern="1200" dirty="0">
                           <a:solidFill>
@@ -4903,7 +4927,7 @@
                     <a:bodyPr/>
                     <a:lstStyle/>
                     <a:p>
-                      <a:pPr algn="r"/>
+                      <a:pPr algn="ctr"/>
                       <a:r>
                         <a:rPr lang="en-US" sz="2000" kern="1200" dirty="0">
                           <a:solidFill>
@@ -4924,7 +4948,7 @@
                     <a:bodyPr/>
                     <a:lstStyle/>
                     <a:p>
-                      <a:pPr algn="r"/>
+                      <a:pPr algn="ctr"/>
                       <a:r>
                         <a:rPr lang="en-US" sz="2000" kern="1200" dirty="0">
                           <a:solidFill>
@@ -4980,6 +5004,18 @@
                     <a:bodyPr/>
                     <a:lstStyle/>
                     <a:p>
+                      <a:pPr algn="ctr"/>
+                      <a:r>
+                        <a:rPr lang="en-EG" sz="2000" kern="1200" dirty="0">
+                          <a:solidFill>
+                            <a:schemeClr val="tx1"/>
+                          </a:solidFill>
+                          <a:latin typeface="+mn-lt"/>
+                          <a:ea typeface="+mn-ea"/>
+                          <a:cs typeface="+mn-cs"/>
+                        </a:rPr>
+                        <a:t>129.898</a:t>
+                      </a:r>
                       <a:endParaRPr lang="en-US" sz="2000" kern="1200" dirty="0">
                         <a:solidFill>
                           <a:schemeClr val="tx1"/>
@@ -4997,6 +5033,18 @@
                     <a:bodyPr/>
                     <a:lstStyle/>
                     <a:p>
+                      <a:pPr algn="ctr"/>
+                      <a:r>
+                        <a:rPr lang="en-EG" sz="2000" kern="1200" dirty="0">
+                          <a:solidFill>
+                            <a:schemeClr val="tx1"/>
+                          </a:solidFill>
+                          <a:latin typeface="+mn-lt"/>
+                          <a:ea typeface="+mn-ea"/>
+                          <a:cs typeface="+mn-cs"/>
+                        </a:rPr>
+                        <a:t>7.793</a:t>
+                      </a:r>
                       <a:endParaRPr lang="en-US" sz="2000" kern="1200" dirty="0">
                         <a:solidFill>
                           <a:schemeClr val="tx1"/>
@@ -5014,7 +5062,19 @@
                     <a:bodyPr/>
                     <a:lstStyle/>
                     <a:p>
-                      <a:endParaRPr lang="en-US" sz="2000" kern="1200">
+                      <a:pPr algn="ctr"/>
+                      <a:r>
+                        <a:rPr lang="en-EG" sz="2000" kern="1200" dirty="0">
+                          <a:solidFill>
+                            <a:schemeClr val="tx1"/>
+                          </a:solidFill>
+                          <a:latin typeface="+mn-lt"/>
+                          <a:ea typeface="+mn-ea"/>
+                          <a:cs typeface="+mn-cs"/>
+                        </a:rPr>
+                        <a:t>11.397</a:t>
+                      </a:r>
+                      <a:endParaRPr lang="en-US" sz="2000" kern="1200" dirty="0">
                         <a:solidFill>
                           <a:schemeClr val="tx1"/>
                         </a:solidFill>
@@ -5031,6 +5091,18 @@
                     <a:bodyPr/>
                     <a:lstStyle/>
                     <a:p>
+                      <a:pPr algn="ctr"/>
+                      <a:r>
+                        <a:rPr lang="en-EG" sz="2000" kern="1200" dirty="0">
+                          <a:solidFill>
+                            <a:schemeClr val="tx1"/>
+                          </a:solidFill>
+                          <a:latin typeface="+mn-lt"/>
+                          <a:ea typeface="+mn-ea"/>
+                          <a:cs typeface="+mn-cs"/>
+                        </a:rPr>
+                        <a:t>0.937</a:t>
+                      </a:r>
                       <a:endParaRPr lang="en-US" sz="2000" kern="1200" dirty="0">
                         <a:solidFill>
                           <a:schemeClr val="tx1"/>
@@ -5083,6 +5155,18 @@
                     <a:bodyPr/>
                     <a:lstStyle/>
                     <a:p>
+                      <a:pPr algn="ctr"/>
+                      <a:r>
+                        <a:rPr lang="en-EG" sz="2000" kern="1200" dirty="0">
+                          <a:solidFill>
+                            <a:schemeClr val="tx1"/>
+                          </a:solidFill>
+                          <a:latin typeface="+mn-lt"/>
+                          <a:ea typeface="+mn-ea"/>
+                          <a:cs typeface="+mn-cs"/>
+                        </a:rPr>
+                        <a:t>129.701</a:t>
+                      </a:r>
                       <a:endParaRPr lang="en-US" sz="2000" kern="1200" dirty="0">
                         <a:solidFill>
                           <a:schemeClr val="tx1"/>
@@ -5100,7 +5184,19 @@
                     <a:bodyPr/>
                     <a:lstStyle/>
                     <a:p>
-                      <a:endParaRPr lang="en-US" sz="2000" kern="1200">
+                      <a:pPr algn="ctr"/>
+                      <a:r>
+                        <a:rPr lang="en-EG" sz="2000" kern="1200" dirty="0">
+                          <a:solidFill>
+                            <a:schemeClr val="tx1"/>
+                          </a:solidFill>
+                          <a:latin typeface="+mn-lt"/>
+                          <a:ea typeface="+mn-ea"/>
+                          <a:cs typeface="+mn-cs"/>
+                        </a:rPr>
+                        <a:t>7.825</a:t>
+                      </a:r>
+                      <a:endParaRPr lang="en-US" sz="2000" kern="1200" dirty="0">
                         <a:solidFill>
                           <a:schemeClr val="tx1"/>
                         </a:solidFill>
@@ -5117,7 +5213,19 @@
                     <a:bodyPr/>
                     <a:lstStyle/>
                     <a:p>
-                      <a:endParaRPr lang="en-US" sz="2000" kern="1200">
+                      <a:pPr algn="ctr"/>
+                      <a:r>
+                        <a:rPr lang="en-EG" sz="2000" kern="1200" dirty="0">
+                          <a:solidFill>
+                            <a:schemeClr val="tx1"/>
+                          </a:solidFill>
+                          <a:latin typeface="+mn-lt"/>
+                          <a:ea typeface="+mn-ea"/>
+                          <a:cs typeface="+mn-cs"/>
+                        </a:rPr>
+                        <a:t>11.389</a:t>
+                      </a:r>
+                      <a:endParaRPr lang="en-US" sz="2000" kern="1200" dirty="0">
                         <a:solidFill>
                           <a:schemeClr val="tx1"/>
                         </a:solidFill>
@@ -5134,6 +5242,18 @@
                     <a:bodyPr/>
                     <a:lstStyle/>
                     <a:p>
+                      <a:pPr algn="ctr"/>
+                      <a:r>
+                        <a:rPr lang="en-EG" sz="2000" kern="1200" dirty="0">
+                          <a:solidFill>
+                            <a:schemeClr val="tx1"/>
+                          </a:solidFill>
+                          <a:latin typeface="+mn-lt"/>
+                          <a:ea typeface="+mn-ea"/>
+                          <a:cs typeface="+mn-cs"/>
+                        </a:rPr>
+                        <a:t>0.937</a:t>
+                      </a:r>
                       <a:endParaRPr lang="en-US" sz="2000" kern="1200" dirty="0">
                         <a:solidFill>
                           <a:schemeClr val="tx1"/>
@@ -5508,7 +5628,7 @@
           <p:nvPr/>
         </p:nvPicPr>
         <p:blipFill>
-          <a:blip r:embed="rId5">
+          <a:blip r:embed="rId4">
             <a:extLst>
               <a:ext uri="{28A0092B-C50C-407E-A947-70E740481C1C}">
                 <a14:useLocalDpi xmlns:a14="http://schemas.microsoft.com/office/drawing/2010/main" val="0"/>
@@ -5538,6 +5658,96 @@
               </a14:hiddenFill>
             </a:ext>
           </a:extLst>
+        </p:spPr>
+      </p:pic>
+      <p:pic>
+        <p:nvPicPr>
+          <p:cNvPr id="2" name="Picture 1">
+            <a:extLst>
+              <a:ext uri="{FF2B5EF4-FFF2-40B4-BE49-F238E27FC236}">
+                <a16:creationId xmlns:a16="http://schemas.microsoft.com/office/drawing/2014/main" id="{E96B82E7-623E-6D12-3A11-E7217BA81995}"/>
+              </a:ext>
+            </a:extLst>
+          </p:cNvPr>
+          <p:cNvPicPr>
+            <a:picLocks noChangeAspect="1"/>
+          </p:cNvPicPr>
+          <p:nvPr/>
+        </p:nvPicPr>
+        <p:blipFill>
+          <a:blip r:embed="rId5"/>
+          <a:stretch>
+            <a:fillRect/>
+          </a:stretch>
+        </p:blipFill>
+        <p:spPr>
+          <a:xfrm>
+            <a:off x="11729178" y="7897864"/>
+            <a:ext cx="9485253" cy="3111127"/>
+          </a:xfrm>
+          <a:prstGeom prst="rect">
+            <a:avLst/>
+          </a:prstGeom>
+        </p:spPr>
+      </p:pic>
+      <p:pic>
+        <p:nvPicPr>
+          <p:cNvPr id="7" name="Picture 6">
+            <a:extLst>
+              <a:ext uri="{FF2B5EF4-FFF2-40B4-BE49-F238E27FC236}">
+                <a16:creationId xmlns:a16="http://schemas.microsoft.com/office/drawing/2014/main" id="{85C2C4CA-690D-5B39-6109-DE8576E70417}"/>
+              </a:ext>
+            </a:extLst>
+          </p:cNvPr>
+          <p:cNvPicPr>
+            <a:picLocks noChangeAspect="1"/>
+          </p:cNvPicPr>
+          <p:nvPr/>
+        </p:nvPicPr>
+        <p:blipFill>
+          <a:blip r:embed="rId6"/>
+          <a:stretch>
+            <a:fillRect/>
+          </a:stretch>
+        </p:blipFill>
+        <p:spPr>
+          <a:xfrm>
+            <a:off x="11728314" y="10987437"/>
+            <a:ext cx="9481571" cy="2826327"/>
+          </a:xfrm>
+          <a:prstGeom prst="rect">
+            <a:avLst/>
+          </a:prstGeom>
+        </p:spPr>
+      </p:pic>
+      <p:pic>
+        <p:nvPicPr>
+          <p:cNvPr id="16" name="Picture 15">
+            <a:extLst>
+              <a:ext uri="{FF2B5EF4-FFF2-40B4-BE49-F238E27FC236}">
+                <a16:creationId xmlns:a16="http://schemas.microsoft.com/office/drawing/2014/main" id="{243B4625-6379-4B2D-4776-5EE30632923E}"/>
+              </a:ext>
+            </a:extLst>
+          </p:cNvPr>
+          <p:cNvPicPr>
+            <a:picLocks noChangeAspect="1"/>
+          </p:cNvPicPr>
+          <p:nvPr/>
+        </p:nvPicPr>
+        <p:blipFill>
+          <a:blip r:embed="rId7"/>
+          <a:stretch>
+            <a:fillRect/>
+          </a:stretch>
+        </p:blipFill>
+        <p:spPr>
+          <a:xfrm>
+            <a:off x="11740735" y="13799268"/>
+            <a:ext cx="9137457" cy="2826327"/>
+          </a:xfrm>
+          <a:prstGeom prst="rect">
+            <a:avLst/>
+          </a:prstGeom>
         </p:spPr>
       </p:pic>
     </p:spTree>
@@ -6178,6 +6388,12 @@
 </file>
 
 <file path=customXml/item2.xml><?xml version="1.0" encoding="utf-8"?>
+<p:properties xmlns:p="http://schemas.microsoft.com/office/2006/metadata/properties" xmlns:xsi="http://www.w3.org/2001/XMLSchema-instance" xmlns:pc="http://schemas.microsoft.com/office/infopath/2007/PartnerControls">
+  <documentManagement/>
+</p:properties>
+</file>
+
+<file path=customXml/item3.xml><?xml version="1.0" encoding="utf-8"?>
 <ct:contentTypeSchema xmlns:ct="http://schemas.microsoft.com/office/2006/metadata/contentType" xmlns:ma="http://schemas.microsoft.com/office/2006/metadata/properties/metaAttributes" ct:_="" ma:_="" ma:contentTypeName="Document" ma:contentTypeID="0x01010091FB4E2C44785744AD758A08C31CB8BB" ma:contentTypeVersion="" ma:contentTypeDescription="Create a new document." ma:contentTypeScope="" ma:versionID="c10ed37576fa3e2355debe60a3f3e110">
   <xsd:schema xmlns:xsd="http://www.w3.org/2001/XMLSchema" xmlns:xs="http://www.w3.org/2001/XMLSchema" xmlns:p="http://schemas.microsoft.com/office/2006/metadata/properties" targetNamespace="http://schemas.microsoft.com/office/2006/metadata/properties" ma:root="true" ma:fieldsID="b2384c6cc0088fcedbaf6edaf557defa">
     <xsd:element name="properties">
@@ -6291,12 +6507,6 @@
 </ct:contentTypeSchema>
 </file>
 
-<file path=customXml/item3.xml><?xml version="1.0" encoding="utf-8"?>
-<p:properties xmlns:p="http://schemas.microsoft.com/office/2006/metadata/properties" xmlns:xsi="http://www.w3.org/2001/XMLSchema-instance" xmlns:pc="http://schemas.microsoft.com/office/infopath/2007/PartnerControls">
-  <documentManagement/>
-</p:properties>
-</file>
-
 <file path=customXml/itemProps1.xml><?xml version="1.0" encoding="utf-8"?>
 <ds:datastoreItem xmlns:ds="http://schemas.openxmlformats.org/officeDocument/2006/customXml" ds:itemID="{F775AA27-F288-48DE-998B-34BCC959C2C3}">
   <ds:schemaRefs>
@@ -6306,6 +6516,15 @@
 </file>
 
 <file path=customXml/itemProps2.xml><?xml version="1.0" encoding="utf-8"?>
+<ds:datastoreItem xmlns:ds="http://schemas.openxmlformats.org/officeDocument/2006/customXml" ds:itemID="{772D69D5-417F-4E01-BF36-724AAA3B40C9}">
+  <ds:schemaRefs>
+    <ds:schemaRef ds:uri="http://schemas.microsoft.com/office/2006/metadata/properties"/>
+    <ds:schemaRef ds:uri="http://schemas.microsoft.com/office/infopath/2007/PartnerControls"/>
+  </ds:schemaRefs>
+</ds:datastoreItem>
+</file>
+
+<file path=customXml/itemProps3.xml><?xml version="1.0" encoding="utf-8"?>
 <ds:datastoreItem xmlns:ds="http://schemas.openxmlformats.org/officeDocument/2006/customXml" ds:itemID="{CEAA2269-7DA5-4899-9701-3B66F199AD34}">
   <ds:schemaRefs>
     <ds:schemaRef ds:uri="http://schemas.microsoft.com/office/2006/metadata/contentType"/>
@@ -6319,13 +6538,4 @@
     <ds:schemaRef ds:uri="http://schemas.microsoft.com/office/infopath/2007/PartnerControls"/>
   </ds:schemaRefs>
 </ds:datastoreItem>
-</file>
-
-<file path=customXml/itemProps3.xml><?xml version="1.0" encoding="utf-8"?>
-<ds:datastoreItem xmlns:ds="http://schemas.openxmlformats.org/officeDocument/2006/customXml" ds:itemID="{772D69D5-417F-4E01-BF36-724AAA3B40C9}">
-  <ds:schemaRefs>
-    <ds:schemaRef ds:uri="http://schemas.microsoft.com/office/2006/metadata/properties"/>
-    <ds:schemaRef ds:uri="http://schemas.microsoft.com/office/infopath/2007/PartnerControls"/>
-  </ds:schemaRefs>
-</ds:datastoreItem>
 </file>
--- a/Poster.pptx
+++ b/Poster.pptx
@@ -2065,7 +2065,7 @@
         </p:nvSpPr>
         <p:spPr>
           <a:xfrm>
-            <a:off x="1838325" y="880284"/>
+            <a:off x="1849879" y="2516778"/>
             <a:ext cx="19028310" cy="795514"/>
           </a:xfrm>
         </p:spPr>
@@ -2079,19 +2079,19 @@
             </a:r>
             <a:r>
               <a:rPr lang="de-DE" dirty="0" err="1"/>
-              <a:t>forecasting</a:t>
-            </a:r>
-            <a:r>
-              <a:rPr lang="de-DE" dirty="0"/>
-              <a:t> on power </a:t>
-            </a:r>
-            <a:r>
-              <a:rPr lang="de-DE" dirty="0" err="1"/>
-              <a:t>supply</a:t>
-            </a:r>
-            <a:r>
-              <a:rPr lang="de-DE" dirty="0"/>
-              <a:t> stream</a:t>
+              <a:t>Forecasting</a:t>
+            </a:r>
+            <a:r>
+              <a:rPr lang="de-DE" dirty="0"/>
+              <a:t> </a:t>
+            </a:r>
+            <a:r>
+              <a:rPr lang="de-DE" dirty="0" err="1"/>
+              <a:t>of</a:t>
+            </a:r>
+            <a:r>
+              <a:rPr lang="de-DE" dirty="0"/>
+              <a:t> Power Supply Stream</a:t>
             </a:r>
           </a:p>
         </p:txBody>
@@ -2108,7 +2108,7 @@
         </p:nvSpPr>
         <p:spPr>
           <a:xfrm>
-            <a:off x="11568679" y="4028701"/>
+            <a:off x="11827736" y="4266627"/>
             <a:ext cx="9481571" cy="5815781"/>
           </a:xfrm>
         </p:spPr>
@@ -2128,15 +2128,31 @@
             <a:pPr lvl="2"/>
             <a:r>
               <a:rPr lang="de-DE" dirty="0"/>
-              <a:t>Models: </a:t>
-            </a:r>
-            <a:r>
-              <a:rPr lang="de-DE" dirty="0" err="1"/>
-              <a:t>HyperNet</a:t>
-            </a:r>
-            <a:r>
-              <a:rPr lang="de-DE" dirty="0"/>
-              <a:t>, LSTM, </a:t>
+              <a:t>Models </a:t>
+            </a:r>
+            <a:r>
+              <a:rPr lang="de-DE" dirty="0" err="1"/>
+              <a:t>that</a:t>
+            </a:r>
+            <a:r>
+              <a:rPr lang="de-DE" dirty="0"/>
+              <a:t> </a:t>
+            </a:r>
+            <a:r>
+              <a:rPr lang="de-DE" dirty="0" err="1"/>
+              <a:t>were</a:t>
+            </a:r>
+            <a:r>
+              <a:rPr lang="de-DE" dirty="0"/>
+              <a:t> </a:t>
+            </a:r>
+            <a:r>
+              <a:rPr lang="de-DE" dirty="0" err="1"/>
+              <a:t>tested</a:t>
+            </a:r>
+            <a:r>
+              <a:rPr lang="de-DE" dirty="0"/>
+              <a:t> </a:t>
             </a:r>
             <a:r>
               <a:rPr lang="de-DE" dirty="0" err="1"/>
@@ -2150,22 +2166,170 @@
               <a:rPr lang="de-DE" dirty="0" err="1"/>
               <a:t>LightGBM</a:t>
             </a:r>
-            <a:endParaRPr lang="de-DE" dirty="0"/>
+            <a:r>
+              <a:rPr lang="de-DE" dirty="0"/>
+              <a:t>, Additive Model , SARIMAX, LSTM</a:t>
+            </a:r>
           </a:p>
           <a:p>
             <a:pPr lvl="2"/>
             <a:r>
               <a:rPr lang="en-US" sz="2000" b="0" dirty="0"/>
-              <a:t>Different LSTM Models architecture with different window sizes were tested for forecasting. However, most of the LSTM models did not showed good performance with lowest RMSE of 40.21 and window size of 5. LSTM was also investigated to predict randomness for the additive models but also did not perform well and the ARMIA showed a better results. </a:t>
+              <a:t>Different LSTM Models architecture with different window sizes were tested for forecasting the noise data from the additive model. However, most of the LSTM models did not showed good performance and the best model was with a window size of 5. </a:t>
+            </a:r>
+            <a:br>
+              <a:rPr lang="en-US" sz="2000" b="0" dirty="0"/>
+            </a:br>
+            <a:r>
+              <a:rPr lang="en-US" sz="2000" b="0" dirty="0"/>
+              <a:t>We also try to enhance the LSTM models using Hypernetworks, but they do not perform well long term.</a:t>
             </a:r>
           </a:p>
           <a:p>
             <a:pPr lvl="2"/>
             <a:r>
               <a:rPr lang="en-US" sz="2000" b="0" dirty="0"/>
-              <a:t>ARIMA and SARIMA model were tested to forecast the whole data and they did show better results than LSTM results. ARIMA was used to predict randomness after removing seasonality. </a:t>
-            </a:r>
-            <a:endParaRPr lang="de-DE" dirty="0"/>
+              <a:t>ARIMA and SARIMA models showed better results than LSTM results. ARIMA  and SARIMA  were</a:t>
+            </a:r>
+            <a:r>
+              <a:rPr lang="en-US" dirty="0"/>
+              <a:t> </a:t>
+            </a:r>
+            <a:r>
+              <a:rPr lang="en-US" sz="2000" b="0" dirty="0"/>
+              <a:t>used to predict randomness after removing seasonality. </a:t>
+            </a:r>
+          </a:p>
+          <a:p>
+            <a:pPr lvl="2"/>
+            <a:r>
+              <a:rPr lang="de-DE" dirty="0" err="1"/>
+              <a:t>XGBoost</a:t>
+            </a:r>
+            <a:r>
+              <a:rPr lang="de-DE" dirty="0"/>
+              <a:t> and </a:t>
+            </a:r>
+            <a:r>
+              <a:rPr lang="de-DE" dirty="0" err="1"/>
+              <a:t>LightGBM</a:t>
+            </a:r>
+            <a:r>
+              <a:rPr lang="de-DE" dirty="0"/>
+              <a:t> </a:t>
+            </a:r>
+            <a:r>
+              <a:rPr lang="de-DE" dirty="0" err="1"/>
+              <a:t>are</a:t>
+            </a:r>
+            <a:r>
+              <a:rPr lang="de-DE" dirty="0"/>
+              <a:t> </a:t>
+            </a:r>
+            <a:r>
+              <a:rPr lang="de-DE" dirty="0" err="1"/>
+              <a:t>gradient</a:t>
+            </a:r>
+            <a:r>
+              <a:rPr lang="de-DE" dirty="0"/>
+              <a:t> </a:t>
+            </a:r>
+            <a:r>
+              <a:rPr lang="de-DE" dirty="0" err="1"/>
+              <a:t>boosting</a:t>
+            </a:r>
+            <a:r>
+              <a:rPr lang="de-DE" dirty="0"/>
+              <a:t> </a:t>
+            </a:r>
+            <a:r>
+              <a:rPr lang="de-DE" dirty="0" err="1"/>
+              <a:t>methods</a:t>
+            </a:r>
+            <a:r>
+              <a:rPr lang="de-DE" dirty="0"/>
+              <a:t> </a:t>
+            </a:r>
+            <a:r>
+              <a:rPr lang="de-DE" dirty="0" err="1"/>
+              <a:t>that</a:t>
+            </a:r>
+            <a:r>
+              <a:rPr lang="de-DE" dirty="0"/>
+              <a:t> </a:t>
+            </a:r>
+            <a:r>
+              <a:rPr lang="de-DE" dirty="0" err="1"/>
+              <a:t>use</a:t>
+            </a:r>
+            <a:r>
+              <a:rPr lang="de-DE" dirty="0"/>
+              <a:t> </a:t>
+            </a:r>
+            <a:r>
+              <a:rPr lang="de-DE" dirty="0" err="1"/>
+              <a:t>tree</a:t>
+            </a:r>
+            <a:r>
+              <a:rPr lang="de-DE" dirty="0"/>
+              <a:t> </a:t>
+            </a:r>
+            <a:r>
+              <a:rPr lang="de-DE" dirty="0" err="1"/>
+              <a:t>structures</a:t>
+            </a:r>
+            <a:r>
+              <a:rPr lang="de-DE" dirty="0"/>
+              <a:t>. </a:t>
+            </a:r>
+            <a:r>
+              <a:rPr lang="de-DE" dirty="0" err="1"/>
+              <a:t>They</a:t>
+            </a:r>
+            <a:r>
+              <a:rPr lang="de-DE" dirty="0"/>
+              <a:t> </a:t>
+            </a:r>
+            <a:r>
+              <a:rPr lang="de-DE" dirty="0" err="1"/>
+              <a:t>are</a:t>
+            </a:r>
+            <a:r>
+              <a:rPr lang="de-DE" dirty="0"/>
+              <a:t> </a:t>
+            </a:r>
+            <a:r>
+              <a:rPr lang="de-DE" dirty="0" err="1"/>
+              <a:t>the</a:t>
+            </a:r>
+            <a:r>
+              <a:rPr lang="de-DE" dirty="0"/>
+              <a:t> </a:t>
+            </a:r>
+            <a:r>
+              <a:rPr lang="de-DE" dirty="0" err="1"/>
+              <a:t>best</a:t>
+            </a:r>
+            <a:r>
+              <a:rPr lang="de-DE" dirty="0"/>
+              <a:t> </a:t>
+            </a:r>
+            <a:r>
+              <a:rPr lang="de-DE" dirty="0" err="1"/>
+              <a:t>performing</a:t>
+            </a:r>
+            <a:r>
+              <a:rPr lang="de-DE" dirty="0"/>
+              <a:t> </a:t>
+            </a:r>
+            <a:r>
+              <a:rPr lang="de-DE" dirty="0" err="1"/>
+              <a:t>models</a:t>
+            </a:r>
+            <a:r>
+              <a:rPr lang="de-DE" dirty="0"/>
+              <a:t>.</a:t>
+            </a:r>
           </a:p>
         </p:txBody>
       </p:sp>
@@ -2224,14 +2388,14 @@
           <p:nvPr>
             <p:extLst>
               <p:ext uri="{D42A27DB-BD31-4B8C-83A1-F6EECF244321}">
-                <p14:modId xmlns:p14="http://schemas.microsoft.com/office/powerpoint/2010/main" val="2521004051"/>
+                <p14:modId xmlns:p14="http://schemas.microsoft.com/office/powerpoint/2010/main" val="3406546139"/>
               </p:ext>
             </p:extLst>
           </p:nvPr>
         </p:nvGraphicFramePr>
         <p:xfrm>
-          <a:off x="11380805" y="26618236"/>
-          <a:ext cx="8820216" cy="1554608"/>
+          <a:off x="11466972" y="27494092"/>
+          <a:ext cx="8820216" cy="678752"/>
         </p:xfrm>
         <a:graphic>
           <a:graphicData uri="http://schemas.openxmlformats.org/drawingml/2006/table">
@@ -2261,7 +2425,7 @@
                       </a:pPr>
                       <a:r>
                         <a:rPr lang="de-DE" sz="1400" dirty="0"/>
-                        <a:t>Sources</a:t>
+                        <a:t>Sources &amp; Additional Information </a:t>
                       </a:r>
                     </a:p>
                   </a:txBody>
@@ -2310,419 +2474,43 @@
                     <a:bodyPr/>
                     <a:lstStyle/>
                     <a:p>
-                      <a:pPr marL="179388" lvl="1" indent="-179388">
+                      <a:pPr marL="285750" lvl="1" indent="-285750">
                         <a:lnSpc>
                           <a:spcPct val="110000"/>
                         </a:lnSpc>
+                        <a:buFont typeface="Arial" panose="020B0604020202020204" pitchFamily="34" charset="0"/>
+                        <a:buChar char="•"/>
                         <a:tabLst/>
                       </a:pPr>
                       <a:r>
-                        <a:rPr lang="de-DE" sz="1400" baseline="30000" dirty="0"/>
-                        <a:t>1 	</a:t>
+                        <a:rPr lang="en-US" sz="1400" kern="1200" dirty="0">
+                          <a:solidFill>
+                            <a:schemeClr val="tx1"/>
+                          </a:solidFill>
+                          <a:latin typeface="+mn-lt"/>
+                          <a:ea typeface="+mn-ea"/>
+                          <a:cs typeface="+mn-cs"/>
+                          <a:hlinkClick r:id="rId2" tooltip="https://github.com/as-cal8/KDDM2-2022">
+                            <a:extLst>
+                              <a:ext uri="{A12FA001-AC4F-418D-AE19-62706E023703}">
+                                <ahyp:hlinkClr xmlns:ahyp="http://schemas.microsoft.com/office/drawing/2018/hyperlinkcolor" val="tx"/>
+                              </a:ext>
+                            </a:extLst>
+                          </a:hlinkClick>
+                        </a:rPr>
+                        <a:t>https://github.com/as-cal8/KDDM2-2022</a:t>
                       </a:r>
                       <a:r>
-                        <a:rPr lang="de-DE" sz="1400" dirty="0" err="1"/>
-                        <a:t>Lorem</a:t>
-                      </a:r>
-                      <a:r>
-                        <a:rPr lang="de-DE" sz="1400" dirty="0"/>
+                        <a:rPr lang="de-DE" sz="1400" kern="1200" dirty="0">
+                          <a:solidFill>
+                            <a:schemeClr val="tx1"/>
+                          </a:solidFill>
+                          <a:latin typeface="+mn-lt"/>
+                          <a:ea typeface="+mn-ea"/>
+                          <a:cs typeface="+mn-cs"/>
+                        </a:rPr>
                         <a:t> </a:t>
                       </a:r>
-                      <a:r>
-                        <a:rPr lang="de-DE" sz="1400" dirty="0" err="1"/>
-                        <a:t>ipsum</a:t>
-                      </a:r>
-                      <a:r>
-                        <a:rPr lang="de-DE" sz="1400" dirty="0"/>
-                        <a:t> </a:t>
-                      </a:r>
-                      <a:r>
-                        <a:rPr lang="de-DE" sz="1400" dirty="0" err="1"/>
-                        <a:t>dolor</a:t>
-                      </a:r>
-                      <a:r>
-                        <a:rPr lang="de-DE" sz="1400" dirty="0"/>
-                        <a:t> </a:t>
-                      </a:r>
-                      <a:r>
-                        <a:rPr lang="de-DE" sz="1400" dirty="0" err="1"/>
-                        <a:t>sit</a:t>
-                      </a:r>
-                      <a:r>
-                        <a:rPr lang="de-DE" sz="1400" dirty="0"/>
-                        <a:t> </a:t>
-                      </a:r>
-                      <a:r>
-                        <a:rPr lang="de-DE" sz="1400" dirty="0" err="1"/>
-                        <a:t>amet</a:t>
-                      </a:r>
-                      <a:endParaRPr lang="de-DE" sz="1400" dirty="0"/>
-                    </a:p>
-                    <a:p>
-                      <a:pPr marL="179388" lvl="1" indent="-179388">
-                        <a:lnSpc>
-                          <a:spcPct val="110000"/>
-                        </a:lnSpc>
-                        <a:tabLst/>
-                      </a:pPr>
-                      <a:r>
-                        <a:rPr lang="de-DE" sz="1400" baseline="30000" dirty="0"/>
-                        <a:t>2</a:t>
-                      </a:r>
-                      <a:r>
-                        <a:rPr lang="de-DE" sz="1400" dirty="0"/>
-                        <a:t> 	</a:t>
-                      </a:r>
-                      <a:r>
-                        <a:rPr lang="de-DE" sz="1400" dirty="0" err="1"/>
-                        <a:t>Ansetetur</a:t>
-                      </a:r>
-                      <a:r>
-                        <a:rPr lang="de-DE" sz="1400" dirty="0"/>
-                        <a:t> </a:t>
-                      </a:r>
-                      <a:r>
-                        <a:rPr lang="de-DE" sz="1400" dirty="0" err="1"/>
-                        <a:t>sadipscing</a:t>
-                      </a:r>
-                      <a:r>
-                        <a:rPr lang="de-DE" sz="1400" dirty="0"/>
-                        <a:t> </a:t>
-                      </a:r>
-                      <a:r>
-                        <a:rPr lang="de-DE" sz="1400" dirty="0" err="1"/>
-                        <a:t>elitr</a:t>
-                      </a:r>
-                      <a:r>
-                        <a:rPr lang="de-DE" sz="1400" dirty="0"/>
-                        <a:t> </a:t>
-                      </a:r>
-                      <a:r>
-                        <a:rPr lang="de-DE" sz="1400" dirty="0" err="1"/>
-                        <a:t>Eed</a:t>
-                      </a:r>
-                      <a:r>
-                        <a:rPr lang="de-DE" sz="1400" dirty="0"/>
-                        <a:t> </a:t>
-                      </a:r>
-                      <a:r>
-                        <a:rPr lang="de-DE" sz="1400" dirty="0" err="1"/>
-                        <a:t>diam</a:t>
-                      </a:r>
-                      <a:r>
-                        <a:rPr lang="de-DE" sz="1400" dirty="0"/>
-                        <a:t> </a:t>
-                      </a:r>
-                      <a:r>
-                        <a:rPr lang="de-DE" sz="1400" dirty="0" err="1"/>
-                        <a:t>nonumy</a:t>
-                      </a:r>
-                      <a:r>
-                        <a:rPr lang="de-DE" sz="1400" dirty="0"/>
-                        <a:t> </a:t>
-                      </a:r>
-                      <a:r>
-                        <a:rPr lang="de-DE" sz="1400" dirty="0" err="1"/>
-                        <a:t>eirmod</a:t>
-                      </a:r>
-                      <a:r>
-                        <a:rPr lang="de-DE" sz="1400" dirty="0"/>
-                        <a:t> </a:t>
-                      </a:r>
-                      <a:r>
-                        <a:rPr lang="de-DE" sz="1400" dirty="0" err="1"/>
-                        <a:t>tempor</a:t>
-                      </a:r>
-                      <a:r>
-                        <a:rPr lang="de-DE" sz="1400" dirty="0"/>
-                        <a:t> </a:t>
-                      </a:r>
-                      <a:r>
-                        <a:rPr lang="de-DE" sz="1400" dirty="0" err="1"/>
-                        <a:t>invidunt</a:t>
-                      </a:r>
-                      <a:r>
-                        <a:rPr lang="de-DE" sz="1400" dirty="0"/>
-                        <a:t> </a:t>
-                      </a:r>
-                      <a:r>
-                        <a:rPr lang="de-DE" sz="1400" dirty="0" err="1"/>
-                        <a:t>ut</a:t>
-                      </a:r>
-                      <a:r>
-                        <a:rPr lang="de-DE" sz="1400" dirty="0"/>
-                        <a:t> </a:t>
-                      </a:r>
-                      <a:r>
-                        <a:rPr lang="de-DE" sz="1400" dirty="0" err="1"/>
-                        <a:t>labore</a:t>
-                      </a:r>
-                      <a:r>
-                        <a:rPr lang="de-DE" sz="1400" dirty="0"/>
-                        <a:t> </a:t>
-                      </a:r>
-                      <a:r>
-                        <a:rPr lang="de-DE" sz="1400" dirty="0" err="1"/>
-                        <a:t>Eed</a:t>
-                      </a:r>
-                      <a:r>
-                        <a:rPr lang="de-DE" sz="1400" dirty="0"/>
-                        <a:t> </a:t>
-                      </a:r>
-                      <a:r>
-                        <a:rPr lang="de-DE" sz="1400" dirty="0" err="1"/>
-                        <a:t>diam</a:t>
-                      </a:r>
-                      <a:r>
-                        <a:rPr lang="de-DE" sz="1400" dirty="0"/>
-                        <a:t> </a:t>
-                      </a:r>
-                      <a:r>
-                        <a:rPr lang="de-DE" sz="1400" dirty="0" err="1"/>
-                        <a:t>nonumy</a:t>
-                      </a:r>
-                      <a:r>
-                        <a:rPr lang="de-DE" sz="1400" dirty="0"/>
-                        <a:t> </a:t>
-                      </a:r>
-                      <a:r>
-                        <a:rPr lang="de-DE" sz="1400" dirty="0" err="1"/>
-                        <a:t>eirmod</a:t>
-                      </a:r>
-                      <a:r>
-                        <a:rPr lang="de-DE" sz="1400" dirty="0"/>
-                        <a:t> </a:t>
-                      </a:r>
-                      <a:r>
-                        <a:rPr lang="de-DE" sz="1400" dirty="0" err="1"/>
-                        <a:t>tempor</a:t>
-                      </a:r>
-                      <a:r>
-                        <a:rPr lang="de-DE" sz="1400" dirty="0"/>
-                        <a:t> </a:t>
-                      </a:r>
-                      <a:r>
-                        <a:rPr lang="de-DE" sz="1400" dirty="0" err="1"/>
-                        <a:t>invidunt</a:t>
-                      </a:r>
-                      <a:r>
-                        <a:rPr lang="de-DE" sz="1400" dirty="0"/>
-                        <a:t> </a:t>
-                      </a:r>
-                      <a:r>
-                        <a:rPr lang="de-DE" sz="1400" dirty="0" err="1"/>
-                        <a:t>ut</a:t>
-                      </a:r>
-                      <a:r>
-                        <a:rPr lang="de-DE" sz="1400" dirty="0"/>
-                        <a:t> </a:t>
-                      </a:r>
-                      <a:r>
-                        <a:rPr lang="de-DE" sz="1400" dirty="0" err="1"/>
-                        <a:t>labore</a:t>
-                      </a:r>
-                      <a:r>
-                        <a:rPr lang="de-DE" sz="1400" dirty="0"/>
-                        <a:t> </a:t>
-                      </a:r>
-                      <a:r>
-                        <a:rPr lang="de-DE" sz="1400" dirty="0" err="1"/>
-                        <a:t>Eed</a:t>
-                      </a:r>
-                      <a:r>
-                        <a:rPr lang="de-DE" sz="1400" dirty="0"/>
-                        <a:t> </a:t>
-                      </a:r>
-                      <a:r>
-                        <a:rPr lang="de-DE" sz="1400" dirty="0" err="1"/>
-                        <a:t>diam</a:t>
-                      </a:r>
-                      <a:r>
-                        <a:rPr lang="de-DE" sz="1400" dirty="0"/>
-                        <a:t> </a:t>
-                      </a:r>
-                      <a:r>
-                        <a:rPr lang="de-DE" sz="1400" dirty="0" err="1"/>
-                        <a:t>nonumy</a:t>
-                      </a:r>
-                      <a:r>
-                        <a:rPr lang="de-DE" sz="1400" dirty="0"/>
-                        <a:t> </a:t>
-                      </a:r>
-                      <a:r>
-                        <a:rPr lang="de-DE" sz="1400" dirty="0" err="1"/>
-                        <a:t>eirmod</a:t>
-                      </a:r>
-                      <a:r>
-                        <a:rPr lang="de-DE" sz="1400" dirty="0"/>
-                        <a:t> </a:t>
-                      </a:r>
-                      <a:r>
-                        <a:rPr lang="de-DE" sz="1400" dirty="0" err="1"/>
-                        <a:t>tempor</a:t>
-                      </a:r>
-                      <a:r>
-                        <a:rPr lang="de-DE" sz="1400" dirty="0"/>
-                        <a:t> </a:t>
-                      </a:r>
-                      <a:r>
-                        <a:rPr lang="de-DE" sz="1400" dirty="0" err="1"/>
-                        <a:t>invidunt</a:t>
-                      </a:r>
-                      <a:r>
-                        <a:rPr lang="de-DE" sz="1400" dirty="0"/>
-                        <a:t> </a:t>
-                      </a:r>
-                      <a:r>
-                        <a:rPr lang="de-DE" sz="1400" dirty="0" err="1"/>
-                        <a:t>ut</a:t>
-                      </a:r>
-                      <a:r>
-                        <a:rPr lang="de-DE" sz="1400" dirty="0"/>
-                        <a:t> </a:t>
-                      </a:r>
-                      <a:r>
-                        <a:rPr lang="de-DE" sz="1400" dirty="0" err="1"/>
-                        <a:t>labore</a:t>
-                      </a:r>
-                      <a:endParaRPr lang="de-DE" sz="1400" dirty="0"/>
-                    </a:p>
-                    <a:p>
-                      <a:pPr marL="179388" lvl="1" indent="-179388">
-                        <a:lnSpc>
-                          <a:spcPct val="110000"/>
-                        </a:lnSpc>
-                        <a:tabLst/>
-                      </a:pPr>
-                      <a:r>
-                        <a:rPr lang="de-DE" sz="1400" baseline="30000" dirty="0"/>
-                        <a:t>3 	</a:t>
-                      </a:r>
-                      <a:r>
-                        <a:rPr lang="de-DE" sz="1400" dirty="0" err="1"/>
-                        <a:t>Eed</a:t>
-                      </a:r>
-                      <a:r>
-                        <a:rPr lang="de-DE" sz="1400" dirty="0"/>
-                        <a:t> </a:t>
-                      </a:r>
-                      <a:r>
-                        <a:rPr lang="de-DE" sz="1400" dirty="0" err="1"/>
-                        <a:t>diam</a:t>
-                      </a:r>
-                      <a:r>
-                        <a:rPr lang="de-DE" sz="1400" dirty="0"/>
-                        <a:t> </a:t>
-                      </a:r>
-                      <a:r>
-                        <a:rPr lang="de-DE" sz="1400" dirty="0" err="1"/>
-                        <a:t>nonumy</a:t>
-                      </a:r>
-                      <a:r>
-                        <a:rPr lang="de-DE" sz="1400" dirty="0"/>
-                        <a:t> </a:t>
-                      </a:r>
-                      <a:r>
-                        <a:rPr lang="de-DE" sz="1400" dirty="0" err="1"/>
-                        <a:t>eirmod</a:t>
-                      </a:r>
-                      <a:r>
-                        <a:rPr lang="de-DE" sz="1400" dirty="0"/>
-                        <a:t> </a:t>
-                      </a:r>
-                      <a:r>
-                        <a:rPr lang="de-DE" sz="1400" dirty="0" err="1"/>
-                        <a:t>tempor</a:t>
-                      </a:r>
-                      <a:r>
-                        <a:rPr lang="de-DE" sz="1400" dirty="0"/>
-                        <a:t> </a:t>
-                      </a:r>
-                      <a:r>
-                        <a:rPr lang="de-DE" sz="1400" dirty="0" err="1"/>
-                        <a:t>invidunt</a:t>
-                      </a:r>
-                      <a:r>
-                        <a:rPr lang="de-DE" sz="1400" dirty="0"/>
-                        <a:t> </a:t>
-                      </a:r>
-                      <a:r>
-                        <a:rPr lang="de-DE" sz="1400" dirty="0" err="1"/>
-                        <a:t>ut</a:t>
-                      </a:r>
-                      <a:r>
-                        <a:rPr lang="de-DE" sz="1400" dirty="0"/>
-                        <a:t> </a:t>
-                      </a:r>
-                      <a:r>
-                        <a:rPr lang="de-DE" sz="1400" dirty="0" err="1"/>
-                        <a:t>labore</a:t>
-                      </a:r>
-                      <a:r>
-                        <a:rPr lang="de-DE" sz="1400" dirty="0"/>
-                        <a:t> </a:t>
-                      </a:r>
-                    </a:p>
-                    <a:p>
-                      <a:pPr marL="179388" lvl="1" indent="-179388">
-                        <a:lnSpc>
-                          <a:spcPct val="110000"/>
-                        </a:lnSpc>
-                        <a:tabLst/>
-                      </a:pPr>
-                      <a:r>
-                        <a:rPr lang="de-DE" sz="1400" baseline="30000" dirty="0"/>
-                        <a:t>4 	</a:t>
-                      </a:r>
-                      <a:r>
-                        <a:rPr lang="de-DE" sz="1400" dirty="0"/>
-                        <a:t>Met </a:t>
-                      </a:r>
-                      <a:r>
-                        <a:rPr lang="de-DE" sz="1400" dirty="0" err="1"/>
-                        <a:t>dolore</a:t>
-                      </a:r>
-                      <a:r>
-                        <a:rPr lang="de-DE" sz="1400" dirty="0"/>
-                        <a:t> magna </a:t>
-                      </a:r>
-                      <a:r>
-                        <a:rPr lang="de-DE" sz="1400" dirty="0" err="1"/>
-                        <a:t>aliquyam</a:t>
-                      </a:r>
-                      <a:r>
-                        <a:rPr lang="de-DE" sz="1400" dirty="0"/>
-                        <a:t> </a:t>
-                      </a:r>
-                      <a:r>
-                        <a:rPr lang="de-DE" sz="1400" dirty="0" err="1"/>
-                        <a:t>erat</a:t>
-                      </a:r>
-                      <a:r>
-                        <a:rPr lang="de-DE" sz="1400" dirty="0"/>
-                        <a:t>, </a:t>
-                      </a:r>
-                      <a:r>
-                        <a:rPr lang="de-DE" sz="1400" dirty="0" err="1"/>
-                        <a:t>sed</a:t>
-                      </a:r>
-                      <a:r>
-                        <a:rPr lang="de-DE" sz="1400" dirty="0"/>
-                        <a:t> </a:t>
-                      </a:r>
-                      <a:r>
-                        <a:rPr lang="de-DE" sz="1400" dirty="0" err="1"/>
-                        <a:t>diam</a:t>
-                      </a:r>
-                      <a:r>
-                        <a:rPr lang="de-DE" sz="1400" dirty="0"/>
-                        <a:t> </a:t>
-                      </a:r>
-                      <a:r>
-                        <a:rPr lang="de-DE" sz="1400" dirty="0" err="1"/>
-                        <a:t>voluptua</a:t>
-                      </a:r>
-                      <a:endParaRPr lang="de-DE" sz="1400" dirty="0"/>
                     </a:p>
                   </a:txBody>
                   <a:tcPr>
@@ -2784,7 +2572,7 @@
         </p:nvSpPr>
         <p:spPr>
           <a:xfrm>
-            <a:off x="1837461" y="16510443"/>
+            <a:off x="1837245" y="16200938"/>
             <a:ext cx="8820000" cy="3005447"/>
           </a:xfrm>
           <a:prstGeom prst="rect">
@@ -2957,7 +2745,13 @@
             </a:r>
           </a:p>
           <a:p>
-            <a:pPr lvl="1"/>
+            <a:pPr marL="342900" lvl="1" indent="-342900">
+              <a:buClr>
+                <a:schemeClr val="accent1"/>
+              </a:buClr>
+              <a:buFont typeface="Wingdings" pitchFamily="2" charset="2"/>
+              <a:buChar char="§"/>
+            </a:pPr>
             <a:r>
               <a:rPr lang="de-DE" dirty="0" err="1"/>
               <a:t>Two</a:t>
@@ -3025,8 +2819,11 @@
           </a:p>
           <a:p>
             <a:pPr marL="342900" lvl="1" indent="-342900">
-              <a:buFont typeface="Arial" panose="020B0604020202020204" pitchFamily="34" charset="0"/>
-              <a:buChar char="•"/>
+              <a:buClr>
+                <a:schemeClr val="accent1"/>
+              </a:buClr>
+              <a:buFont typeface="Wingdings" pitchFamily="2" charset="2"/>
+              <a:buChar char="§"/>
             </a:pPr>
             <a:r>
               <a:rPr lang="de-DE" dirty="0"/>
@@ -3051,8 +2848,11 @@
           </a:p>
           <a:p>
             <a:pPr marL="342900" lvl="1" indent="-342900">
-              <a:buFont typeface="Arial" panose="020B0604020202020204" pitchFamily="34" charset="0"/>
-              <a:buChar char="•"/>
+              <a:buClr>
+                <a:schemeClr val="accent1"/>
+              </a:buClr>
+              <a:buFont typeface="Wingdings" pitchFamily="2" charset="2"/>
+              <a:buChar char="§"/>
             </a:pPr>
             <a:r>
               <a:rPr lang="de-DE" dirty="0" err="1"/>
@@ -3142,8 +2942,11 @@
           </a:p>
           <a:p>
             <a:pPr marL="342900" lvl="1" indent="-342900" algn="l">
-              <a:buFont typeface="Arial" panose="020B0604020202020204" pitchFamily="34" charset="0"/>
-              <a:buChar char="•"/>
+              <a:buClr>
+                <a:schemeClr val="accent1"/>
+              </a:buClr>
+              <a:buFont typeface="Wingdings" pitchFamily="2" charset="2"/>
+              <a:buChar char="§"/>
             </a:pPr>
             <a:r>
               <a:rPr lang="de-DE" dirty="0"/>
@@ -3264,7 +3067,7 @@
         </p:nvSpPr>
         <p:spPr>
           <a:xfrm>
-            <a:off x="1837245" y="19341016"/>
+            <a:off x="1837245" y="19123160"/>
             <a:ext cx="8820000" cy="3005447"/>
           </a:xfrm>
           <a:prstGeom prst="rect">
@@ -3438,8 +3241,11 @@
           </a:p>
           <a:p>
             <a:pPr marL="457200" indent="-457200">
-              <a:buFont typeface="Arial" panose="020B0604020202020204" pitchFamily="34" charset="0"/>
-              <a:buChar char="•"/>
+              <a:buClr>
+                <a:schemeClr val="accent1"/>
+              </a:buClr>
+              <a:buFont typeface="Wingdings" pitchFamily="2" charset="2"/>
+              <a:buChar char="§"/>
             </a:pPr>
             <a:r>
               <a:rPr lang="de-DE" sz="2000" b="0" dirty="0"/>
@@ -3509,8 +3315,11 @@
           </a:p>
           <a:p>
             <a:pPr marL="457200" indent="-457200">
-              <a:buFont typeface="Arial" panose="020B0604020202020204" pitchFamily="34" charset="0"/>
-              <a:buChar char="•"/>
+              <a:buClr>
+                <a:schemeClr val="accent1"/>
+              </a:buClr>
+              <a:buFont typeface="Wingdings" pitchFamily="2" charset="2"/>
+              <a:buChar char="§"/>
             </a:pPr>
             <a:r>
               <a:rPr lang="de-DE" sz="2000" b="0" dirty="0"/>
@@ -3595,8 +3404,11 @@
           </a:p>
           <a:p>
             <a:pPr marL="457200" indent="-457200">
-              <a:buFont typeface="Arial" panose="020B0604020202020204" pitchFamily="34" charset="0"/>
-              <a:buChar char="•"/>
+              <a:buClr>
+                <a:schemeClr val="accent1"/>
+              </a:buClr>
+              <a:buFont typeface="Wingdings" pitchFamily="2" charset="2"/>
+              <a:buChar char="§"/>
             </a:pPr>
             <a:r>
               <a:rPr lang="de-DE" sz="2000" b="0" dirty="0"/>
@@ -3629,8 +3441,11 @@
           </a:p>
           <a:p>
             <a:pPr marL="457200" indent="-457200">
-              <a:buFont typeface="Arial" panose="020B0604020202020204" pitchFamily="34" charset="0"/>
-              <a:buChar char="•"/>
+              <a:buClr>
+                <a:schemeClr val="accent1"/>
+              </a:buClr>
+              <a:buFont typeface="Wingdings" pitchFamily="2" charset="2"/>
+              <a:buChar char="§"/>
             </a:pPr>
             <a:r>
               <a:rPr lang="de-DE" sz="2000" b="0" dirty="0" err="1"/>
@@ -3686,7 +3501,7 @@
         </p:nvSpPr>
         <p:spPr>
           <a:xfrm>
-            <a:off x="11467188" y="21538228"/>
+            <a:off x="11827736" y="23759090"/>
             <a:ext cx="8820000" cy="5584787"/>
           </a:xfrm>
           <a:prstGeom prst="rect">
@@ -3862,10 +3677,279 @@
           <a:p>
             <a:pPr lvl="2"/>
             <a:r>
-              <a:rPr lang="en-US" dirty="0"/>
-              <a:t>How have you tackled the problem? Difference Baseline – best model</a:t>
+              <a:rPr lang="en-US" sz="2000" b="0" dirty="0"/>
+              <a:t>Predicting multiple </a:t>
+            </a:r>
+            <a:r>
+              <a:rPr lang="en-US" sz="2000" b="0" dirty="0" err="1"/>
+              <a:t>seasonalities</a:t>
+            </a:r>
+            <a:r>
+              <a:rPr lang="en-US" sz="2000" b="0" dirty="0"/>
+              <a:t>, </a:t>
+            </a:r>
+            <a:r>
+              <a:rPr lang="en-US" sz="2000" b="0" dirty="0" err="1"/>
+              <a:t>whithout</a:t>
+            </a:r>
+            <a:r>
+              <a:rPr lang="en-US" sz="2000" b="0" dirty="0"/>
+              <a:t> the noise, was the main challenge with this dataset. Therefore the goal was to create models, which perform well in these settings.</a:t>
             </a:r>
             <a:endParaRPr lang="de-DE" dirty="0"/>
+          </a:p>
+          <a:p>
+            <a:pPr lvl="2"/>
+            <a:r>
+              <a:rPr lang="de-DE" dirty="0"/>
+              <a:t> LSTM </a:t>
+            </a:r>
+            <a:r>
+              <a:rPr lang="de-DE" dirty="0" err="1"/>
+              <a:t>with</a:t>
+            </a:r>
+            <a:r>
+              <a:rPr lang="de-DE" dirty="0"/>
+              <a:t> </a:t>
+            </a:r>
+            <a:r>
+              <a:rPr lang="de-DE" dirty="0" err="1"/>
+              <a:t>windows</a:t>
+            </a:r>
+            <a:r>
+              <a:rPr lang="de-DE" dirty="0"/>
+              <a:t> </a:t>
+            </a:r>
+            <a:r>
+              <a:rPr lang="de-DE" dirty="0" err="1"/>
+              <a:t>did</a:t>
+            </a:r>
+            <a:r>
+              <a:rPr lang="de-DE" dirty="0"/>
+              <a:t> not perform </a:t>
+            </a:r>
+            <a:r>
+              <a:rPr lang="de-DE" dirty="0" err="1"/>
+              <a:t>well</a:t>
+            </a:r>
+            <a:r>
+              <a:rPr lang="de-DE" dirty="0"/>
+              <a:t> in </a:t>
+            </a:r>
+            <a:r>
+              <a:rPr lang="de-DE" dirty="0" err="1"/>
+              <a:t>forecasting</a:t>
+            </a:r>
+            <a:r>
+              <a:rPr lang="de-DE" dirty="0"/>
+              <a:t>. ARIMA and SARIMAX </a:t>
+            </a:r>
+            <a:r>
+              <a:rPr lang="de-DE" dirty="0" err="1"/>
+              <a:t>models</a:t>
+            </a:r>
+            <a:r>
+              <a:rPr lang="de-DE" dirty="0"/>
+              <a:t> </a:t>
+            </a:r>
+            <a:r>
+              <a:rPr lang="de-DE" dirty="0" err="1"/>
+              <a:t>performed</a:t>
+            </a:r>
+            <a:r>
+              <a:rPr lang="de-DE" dirty="0"/>
+              <a:t> </a:t>
+            </a:r>
+            <a:r>
+              <a:rPr lang="de-DE" dirty="0" err="1"/>
+              <a:t>better</a:t>
+            </a:r>
+            <a:r>
+              <a:rPr lang="de-DE" dirty="0"/>
+              <a:t> </a:t>
+            </a:r>
+            <a:r>
+              <a:rPr lang="de-DE" dirty="0" err="1"/>
+              <a:t>than</a:t>
+            </a:r>
+            <a:r>
+              <a:rPr lang="de-DE" dirty="0"/>
+              <a:t> LSTM in </a:t>
+            </a:r>
+            <a:r>
+              <a:rPr lang="de-DE" dirty="0" err="1"/>
+              <a:t>predicting</a:t>
+            </a:r>
+            <a:r>
+              <a:rPr lang="de-DE" dirty="0"/>
+              <a:t> </a:t>
+            </a:r>
+            <a:r>
+              <a:rPr lang="de-DE" dirty="0" err="1"/>
+              <a:t>randomness</a:t>
+            </a:r>
+            <a:r>
+              <a:rPr lang="de-DE" dirty="0"/>
+              <a:t> </a:t>
+            </a:r>
+            <a:r>
+              <a:rPr lang="de-DE" dirty="0" err="1"/>
+              <a:t>noise</a:t>
+            </a:r>
+            <a:r>
+              <a:rPr lang="de-DE" dirty="0"/>
+              <a:t> but </a:t>
+            </a:r>
+            <a:r>
+              <a:rPr lang="de-DE" dirty="0" err="1"/>
+              <a:t>did</a:t>
+            </a:r>
+            <a:r>
+              <a:rPr lang="de-DE" dirty="0"/>
+              <a:t> not </a:t>
+            </a:r>
+            <a:r>
+              <a:rPr lang="de-DE" dirty="0" err="1"/>
+              <a:t>show</a:t>
+            </a:r>
+            <a:r>
+              <a:rPr lang="de-DE" dirty="0"/>
+              <a:t> </a:t>
+            </a:r>
+            <a:r>
+              <a:rPr lang="de-DE" dirty="0" err="1"/>
+              <a:t>significant</a:t>
+            </a:r>
+            <a:r>
+              <a:rPr lang="de-DE" dirty="0"/>
+              <a:t> </a:t>
+            </a:r>
+            <a:r>
+              <a:rPr lang="de-DE" dirty="0" err="1"/>
+              <a:t>enhancement</a:t>
+            </a:r>
+            <a:r>
+              <a:rPr lang="de-DE" dirty="0"/>
+              <a:t>.</a:t>
+            </a:r>
+          </a:p>
+          <a:p>
+            <a:pPr lvl="2"/>
+            <a:r>
+              <a:rPr lang="de-DE" dirty="0"/>
+              <a:t>SARIMAX </a:t>
+            </a:r>
+            <a:r>
+              <a:rPr lang="de-DE" dirty="0" err="1"/>
+              <a:t>performed</a:t>
+            </a:r>
+            <a:r>
+              <a:rPr lang="de-DE" dirty="0"/>
+              <a:t> </a:t>
+            </a:r>
+            <a:r>
+              <a:rPr lang="de-DE" dirty="0" err="1"/>
+              <a:t>better</a:t>
+            </a:r>
+            <a:r>
+              <a:rPr lang="de-DE" dirty="0"/>
+              <a:t> </a:t>
+            </a:r>
+            <a:r>
+              <a:rPr lang="de-DE" dirty="0" err="1"/>
+              <a:t>than</a:t>
+            </a:r>
+            <a:r>
+              <a:rPr lang="de-DE" dirty="0"/>
+              <a:t> ARIMA </a:t>
+            </a:r>
+            <a:r>
+              <a:rPr lang="de-DE" dirty="0" err="1"/>
+              <a:t>because</a:t>
+            </a:r>
+            <a:r>
+              <a:rPr lang="de-DE" dirty="0"/>
+              <a:t> not all </a:t>
+            </a:r>
+            <a:r>
+              <a:rPr lang="de-DE" dirty="0" err="1"/>
+              <a:t>seasonailties</a:t>
+            </a:r>
+            <a:r>
+              <a:rPr lang="de-DE" dirty="0"/>
+              <a:t> </a:t>
+            </a:r>
+            <a:r>
+              <a:rPr lang="de-DE" dirty="0" err="1"/>
+              <a:t>were</a:t>
+            </a:r>
+            <a:r>
+              <a:rPr lang="de-DE" dirty="0"/>
+              <a:t> </a:t>
+            </a:r>
+            <a:r>
+              <a:rPr lang="de-DE" dirty="0" err="1"/>
+              <a:t>reomved</a:t>
+            </a:r>
+            <a:r>
+              <a:rPr lang="de-DE" dirty="0"/>
+              <a:t>.</a:t>
+            </a:r>
+          </a:p>
+          <a:p>
+            <a:pPr lvl="2"/>
+            <a:r>
+              <a:rPr lang="de-DE" dirty="0"/>
+              <a:t>Additive Model </a:t>
+            </a:r>
+            <a:r>
+              <a:rPr lang="de-DE" dirty="0" err="1"/>
+              <a:t>using</a:t>
+            </a:r>
+            <a:r>
+              <a:rPr lang="de-DE" dirty="0"/>
+              <a:t> </a:t>
+            </a:r>
+            <a:r>
+              <a:rPr lang="de-DE" dirty="0" err="1"/>
+              <a:t>the</a:t>
+            </a:r>
+            <a:r>
+              <a:rPr lang="de-DE" dirty="0"/>
+              <a:t> 4 </a:t>
+            </a:r>
+            <a:r>
+              <a:rPr lang="de-DE" dirty="0" err="1"/>
+              <a:t>most</a:t>
+            </a:r>
+            <a:r>
+              <a:rPr lang="de-DE" dirty="0"/>
+              <a:t> </a:t>
+            </a:r>
+            <a:r>
+              <a:rPr lang="de-DE" dirty="0" err="1"/>
+              <a:t>occuring</a:t>
+            </a:r>
+            <a:r>
+              <a:rPr lang="de-DE" dirty="0"/>
+              <a:t> </a:t>
+            </a:r>
+            <a:r>
+              <a:rPr lang="de-DE" dirty="0" err="1"/>
+              <a:t>frequencies</a:t>
+            </a:r>
+            <a:r>
+              <a:rPr lang="de-DE" dirty="0"/>
+              <a:t> </a:t>
+            </a:r>
+            <a:r>
+              <a:rPr lang="de-DE" dirty="0" err="1"/>
+              <a:t>performed</a:t>
+            </a:r>
+            <a:r>
+              <a:rPr lang="de-DE" dirty="0"/>
+              <a:t> best.</a:t>
+            </a:r>
           </a:p>
           <a:p>
             <a:pPr lvl="2"/>
@@ -3873,433 +3957,16 @@
           </a:p>
           <a:p>
             <a:pPr lvl="2"/>
-            <a:r>
-              <a:rPr lang="de-DE"/>
-              <a:t> </a:t>
-            </a:r>
-            <a:r>
-              <a:rPr lang="de-DE" dirty="0"/>
-              <a:t>LSTM </a:t>
-            </a:r>
-            <a:r>
-              <a:rPr lang="de-DE" dirty="0" err="1"/>
-              <a:t>did</a:t>
-            </a:r>
-            <a:r>
-              <a:rPr lang="de-DE" dirty="0"/>
-              <a:t> not perform </a:t>
-            </a:r>
-            <a:r>
-              <a:rPr lang="de-DE" dirty="0" err="1"/>
-              <a:t>well</a:t>
-            </a:r>
-            <a:r>
-              <a:rPr lang="de-DE" dirty="0"/>
-              <a:t> in </a:t>
-            </a:r>
-            <a:r>
-              <a:rPr lang="de-DE" dirty="0" err="1"/>
-              <a:t>forecasting</a:t>
-            </a:r>
-            <a:r>
-              <a:rPr lang="de-DE" dirty="0"/>
-              <a:t> </a:t>
-            </a:r>
-            <a:r>
-              <a:rPr lang="de-DE" dirty="0" err="1"/>
-              <a:t>because</a:t>
-            </a:r>
-            <a:r>
-              <a:rPr lang="de-DE" dirty="0"/>
-              <a:t> </a:t>
-            </a:r>
-            <a:r>
-              <a:rPr lang="de-DE" dirty="0" err="1"/>
-              <a:t>it</a:t>
-            </a:r>
-            <a:r>
-              <a:rPr lang="de-DE" dirty="0"/>
-              <a:t> </a:t>
-            </a:r>
-            <a:r>
-              <a:rPr lang="de-DE" dirty="0" err="1"/>
-              <a:t>uses</a:t>
-            </a:r>
-            <a:r>
-              <a:rPr lang="de-DE" dirty="0"/>
-              <a:t> </a:t>
-            </a:r>
-            <a:r>
-              <a:rPr lang="de-DE" dirty="0" err="1"/>
-              <a:t>the</a:t>
-            </a:r>
-            <a:r>
-              <a:rPr lang="de-DE" dirty="0"/>
-              <a:t> </a:t>
-            </a:r>
-            <a:r>
-              <a:rPr lang="de-DE" dirty="0" err="1"/>
-              <a:t>lagged</a:t>
-            </a:r>
-            <a:r>
-              <a:rPr lang="de-DE" dirty="0"/>
-              <a:t> </a:t>
-            </a:r>
-            <a:r>
-              <a:rPr lang="de-DE" dirty="0" err="1"/>
-              <a:t>values</a:t>
-            </a:r>
-            <a:r>
-              <a:rPr lang="de-DE" dirty="0"/>
-              <a:t> (</a:t>
-            </a:r>
-            <a:r>
-              <a:rPr lang="de-DE" dirty="0" err="1"/>
-              <a:t>based</a:t>
-            </a:r>
-            <a:r>
-              <a:rPr lang="de-DE" dirty="0"/>
-              <a:t> on </a:t>
-            </a:r>
-            <a:r>
-              <a:rPr lang="de-DE" dirty="0" err="1"/>
-              <a:t>window</a:t>
-            </a:r>
-            <a:r>
-              <a:rPr lang="de-DE" dirty="0"/>
-              <a:t> </a:t>
-            </a:r>
-            <a:r>
-              <a:rPr lang="de-DE" dirty="0" err="1"/>
-              <a:t>size</a:t>
-            </a:r>
-            <a:r>
-              <a:rPr lang="de-DE" dirty="0"/>
-              <a:t>) </a:t>
-            </a:r>
-            <a:r>
-              <a:rPr lang="de-DE" dirty="0" err="1"/>
-              <a:t>to</a:t>
-            </a:r>
-            <a:r>
-              <a:rPr lang="de-DE" dirty="0"/>
-              <a:t> </a:t>
-            </a:r>
-            <a:r>
-              <a:rPr lang="de-DE" dirty="0" err="1"/>
-              <a:t>forecast</a:t>
-            </a:r>
-            <a:r>
-              <a:rPr lang="de-DE" dirty="0"/>
-              <a:t> and in </a:t>
-            </a:r>
-            <a:r>
-              <a:rPr lang="de-DE" dirty="0" err="1"/>
-              <a:t>predicting</a:t>
-            </a:r>
-            <a:r>
-              <a:rPr lang="de-DE" dirty="0"/>
-              <a:t> power </a:t>
-            </a:r>
-            <a:r>
-              <a:rPr lang="de-DE" dirty="0" err="1"/>
-              <a:t>supply</a:t>
-            </a:r>
-            <a:r>
-              <a:rPr lang="de-DE" dirty="0"/>
-              <a:t> </a:t>
-            </a:r>
-            <a:r>
-              <a:rPr lang="de-DE" dirty="0" err="1"/>
-              <a:t>values</a:t>
-            </a:r>
-            <a:r>
-              <a:rPr lang="de-DE" dirty="0"/>
-              <a:t> </a:t>
-            </a:r>
-            <a:r>
-              <a:rPr lang="de-DE" dirty="0" err="1"/>
-              <a:t>did</a:t>
-            </a:r>
-            <a:r>
-              <a:rPr lang="de-DE" dirty="0"/>
-              <a:t> not perform </a:t>
-            </a:r>
-            <a:r>
-              <a:rPr lang="de-DE" dirty="0" err="1"/>
-              <a:t>well</a:t>
-            </a:r>
-            <a:r>
-              <a:rPr lang="de-DE" dirty="0"/>
-              <a:t>. </a:t>
-            </a:r>
-            <a:r>
-              <a:rPr lang="de-DE" dirty="0" err="1"/>
-              <a:t>Moreover</a:t>
-            </a:r>
-            <a:r>
-              <a:rPr lang="de-DE" dirty="0"/>
-              <a:t>, LSTM </a:t>
-            </a:r>
-            <a:r>
-              <a:rPr lang="de-DE" dirty="0" err="1"/>
-              <a:t>did</a:t>
-            </a:r>
-            <a:r>
-              <a:rPr lang="de-DE" dirty="0"/>
-              <a:t> not </a:t>
-            </a:r>
-            <a:r>
-              <a:rPr lang="de-DE" dirty="0" err="1"/>
-              <a:t>successfully</a:t>
-            </a:r>
-            <a:r>
-              <a:rPr lang="de-DE" dirty="0"/>
-              <a:t> find a </a:t>
-            </a:r>
-            <a:r>
-              <a:rPr lang="de-DE" dirty="0" err="1"/>
-              <a:t>good</a:t>
-            </a:r>
-            <a:r>
-              <a:rPr lang="de-DE" dirty="0"/>
-              <a:t> </a:t>
-            </a:r>
-            <a:r>
-              <a:rPr lang="de-DE" dirty="0" err="1"/>
-              <a:t>pattern</a:t>
-            </a:r>
-            <a:r>
-              <a:rPr lang="de-DE" dirty="0"/>
-              <a:t> </a:t>
-            </a:r>
-            <a:r>
-              <a:rPr lang="de-DE" dirty="0" err="1"/>
-              <a:t>for</a:t>
-            </a:r>
-            <a:r>
-              <a:rPr lang="de-DE" dirty="0"/>
-              <a:t> </a:t>
-            </a:r>
-            <a:r>
-              <a:rPr lang="de-DE" dirty="0" err="1"/>
-              <a:t>predicting</a:t>
-            </a:r>
-            <a:r>
-              <a:rPr lang="de-DE" dirty="0"/>
-              <a:t> </a:t>
-            </a:r>
-            <a:r>
-              <a:rPr lang="de-DE" dirty="0" err="1"/>
-              <a:t>the</a:t>
-            </a:r>
-            <a:r>
-              <a:rPr lang="de-DE" dirty="0"/>
-              <a:t> </a:t>
-            </a:r>
-            <a:r>
-              <a:rPr lang="de-DE" dirty="0" err="1"/>
-              <a:t>randomness</a:t>
-            </a:r>
-            <a:r>
-              <a:rPr lang="de-DE" dirty="0"/>
-              <a:t> in </a:t>
-            </a:r>
-            <a:r>
-              <a:rPr lang="de-DE" dirty="0" err="1"/>
-              <a:t>the</a:t>
-            </a:r>
-            <a:r>
-              <a:rPr lang="de-DE" dirty="0"/>
-              <a:t> additive </a:t>
-            </a:r>
-            <a:r>
-              <a:rPr lang="de-DE" dirty="0" err="1"/>
-              <a:t>model</a:t>
-            </a:r>
-            <a:r>
-              <a:rPr lang="de-DE" dirty="0"/>
-              <a:t>. ARIMA </a:t>
-            </a:r>
-            <a:r>
-              <a:rPr lang="de-DE" dirty="0" err="1"/>
-              <a:t>models</a:t>
-            </a:r>
-            <a:r>
-              <a:rPr lang="de-DE" dirty="0"/>
-              <a:t> </a:t>
-            </a:r>
-            <a:r>
-              <a:rPr lang="de-DE" dirty="0" err="1"/>
-              <a:t>performed</a:t>
-            </a:r>
-            <a:r>
-              <a:rPr lang="de-DE" dirty="0"/>
-              <a:t> </a:t>
-            </a:r>
-            <a:r>
-              <a:rPr lang="de-DE" dirty="0" err="1"/>
-              <a:t>better</a:t>
-            </a:r>
-            <a:r>
-              <a:rPr lang="de-DE" dirty="0"/>
-              <a:t> </a:t>
-            </a:r>
-            <a:r>
-              <a:rPr lang="de-DE" dirty="0" err="1"/>
-              <a:t>than</a:t>
-            </a:r>
-            <a:r>
-              <a:rPr lang="de-DE" dirty="0"/>
-              <a:t> LSTM in </a:t>
-            </a:r>
-            <a:r>
-              <a:rPr lang="de-DE" dirty="0" err="1"/>
-              <a:t>predicting</a:t>
-            </a:r>
-            <a:r>
-              <a:rPr lang="de-DE" dirty="0"/>
-              <a:t> </a:t>
-            </a:r>
-            <a:r>
-              <a:rPr lang="de-DE" dirty="0" err="1"/>
-              <a:t>randomness</a:t>
-            </a:r>
-            <a:r>
-              <a:rPr lang="de-DE" dirty="0"/>
-              <a:t> </a:t>
-            </a:r>
-            <a:r>
-              <a:rPr lang="de-DE" dirty="0" err="1"/>
-              <a:t>noise</a:t>
-            </a:r>
-            <a:r>
-              <a:rPr lang="de-DE" dirty="0"/>
-              <a:t> but </a:t>
-            </a:r>
-            <a:r>
-              <a:rPr lang="de-DE" dirty="0" err="1"/>
-              <a:t>did</a:t>
-            </a:r>
-            <a:r>
-              <a:rPr lang="de-DE" dirty="0"/>
-              <a:t> not </a:t>
-            </a:r>
-            <a:r>
-              <a:rPr lang="de-DE" dirty="0" err="1"/>
-              <a:t>show</a:t>
-            </a:r>
-            <a:r>
-              <a:rPr lang="de-DE" dirty="0"/>
-              <a:t> </a:t>
-            </a:r>
-            <a:r>
-              <a:rPr lang="de-DE" dirty="0" err="1"/>
-              <a:t>sigificant</a:t>
-            </a:r>
-            <a:r>
-              <a:rPr lang="de-DE" dirty="0"/>
-              <a:t> </a:t>
-            </a:r>
-            <a:r>
-              <a:rPr lang="de-DE" dirty="0" err="1"/>
-              <a:t>enhancement</a:t>
-            </a:r>
-            <a:r>
-              <a:rPr lang="de-DE" dirty="0"/>
-              <a:t> </a:t>
-            </a:r>
+            <a:endParaRPr lang="de-DE" dirty="0"/>
           </a:p>
           <a:p>
             <a:pPr lvl="2"/>
             <a:endParaRPr lang="de-DE" dirty="0"/>
           </a:p>
           <a:p>
-            <a:pPr lvl="2"/>
-            <a:endParaRPr lang="de-DE" dirty="0"/>
-          </a:p>
-          <a:p>
-            <a:pPr lvl="2"/>
-            <a:r>
-              <a:rPr lang="de-DE" dirty="0"/>
-              <a:t>Additive Model </a:t>
-            </a:r>
-            <a:r>
-              <a:rPr lang="de-DE" dirty="0" err="1"/>
-              <a:t>for</a:t>
-            </a:r>
-            <a:r>
-              <a:rPr lang="de-DE" dirty="0"/>
-              <a:t> </a:t>
-            </a:r>
-            <a:r>
-              <a:rPr lang="de-DE" dirty="0" err="1"/>
-              <a:t>interpretability</a:t>
-            </a:r>
-            <a:endParaRPr lang="de-DE" dirty="0"/>
-          </a:p>
-          <a:p>
-            <a:pPr lvl="2"/>
-            <a:endParaRPr lang="de-DE" dirty="0"/>
-          </a:p>
-          <a:p>
-            <a:pPr lvl="2"/>
-            <a:r>
-              <a:rPr lang="de-DE" dirty="0" err="1"/>
-              <a:t>Apply</a:t>
-            </a:r>
-            <a:r>
-              <a:rPr lang="de-DE" dirty="0"/>
-              <a:t> </a:t>
-            </a:r>
-            <a:r>
-              <a:rPr lang="de-DE" dirty="0" err="1"/>
-              <a:t>best</a:t>
-            </a:r>
-            <a:r>
-              <a:rPr lang="de-DE" dirty="0"/>
-              <a:t> </a:t>
-            </a:r>
-            <a:r>
-              <a:rPr lang="de-DE" dirty="0" err="1"/>
-              <a:t>for</a:t>
-            </a:r>
-            <a:r>
-              <a:rPr lang="de-DE" dirty="0"/>
-              <a:t> </a:t>
-            </a:r>
-            <a:r>
-              <a:rPr lang="de-DE" dirty="0" err="1"/>
-              <a:t>other</a:t>
-            </a:r>
-            <a:r>
-              <a:rPr lang="de-DE" dirty="0"/>
-              <a:t> </a:t>
-            </a:r>
-            <a:r>
-              <a:rPr lang="de-DE" dirty="0" err="1"/>
-              <a:t>grid</a:t>
-            </a:r>
-            <a:r>
-              <a:rPr lang="de-DE" dirty="0"/>
-              <a:t> check / </a:t>
-            </a:r>
-            <a:r>
-              <a:rPr lang="de-DE" dirty="0" err="1"/>
-              <a:t>mention</a:t>
-            </a:r>
-            <a:r>
-              <a:rPr lang="de-DE" dirty="0"/>
-              <a:t> </a:t>
-            </a:r>
-            <a:r>
-              <a:rPr lang="de-DE" dirty="0" err="1"/>
-              <a:t>performance</a:t>
-            </a:r>
-            <a:endParaRPr lang="de-DE" dirty="0"/>
-          </a:p>
-          <a:p>
-            <a:pPr lvl="2"/>
+            <a:pPr marL="0" lvl="2" indent="0">
+              <a:buNone/>
+            </a:pPr>
             <a:endParaRPr lang="de-DE" dirty="0"/>
           </a:p>
         </p:txBody>
@@ -4319,7 +3986,7 @@
           <p:nvPr/>
         </p:nvPicPr>
         <p:blipFill>
-          <a:blip r:embed="rId2"/>
+          <a:blip r:embed="rId3"/>
           <a:stretch>
             <a:fillRect/>
           </a:stretch>
@@ -4348,8 +4015,8 @@
         </p:nvSpPr>
         <p:spPr>
           <a:xfrm>
-            <a:off x="15335250" y="29406017"/>
-            <a:ext cx="5715000" cy="1569660"/>
+            <a:off x="11728314" y="29251273"/>
+            <a:ext cx="9321936" cy="1569660"/>
           </a:xfrm>
           <a:prstGeom prst="rect">
             <a:avLst/>
@@ -4369,8 +4036,29 @@
             <a:pPr algn="r"/>
             <a:r>
               <a:rPr lang="en-US" sz="2400" dirty="0"/>
-              <a:t>Authors: Alexander Seyr, ….</a:t>
-            </a:r>
+              <a:t>Authors: Alexander </a:t>
+            </a:r>
+            <a:r>
+              <a:rPr lang="en-US" sz="2400" dirty="0" err="1"/>
+              <a:t>Seyr</a:t>
+            </a:r>
+            <a:r>
+              <a:rPr lang="en-US" sz="2400" dirty="0"/>
+              <a:t>, Adam Mourad, </a:t>
+            </a:r>
+            <a:r>
+              <a:rPr lang="en-US" sz="2400" dirty="0" err="1"/>
+              <a:t>Muhamed</a:t>
+            </a:r>
+            <a:r>
+              <a:rPr lang="en-US" sz="2400" dirty="0"/>
+              <a:t> </a:t>
+            </a:r>
+            <a:r>
+              <a:rPr lang="en-US" sz="2400" dirty="0" err="1"/>
+              <a:t>Ramić</a:t>
+            </a:r>
+            <a:endParaRPr lang="en-US" sz="2400" dirty="0"/>
           </a:p>
           <a:p>
             <a:pPr algn="r"/>
@@ -4449,14 +4137,14 @@
           <p:nvPr/>
         </p:nvPicPr>
         <p:blipFill rotWithShape="1">
-          <a:blip r:embed="rId3"/>
+          <a:blip r:embed="rId4"/>
           <a:srcRect l="10919" t="5149" r="9191" b="8341"/>
           <a:stretch/>
         </p:blipFill>
         <p:spPr>
           <a:xfrm>
-            <a:off x="1677462" y="22346463"/>
-            <a:ext cx="9447739" cy="3630101"/>
+            <a:off x="1677462" y="21997278"/>
+            <a:ext cx="9447739" cy="6175566"/>
           </a:xfrm>
           <a:prstGeom prst="rect">
             <a:avLst/>
@@ -4478,14 +4166,14 @@
           <p:nvPr>
             <p:extLst>
               <p:ext uri="{D42A27DB-BD31-4B8C-83A1-F6EECF244321}">
-                <p14:modId xmlns:p14="http://schemas.microsoft.com/office/powerpoint/2010/main" val="3709292618"/>
+                <p14:modId xmlns:p14="http://schemas.microsoft.com/office/powerpoint/2010/main" val="2473158667"/>
               </p:ext>
             </p:extLst>
           </p:nvPr>
         </p:nvGraphicFramePr>
         <p:xfrm>
-          <a:off x="11728314" y="18601790"/>
-          <a:ext cx="8780389" cy="2481388"/>
+          <a:off x="11827736" y="19203710"/>
+          <a:ext cx="9050453" cy="4393935"/>
         </p:xfrm>
         <a:graphic>
           <a:graphicData uri="http://schemas.openxmlformats.org/drawingml/2006/table">
@@ -4494,35 +4182,35 @@
                 <a:tableStyleId>{3C2FFA5D-87B4-456A-9821-1D502468CF0F}</a:tableStyleId>
               </a:tblPr>
               <a:tblGrid>
-                <a:gridCol w="1770597">
+                <a:gridCol w="1825057">
                   <a:extLst>
                     <a:ext uri="{9D8B030D-6E8A-4147-A177-3AD203B41FA5}">
                       <a16:colId xmlns:a16="http://schemas.microsoft.com/office/drawing/2014/main" val="464465941"/>
                     </a:ext>
                   </a:extLst>
                 </a:gridCol>
-                <a:gridCol w="1752448">
+                <a:gridCol w="1806349">
                   <a:extLst>
                     <a:ext uri="{9D8B030D-6E8A-4147-A177-3AD203B41FA5}">
                       <a16:colId xmlns:a16="http://schemas.microsoft.com/office/drawing/2014/main" val="4112224327"/>
                     </a:ext>
                   </a:extLst>
                 </a:gridCol>
-                <a:gridCol w="1752448">
+                <a:gridCol w="1806349">
                   <a:extLst>
                     <a:ext uri="{9D8B030D-6E8A-4147-A177-3AD203B41FA5}">
                       <a16:colId xmlns:a16="http://schemas.microsoft.com/office/drawing/2014/main" val="3437293291"/>
                     </a:ext>
                   </a:extLst>
                 </a:gridCol>
-                <a:gridCol w="1752448">
+                <a:gridCol w="1806349">
                   <a:extLst>
                     <a:ext uri="{9D8B030D-6E8A-4147-A177-3AD203B41FA5}">
                       <a16:colId xmlns:a16="http://schemas.microsoft.com/office/drawing/2014/main" val="2014822585"/>
                     </a:ext>
                   </a:extLst>
                 </a:gridCol>
-                <a:gridCol w="1752448">
+                <a:gridCol w="1806349">
                   <a:extLst>
                     <a:ext uri="{9D8B030D-6E8A-4147-A177-3AD203B41FA5}">
                       <a16:colId xmlns:a16="http://schemas.microsoft.com/office/drawing/2014/main" val="1167555461"/>
@@ -4530,7 +4218,7 @@
                   </a:extLst>
                 </a:gridCol>
               </a:tblGrid>
-              <a:tr h="361537">
+              <a:tr h="488215">
                 <a:tc>
                   <a:txBody>
                     <a:bodyPr/>
@@ -4637,7 +4325,7 @@
                   </a:ext>
                 </a:extLst>
               </a:tr>
-              <a:tr h="361537">
+              <a:tr h="488215">
                 <a:tc>
                   <a:txBody>
                     <a:bodyPr/>
@@ -4748,7 +4436,7 @@
                   </a:ext>
                 </a:extLst>
               </a:tr>
-              <a:tr h="361537">
+              <a:tr h="488215">
                 <a:tc>
                   <a:txBody>
                     <a:bodyPr/>
@@ -4859,7 +4547,7 @@
                   </a:ext>
                 </a:extLst>
               </a:tr>
-              <a:tr h="361537">
+              <a:tr h="488215">
                 <a:tc>
                   <a:txBody>
                     <a:bodyPr/>
@@ -4970,7 +4658,7 @@
                   </a:ext>
                 </a:extLst>
               </a:tr>
-              <a:tr h="361537">
+              <a:tr h="488215">
                 <a:tc>
                   <a:txBody>
                     <a:bodyPr/>
@@ -5121,7 +4809,7 @@
                   </a:ext>
                 </a:extLst>
               </a:tr>
-              <a:tr h="500188">
+              <a:tr h="488215">
                 <a:tc>
                   <a:txBody>
                     <a:bodyPr/>
@@ -5272,6 +4960,435 @@
                   </a:ext>
                 </a:extLst>
               </a:tr>
+              <a:tr h="488215">
+                <a:tc>
+                  <a:txBody>
+                    <a:bodyPr/>
+                    <a:lstStyle/>
+                    <a:p>
+                      <a:r>
+                        <a:rPr lang="en-US" sz="2000" kern="1200" dirty="0">
+                          <a:solidFill>
+                            <a:schemeClr val="tx1"/>
+                          </a:solidFill>
+                          <a:latin typeface="+mn-lt"/>
+                          <a:ea typeface="+mn-ea"/>
+                          <a:cs typeface="+mn-cs"/>
+                        </a:rPr>
+                        <a:t>SARIMAX</a:t>
+                      </a:r>
+                    </a:p>
+                  </a:txBody>
+                  <a:tcPr/>
+                </a:tc>
+                <a:tc>
+                  <a:txBody>
+                    <a:bodyPr/>
+                    <a:lstStyle/>
+                    <a:p>
+                      <a:pPr algn="ctr"/>
+                      <a:r>
+                        <a:rPr lang="en-EG" sz="2000" kern="1200" dirty="0">
+                          <a:solidFill>
+                            <a:schemeClr val="tx1"/>
+                          </a:solidFill>
+                          <a:latin typeface="+mn-lt"/>
+                          <a:ea typeface="+mn-ea"/>
+                          <a:cs typeface="+mn-cs"/>
+                        </a:rPr>
+                        <a:t>1143.627</a:t>
+                      </a:r>
+                      <a:endParaRPr lang="en-US" sz="2000" kern="1200" dirty="0">
+                        <a:solidFill>
+                          <a:schemeClr val="tx1"/>
+                        </a:solidFill>
+                        <a:latin typeface="+mn-lt"/>
+                        <a:ea typeface="+mn-ea"/>
+                        <a:cs typeface="+mn-cs"/>
+                      </a:endParaRPr>
+                    </a:p>
+                  </a:txBody>
+                  <a:tcPr/>
+                </a:tc>
+                <a:tc>
+                  <a:txBody>
+                    <a:bodyPr/>
+                    <a:lstStyle/>
+                    <a:p>
+                      <a:pPr algn="ctr"/>
+                      <a:r>
+                        <a:rPr lang="en-EG" sz="2000" kern="1200" dirty="0">
+                          <a:solidFill>
+                            <a:schemeClr val="tx1"/>
+                          </a:solidFill>
+                          <a:latin typeface="+mn-lt"/>
+                          <a:ea typeface="+mn-ea"/>
+                          <a:cs typeface="+mn-cs"/>
+                        </a:rPr>
+                        <a:t>27.495</a:t>
+                      </a:r>
+                      <a:endParaRPr lang="en-US" sz="2000" kern="1200" dirty="0">
+                        <a:solidFill>
+                          <a:schemeClr val="tx1"/>
+                        </a:solidFill>
+                        <a:latin typeface="+mn-lt"/>
+                        <a:ea typeface="+mn-ea"/>
+                        <a:cs typeface="+mn-cs"/>
+                      </a:endParaRPr>
+                    </a:p>
+                  </a:txBody>
+                  <a:tcPr/>
+                </a:tc>
+                <a:tc>
+                  <a:txBody>
+                    <a:bodyPr/>
+                    <a:lstStyle/>
+                    <a:p>
+                      <a:pPr algn="ctr"/>
+                      <a:r>
+                        <a:rPr lang="en-EG" sz="2000" kern="1200" dirty="0">
+                          <a:solidFill>
+                            <a:schemeClr val="tx1"/>
+                          </a:solidFill>
+                          <a:latin typeface="+mn-lt"/>
+                          <a:ea typeface="+mn-ea"/>
+                          <a:cs typeface="+mn-cs"/>
+                        </a:rPr>
+                        <a:t>33.818</a:t>
+                      </a:r>
+                      <a:endParaRPr lang="en-US" sz="2000" kern="1200" dirty="0">
+                        <a:solidFill>
+                          <a:schemeClr val="tx1"/>
+                        </a:solidFill>
+                        <a:latin typeface="+mn-lt"/>
+                        <a:ea typeface="+mn-ea"/>
+                        <a:cs typeface="+mn-cs"/>
+                      </a:endParaRPr>
+                    </a:p>
+                  </a:txBody>
+                  <a:tcPr/>
+                </a:tc>
+                <a:tc>
+                  <a:txBody>
+                    <a:bodyPr/>
+                    <a:lstStyle/>
+                    <a:p>
+                      <a:pPr algn="ctr"/>
+                      <a:r>
+                        <a:rPr lang="en-EG" sz="2000" kern="1200" dirty="0">
+                          <a:solidFill>
+                            <a:schemeClr val="tx1"/>
+                          </a:solidFill>
+                          <a:latin typeface="+mn-lt"/>
+                          <a:ea typeface="+mn-ea"/>
+                          <a:cs typeface="+mn-cs"/>
+                        </a:rPr>
+                        <a:t>0.443</a:t>
+                      </a:r>
+                      <a:endParaRPr lang="en-US" sz="2000" kern="1200" dirty="0">
+                        <a:solidFill>
+                          <a:schemeClr val="tx1"/>
+                        </a:solidFill>
+                        <a:latin typeface="+mn-lt"/>
+                        <a:ea typeface="+mn-ea"/>
+                        <a:cs typeface="+mn-cs"/>
+                      </a:endParaRPr>
+                    </a:p>
+                  </a:txBody>
+                  <a:tcPr/>
+                </a:tc>
+                <a:extLst>
+                  <a:ext uri="{0D108BD9-81ED-4DB2-BD59-A6C34878D82A}">
+                    <a16:rowId xmlns:a16="http://schemas.microsoft.com/office/drawing/2014/main" val="989515596"/>
+                  </a:ext>
+                </a:extLst>
+              </a:tr>
+              <a:tr h="488215">
+                <a:tc>
+                  <a:txBody>
+                    <a:bodyPr/>
+                    <a:lstStyle/>
+                    <a:p>
+                      <a:r>
+                        <a:rPr lang="en-US" sz="2000" kern="1200" dirty="0">
+                          <a:solidFill>
+                            <a:schemeClr val="tx1"/>
+                          </a:solidFill>
+                          <a:latin typeface="+mn-lt"/>
+                          <a:ea typeface="+mn-ea"/>
+                          <a:cs typeface="+mn-cs"/>
+                        </a:rPr>
+                        <a:t>ARIMA</a:t>
+                      </a:r>
+                    </a:p>
+                  </a:txBody>
+                  <a:tcPr/>
+                </a:tc>
+                <a:tc>
+                  <a:txBody>
+                    <a:bodyPr/>
+                    <a:lstStyle/>
+                    <a:p>
+                      <a:pPr algn="ctr"/>
+                      <a:r>
+                        <a:rPr lang="en-EG" sz="2000" kern="1200" dirty="0">
+                          <a:solidFill>
+                            <a:schemeClr val="tx1"/>
+                          </a:solidFill>
+                          <a:latin typeface="+mn-lt"/>
+                          <a:ea typeface="+mn-ea"/>
+                          <a:cs typeface="+mn-cs"/>
+                        </a:rPr>
+                        <a:t>1360.84</a:t>
+                      </a:r>
+                      <a:endParaRPr lang="en-US" sz="2000" kern="1200" dirty="0">
+                        <a:solidFill>
+                          <a:schemeClr val="tx1"/>
+                        </a:solidFill>
+                        <a:latin typeface="+mn-lt"/>
+                        <a:ea typeface="+mn-ea"/>
+                        <a:cs typeface="+mn-cs"/>
+                      </a:endParaRPr>
+                    </a:p>
+                  </a:txBody>
+                  <a:tcPr/>
+                </a:tc>
+                <a:tc>
+                  <a:txBody>
+                    <a:bodyPr/>
+                    <a:lstStyle/>
+                    <a:p>
+                      <a:pPr algn="ctr"/>
+                      <a:r>
+                        <a:rPr lang="en-EG" sz="2000" kern="1200" dirty="0">
+                          <a:solidFill>
+                            <a:schemeClr val="tx1"/>
+                          </a:solidFill>
+                          <a:latin typeface="+mn-lt"/>
+                          <a:ea typeface="+mn-ea"/>
+                          <a:cs typeface="+mn-cs"/>
+                        </a:rPr>
+                        <a:t>29.74</a:t>
+                      </a:r>
+                      <a:endParaRPr lang="en-US" sz="2000" kern="1200" dirty="0">
+                        <a:solidFill>
+                          <a:schemeClr val="tx1"/>
+                        </a:solidFill>
+                        <a:latin typeface="+mn-lt"/>
+                        <a:ea typeface="+mn-ea"/>
+                        <a:cs typeface="+mn-cs"/>
+                      </a:endParaRPr>
+                    </a:p>
+                  </a:txBody>
+                  <a:tcPr/>
+                </a:tc>
+                <a:tc>
+                  <a:txBody>
+                    <a:bodyPr/>
+                    <a:lstStyle/>
+                    <a:p>
+                      <a:pPr algn="ctr"/>
+                      <a:r>
+                        <a:rPr lang="en-EG" sz="2000" kern="1200" dirty="0">
+                          <a:solidFill>
+                            <a:schemeClr val="tx1"/>
+                          </a:solidFill>
+                          <a:latin typeface="+mn-lt"/>
+                          <a:ea typeface="+mn-ea"/>
+                          <a:cs typeface="+mn-cs"/>
+                        </a:rPr>
+                        <a:t>36.89</a:t>
+                      </a:r>
+                      <a:endParaRPr lang="en-US" sz="2000" kern="1200" dirty="0">
+                        <a:solidFill>
+                          <a:schemeClr val="tx1"/>
+                        </a:solidFill>
+                        <a:latin typeface="+mn-lt"/>
+                        <a:ea typeface="+mn-ea"/>
+                        <a:cs typeface="+mn-cs"/>
+                      </a:endParaRPr>
+                    </a:p>
+                  </a:txBody>
+                  <a:tcPr/>
+                </a:tc>
+                <a:tc>
+                  <a:txBody>
+                    <a:bodyPr/>
+                    <a:lstStyle/>
+                    <a:p>
+                      <a:pPr algn="ctr"/>
+                      <a:r>
+                        <a:rPr lang="en-EG" sz="2000" kern="1200" dirty="0">
+                          <a:solidFill>
+                            <a:schemeClr val="tx1"/>
+                          </a:solidFill>
+                          <a:latin typeface="+mn-lt"/>
+                          <a:ea typeface="+mn-ea"/>
+                          <a:cs typeface="+mn-cs"/>
+                        </a:rPr>
+                        <a:t>0.337</a:t>
+                      </a:r>
+                      <a:endParaRPr lang="en-US" sz="2000" kern="1200" dirty="0">
+                        <a:solidFill>
+                          <a:schemeClr val="tx1"/>
+                        </a:solidFill>
+                        <a:latin typeface="+mn-lt"/>
+                        <a:ea typeface="+mn-ea"/>
+                        <a:cs typeface="+mn-cs"/>
+                      </a:endParaRPr>
+                    </a:p>
+                  </a:txBody>
+                  <a:tcPr/>
+                </a:tc>
+                <a:extLst>
+                  <a:ext uri="{0D108BD9-81ED-4DB2-BD59-A6C34878D82A}">
+                    <a16:rowId xmlns:a16="http://schemas.microsoft.com/office/drawing/2014/main" val="2225589529"/>
+                  </a:ext>
+                </a:extLst>
+              </a:tr>
+              <a:tr h="488215">
+                <a:tc>
+                  <a:txBody>
+                    <a:bodyPr/>
+                    <a:lstStyle/>
+                    <a:p>
+                      <a:r>
+                        <a:rPr lang="en-US" sz="2000" kern="1200" dirty="0">
+                          <a:solidFill>
+                            <a:schemeClr val="tx1"/>
+                          </a:solidFill>
+                          <a:latin typeface="+mn-lt"/>
+                          <a:ea typeface="+mn-ea"/>
+                          <a:cs typeface="+mn-cs"/>
+                        </a:rPr>
+                        <a:t>LSTM_W5</a:t>
+                      </a:r>
+                    </a:p>
+                  </a:txBody>
+                  <a:tcPr/>
+                </a:tc>
+                <a:tc>
+                  <a:txBody>
+                    <a:bodyPr/>
+                    <a:lstStyle/>
+                    <a:p>
+                      <a:pPr algn="ctr"/>
+                      <a:r>
+                        <a:rPr lang="en-EG" sz="2000" kern="1200" dirty="0">
+                          <a:solidFill>
+                            <a:schemeClr val="tx1"/>
+                          </a:solidFill>
+                          <a:latin typeface="+mn-lt"/>
+                          <a:ea typeface="+mn-ea"/>
+                          <a:cs typeface="+mn-cs"/>
+                        </a:rPr>
+                        <a:t>1218.558</a:t>
+                      </a:r>
+                      <a:endParaRPr lang="en-US" sz="2000" kern="1200" dirty="0">
+                        <a:solidFill>
+                          <a:schemeClr val="tx1"/>
+                        </a:solidFill>
+                        <a:latin typeface="+mn-lt"/>
+                        <a:ea typeface="+mn-ea"/>
+                        <a:cs typeface="+mn-cs"/>
+                      </a:endParaRPr>
+                    </a:p>
+                  </a:txBody>
+                  <a:tcPr/>
+                </a:tc>
+                <a:tc>
+                  <a:txBody>
+                    <a:bodyPr/>
+                    <a:lstStyle/>
+                    <a:p>
+                      <a:pPr algn="ctr"/>
+                      <a:r>
+                        <a:rPr lang="en-EG" sz="2000" kern="1200" dirty="0">
+                          <a:solidFill>
+                            <a:schemeClr val="tx1"/>
+                          </a:solidFill>
+                          <a:latin typeface="+mn-lt"/>
+                          <a:ea typeface="+mn-ea"/>
+                          <a:cs typeface="+mn-cs"/>
+                        </a:rPr>
+                        <a:t>28.531</a:t>
+                      </a:r>
+                      <a:endParaRPr lang="en-US" sz="2000" kern="1200" dirty="0">
+                        <a:solidFill>
+                          <a:schemeClr val="tx1"/>
+                        </a:solidFill>
+                        <a:latin typeface="+mn-lt"/>
+                        <a:ea typeface="+mn-ea"/>
+                        <a:cs typeface="+mn-cs"/>
+                      </a:endParaRPr>
+                    </a:p>
+                  </a:txBody>
+                  <a:tcPr/>
+                </a:tc>
+                <a:tc>
+                  <a:txBody>
+                    <a:bodyPr/>
+                    <a:lstStyle/>
+                    <a:p>
+                      <a:pPr algn="ctr"/>
+                      <a:r>
+                        <a:rPr lang="en-EG" sz="2000" kern="1200" dirty="0">
+                          <a:solidFill>
+                            <a:schemeClr val="tx1"/>
+                          </a:solidFill>
+                          <a:latin typeface="+mn-lt"/>
+                          <a:ea typeface="+mn-ea"/>
+                          <a:cs typeface="+mn-cs"/>
+                        </a:rPr>
+                        <a:t>34.908</a:t>
+                      </a:r>
+                      <a:endParaRPr lang="en-US" sz="2000" kern="1200" dirty="0">
+                        <a:solidFill>
+                          <a:schemeClr val="tx1"/>
+                        </a:solidFill>
+                        <a:latin typeface="+mn-lt"/>
+                        <a:ea typeface="+mn-ea"/>
+                        <a:cs typeface="+mn-cs"/>
+                      </a:endParaRPr>
+                    </a:p>
+                  </a:txBody>
+                  <a:tcPr/>
+                </a:tc>
+                <a:tc>
+                  <a:txBody>
+                    <a:bodyPr/>
+                    <a:lstStyle/>
+                    <a:p>
+                      <a:pPr algn="ctr"/>
+                      <a:r>
+                        <a:rPr lang="en-EG" sz="2000" kern="1200" dirty="0">
+                          <a:solidFill>
+                            <a:schemeClr val="tx1"/>
+                          </a:solidFill>
+                          <a:latin typeface="+mn-lt"/>
+                          <a:ea typeface="+mn-ea"/>
+                          <a:cs typeface="+mn-cs"/>
+                        </a:rPr>
+                        <a:t>0.406</a:t>
+                      </a:r>
+                      <a:endParaRPr lang="en-US" sz="2000" kern="1200" dirty="0">
+                        <a:solidFill>
+                          <a:schemeClr val="tx1"/>
+                        </a:solidFill>
+                        <a:latin typeface="+mn-lt"/>
+                        <a:ea typeface="+mn-ea"/>
+                        <a:cs typeface="+mn-cs"/>
+                      </a:endParaRPr>
+                    </a:p>
+                  </a:txBody>
+                  <a:tcPr/>
+                </a:tc>
+                <a:extLst>
+                  <a:ext uri="{0D108BD9-81ED-4DB2-BD59-A6C34878D82A}">
+                    <a16:rowId xmlns:a16="http://schemas.microsoft.com/office/drawing/2014/main" val="2647468833"/>
+                  </a:ext>
+                </a:extLst>
+              </a:tr>
             </a:tbl>
           </a:graphicData>
         </a:graphic>
@@ -5294,7 +5411,7 @@
         </p:nvSpPr>
         <p:spPr>
           <a:xfrm>
-            <a:off x="1837461" y="4645063"/>
+            <a:off x="1935803" y="4266627"/>
             <a:ext cx="8820000" cy="2734656"/>
           </a:xfrm>
           <a:noFill/>
@@ -5314,7 +5431,7 @@
           <a:p>
             <a:pPr lvl="1"/>
             <a:r>
-              <a:rPr lang="en-AT" dirty="0"/>
+              <a:rPr lang="en-AT"/>
               <a:t>In the forecasting tasks, the goal is to predict future values based on the previously observed values. We use the</a:t>
             </a:r>
             <a:r>
@@ -5322,7 +5439,7 @@
               <a:t> </a:t>
             </a:r>
             <a:r>
-              <a:rPr lang="en-AT" dirty="0"/>
+              <a:rPr lang="en-AT"/>
               <a:t>p</a:t>
             </a:r>
             <a:r>
@@ -5330,7 +5447,7 @@
               <a:t>ower</a:t>
             </a:r>
             <a:r>
-              <a:rPr lang="en-AT" dirty="0"/>
+              <a:rPr lang="en-AT"/>
               <a:t> </a:t>
             </a:r>
             <a:r>
@@ -5338,7 +5455,7 @@
               <a:t>supply dataset</a:t>
             </a:r>
             <a:r>
-              <a:rPr lang="en-AT" dirty="0"/>
+              <a:rPr lang="en-AT"/>
               <a:t> that</a:t>
             </a:r>
             <a:r>
@@ -5346,7 +5463,7 @@
               <a:t> contains hourly measurements of </a:t>
             </a:r>
             <a:r>
-              <a:rPr lang="en-AT" dirty="0"/>
+              <a:rPr lang="en-AT"/>
               <a:t>the</a:t>
             </a:r>
             <a:r>
@@ -5354,7 +5471,7 @@
               <a:t> </a:t>
             </a:r>
             <a:r>
-              <a:rPr lang="en-AT" dirty="0"/>
+              <a:rPr lang="en-AT"/>
               <a:t>I</a:t>
             </a:r>
             <a:r>
@@ -5385,7 +5502,7 @@
         </p:nvSpPr>
         <p:spPr>
           <a:xfrm>
-            <a:off x="1838325" y="7154654"/>
+            <a:off x="1837245" y="6815213"/>
             <a:ext cx="8820000" cy="5379657"/>
           </a:xfrm>
           <a:prstGeom prst="rect">
@@ -5628,7 +5745,7 @@
           <p:nvPr/>
         </p:nvPicPr>
         <p:blipFill>
-          <a:blip r:embed="rId4">
+          <a:blip r:embed="rId5">
             <a:extLst>
               <a:ext uri="{28A0092B-C50C-407E-A947-70E740481C1C}">
                 <a14:useLocalDpi xmlns:a14="http://schemas.microsoft.com/office/drawing/2010/main" val="0"/>
@@ -5642,7 +5759,7 @@
         </p:blipFill>
         <p:spPr bwMode="auto">
           <a:xfrm>
-            <a:off x="1837461" y="13119870"/>
+            <a:off x="1837245" y="12819129"/>
             <a:ext cx="8820000" cy="3043804"/>
           </a:xfrm>
           <a:prstGeom prst="rect">
@@ -5675,7 +5792,7 @@
           <p:nvPr/>
         </p:nvPicPr>
         <p:blipFill>
-          <a:blip r:embed="rId5"/>
+          <a:blip r:embed="rId6"/>
           <a:stretch>
             <a:fillRect/>
           </a:stretch>
@@ -5705,14 +5822,14 @@
           <p:nvPr/>
         </p:nvPicPr>
         <p:blipFill>
-          <a:blip r:embed="rId6"/>
+          <a:blip r:embed="rId7"/>
           <a:stretch>
             <a:fillRect/>
           </a:stretch>
         </p:blipFill>
         <p:spPr>
           <a:xfrm>
-            <a:off x="11728314" y="10987437"/>
+            <a:off x="11728314" y="10829000"/>
             <a:ext cx="9481571" cy="2826327"/>
           </a:xfrm>
           <a:prstGeom prst="rect">
@@ -5735,15 +5852,45 @@
           <p:nvPr/>
         </p:nvPicPr>
         <p:blipFill>
-          <a:blip r:embed="rId7"/>
+          <a:blip r:embed="rId8"/>
           <a:stretch>
             <a:fillRect/>
           </a:stretch>
         </p:blipFill>
         <p:spPr>
           <a:xfrm>
-            <a:off x="11740735" y="13799268"/>
-            <a:ext cx="9137457" cy="2826327"/>
+            <a:off x="11740733" y="13421766"/>
+            <a:ext cx="9137457" cy="3005447"/>
+          </a:xfrm>
+          <a:prstGeom prst="rect">
+            <a:avLst/>
+          </a:prstGeom>
+        </p:spPr>
+      </p:pic>
+      <p:pic>
+        <p:nvPicPr>
+          <p:cNvPr id="18" name="Picture 17">
+            <a:extLst>
+              <a:ext uri="{FF2B5EF4-FFF2-40B4-BE49-F238E27FC236}">
+                <a16:creationId xmlns:a16="http://schemas.microsoft.com/office/drawing/2014/main" id="{F5BB0F34-248C-864E-E37F-FA0920A591FD}"/>
+              </a:ext>
+            </a:extLst>
+          </p:cNvPr>
+          <p:cNvPicPr>
+            <a:picLocks noChangeAspect="1"/>
+          </p:cNvPicPr>
+          <p:nvPr/>
+        </p:nvPicPr>
+        <p:blipFill>
+          <a:blip r:embed="rId9"/>
+          <a:stretch>
+            <a:fillRect/>
+          </a:stretch>
+        </p:blipFill>
+        <p:spPr>
+          <a:xfrm>
+            <a:off x="11580234" y="16312651"/>
+            <a:ext cx="9297956" cy="2814351"/>
           </a:xfrm>
           <a:prstGeom prst="rect">
             <a:avLst/>

--- a/Poster.pptx
+++ b/Poster.pptx
@@ -2108,7 +2108,7 @@
         </p:nvSpPr>
         <p:spPr>
           <a:xfrm>
-            <a:off x="11827736" y="4266627"/>
+            <a:off x="11827735" y="3958852"/>
             <a:ext cx="9481571" cy="5815781"/>
           </a:xfrm>
         </p:spPr>
@@ -2175,29 +2175,29 @@
             <a:pPr lvl="2"/>
             <a:r>
               <a:rPr lang="en-US" sz="2000" b="0" dirty="0"/>
-              <a:t>Different LSTM Models architecture with different window sizes were tested for forecasting the noise data from the additive model. However, most of the LSTM models did not showed good performance and the best model was with a window size of 5. </a:t>
-            </a:r>
-            <a:br>
+              <a:t>Different LSTM Models architecture with different window sizes were tested for forecasting the noise data from the additive model. However, most of the LSTM models did not showed good performance and the best model was with a window size of 5.</a:t>
+            </a:r>
+          </a:p>
+          <a:p>
+            <a:pPr lvl="2"/>
+            <a:r>
               <a:rPr lang="en-US" sz="2000" b="0" dirty="0"/>
-            </a:br>
+              <a:t> We also try to enhance the LSTM models using Hypernetworks, but they do not perform well long term.</a:t>
+            </a:r>
+          </a:p>
+          <a:p>
+            <a:pPr lvl="2"/>
             <a:r>
               <a:rPr lang="en-US" sz="2000" b="0" dirty="0"/>
-              <a:t>We also try to enhance the LSTM models using Hypernetworks, but they do not perform well long term.</a:t>
-            </a:r>
-          </a:p>
-          <a:p>
-            <a:pPr lvl="2"/>
+              <a:t>ARIMA  and SARIMA  were</a:t>
+            </a:r>
+            <a:r>
+              <a:rPr lang="en-US" dirty="0"/>
+              <a:t> </a:t>
+            </a:r>
             <a:r>
               <a:rPr lang="en-US" sz="2000" b="0" dirty="0"/>
-              <a:t>ARIMA and SARIMA models showed better results than LSTM results. ARIMA  and SARIMA  were</a:t>
-            </a:r>
-            <a:r>
-              <a:rPr lang="en-US" dirty="0"/>
-              <a:t> </a:t>
-            </a:r>
-            <a:r>
-              <a:rPr lang="en-US" sz="2000" b="0" dirty="0"/>
-              <a:t>used to predict randomness after removing seasonality. </a:t>
+              <a:t>used to predict randomness after removing seasonality and they showed showed slightly better results than LSTM results.</a:t>
             </a:r>
           </a:p>
           <a:p>
@@ -2388,13 +2388,13 @@
           <p:nvPr>
             <p:extLst>
               <p:ext uri="{D42A27DB-BD31-4B8C-83A1-F6EECF244321}">
-                <p14:modId xmlns:p14="http://schemas.microsoft.com/office/powerpoint/2010/main" val="3406546139"/>
+                <p14:modId xmlns:p14="http://schemas.microsoft.com/office/powerpoint/2010/main" val="1981769729"/>
               </p:ext>
             </p:extLst>
           </p:nvPr>
         </p:nvGraphicFramePr>
         <p:xfrm>
-          <a:off x="11466972" y="27494092"/>
+          <a:off x="11827735" y="28064384"/>
           <a:ext cx="8820216" cy="678752"/>
         </p:xfrm>
         <a:graphic>
@@ -3501,7 +3501,7 @@
         </p:nvSpPr>
         <p:spPr>
           <a:xfrm>
-            <a:off x="11827736" y="23759090"/>
+            <a:off x="11827951" y="24100229"/>
             <a:ext cx="8820000" cy="5584787"/>
           </a:xfrm>
           <a:prstGeom prst="rect">
@@ -3790,14 +3790,6 @@
             </a:r>
             <a:r>
               <a:rPr lang="de-DE" dirty="0"/>
-              <a:t> </a:t>
-            </a:r>
-            <a:r>
-              <a:rPr lang="de-DE" dirty="0" err="1"/>
-              <a:t>noise</a:t>
-            </a:r>
-            <a:r>
-              <a:rPr lang="de-DE" dirty="0"/>
               <a:t> but </a:t>
             </a:r>
             <a:r>
@@ -3877,7 +3869,19 @@
             </a:r>
             <a:r>
               <a:rPr lang="de-DE" dirty="0"/>
-              <a:t> </a:t>
+              <a:t> in </a:t>
+            </a:r>
+            <a:r>
+              <a:rPr lang="de-DE" dirty="0" err="1"/>
+              <a:t>the</a:t>
+            </a:r>
+            <a:r>
+              <a:rPr lang="de-DE" dirty="0"/>
+              <a:t> </a:t>
+            </a:r>
+            <a:r>
+              <a:rPr lang="de-DE"/>
+              <a:t>data </a:t>
             </a:r>
             <a:r>
               <a:rPr lang="de-DE" dirty="0" err="1"/>
@@ -4166,14 +4170,14 @@
           <p:nvPr>
             <p:extLst>
               <p:ext uri="{D42A27DB-BD31-4B8C-83A1-F6EECF244321}">
-                <p14:modId xmlns:p14="http://schemas.microsoft.com/office/powerpoint/2010/main" val="2473158667"/>
+                <p14:modId xmlns:p14="http://schemas.microsoft.com/office/powerpoint/2010/main" val="697067994"/>
               </p:ext>
             </p:extLst>
           </p:nvPr>
         </p:nvGraphicFramePr>
         <p:xfrm>
-          <a:off x="11827736" y="19203710"/>
-          <a:ext cx="9050453" cy="4393935"/>
+          <a:off x="12101513" y="20266523"/>
+          <a:ext cx="8776676" cy="3566528"/>
         </p:xfrm>
         <a:graphic>
           <a:graphicData uri="http://schemas.openxmlformats.org/drawingml/2006/table">
@@ -4182,35 +4186,35 @@
                 <a:tableStyleId>{3C2FFA5D-87B4-456A-9821-1D502468CF0F}</a:tableStyleId>
               </a:tblPr>
               <a:tblGrid>
-                <a:gridCol w="1825057">
+                <a:gridCol w="1507316">
                   <a:extLst>
                     <a:ext uri="{9D8B030D-6E8A-4147-A177-3AD203B41FA5}">
                       <a16:colId xmlns:a16="http://schemas.microsoft.com/office/drawing/2014/main" val="464465941"/>
                     </a:ext>
                   </a:extLst>
                 </a:gridCol>
-                <a:gridCol w="1806349">
+                <a:gridCol w="1817340">
                   <a:extLst>
                     <a:ext uri="{9D8B030D-6E8A-4147-A177-3AD203B41FA5}">
                       <a16:colId xmlns:a16="http://schemas.microsoft.com/office/drawing/2014/main" val="4112224327"/>
                     </a:ext>
                   </a:extLst>
                 </a:gridCol>
-                <a:gridCol w="1806349">
+                <a:gridCol w="1817340">
                   <a:extLst>
                     <a:ext uri="{9D8B030D-6E8A-4147-A177-3AD203B41FA5}">
                       <a16:colId xmlns:a16="http://schemas.microsoft.com/office/drawing/2014/main" val="3437293291"/>
                     </a:ext>
                   </a:extLst>
                 </a:gridCol>
-                <a:gridCol w="1806349">
+                <a:gridCol w="1817340">
                   <a:extLst>
                     <a:ext uri="{9D8B030D-6E8A-4147-A177-3AD203B41FA5}">
                       <a16:colId xmlns:a16="http://schemas.microsoft.com/office/drawing/2014/main" val="2014822585"/>
                     </a:ext>
                   </a:extLst>
                 </a:gridCol>
-                <a:gridCol w="1806349">
+                <a:gridCol w="1817340">
                   <a:extLst>
                     <a:ext uri="{9D8B030D-6E8A-4147-A177-3AD203B41FA5}">
                       <a16:colId xmlns:a16="http://schemas.microsoft.com/office/drawing/2014/main" val="1167555461"/>
@@ -4218,7 +4222,7 @@
                   </a:extLst>
                 </a:gridCol>
               </a:tblGrid>
-              <a:tr h="488215">
+              <a:tr h="396286">
                 <a:tc>
                   <a:txBody>
                     <a:bodyPr/>
@@ -4325,7 +4329,7 @@
                   </a:ext>
                 </a:extLst>
               </a:tr>
-              <a:tr h="488215">
+              <a:tr h="396286">
                 <a:tc>
                   <a:txBody>
                     <a:bodyPr/>
@@ -4436,7 +4440,7 @@
                   </a:ext>
                 </a:extLst>
               </a:tr>
-              <a:tr h="488215">
+              <a:tr h="396286">
                 <a:tc>
                   <a:txBody>
                     <a:bodyPr/>
@@ -4547,7 +4551,7 @@
                   </a:ext>
                 </a:extLst>
               </a:tr>
-              <a:tr h="488215">
+              <a:tr h="341366">
                 <a:tc>
                   <a:txBody>
                     <a:bodyPr/>
@@ -4658,7 +4662,7 @@
                   </a:ext>
                 </a:extLst>
               </a:tr>
-              <a:tr h="488215">
+              <a:tr h="396286">
                 <a:tc>
                   <a:txBody>
                     <a:bodyPr/>
@@ -4685,7 +4689,11 @@
                       </a:endParaRPr>
                     </a:p>
                   </a:txBody>
-                  <a:tcPr/>
+                  <a:tcPr>
+                    <a:solidFill>
+                      <a:srgbClr val="FFFF00"/>
+                    </a:solidFill>
+                  </a:tcPr>
                 </a:tc>
                 <a:tc>
                   <a:txBody>
@@ -4714,7 +4722,11 @@
                       </a:endParaRPr>
                     </a:p>
                   </a:txBody>
-                  <a:tcPr/>
+                  <a:tcPr>
+                    <a:solidFill>
+                      <a:srgbClr val="FFFF00"/>
+                    </a:solidFill>
+                  </a:tcPr>
                 </a:tc>
                 <a:tc>
                   <a:txBody>
@@ -4743,7 +4755,11 @@
                       </a:endParaRPr>
                     </a:p>
                   </a:txBody>
-                  <a:tcPr/>
+                  <a:tcPr>
+                    <a:solidFill>
+                      <a:srgbClr val="FFFF00"/>
+                    </a:solidFill>
+                  </a:tcPr>
                 </a:tc>
                 <a:tc>
                   <a:txBody>
@@ -4772,7 +4788,11 @@
                       </a:endParaRPr>
                     </a:p>
                   </a:txBody>
-                  <a:tcPr/>
+                  <a:tcPr>
+                    <a:solidFill>
+                      <a:srgbClr val="FFFF00"/>
+                    </a:solidFill>
+                  </a:tcPr>
                 </a:tc>
                 <a:tc>
                   <a:txBody>
@@ -4801,7 +4821,11 @@
                       </a:endParaRPr>
                     </a:p>
                   </a:txBody>
-                  <a:tcPr/>
+                  <a:tcPr>
+                    <a:solidFill>
+                      <a:srgbClr val="FFFF00"/>
+                    </a:solidFill>
+                  </a:tcPr>
                 </a:tc>
                 <a:extLst>
                   <a:ext uri="{0D108BD9-81ED-4DB2-BD59-A6C34878D82A}">
@@ -4809,7 +4833,7 @@
                   </a:ext>
                 </a:extLst>
               </a:tr>
-              <a:tr h="488215">
+              <a:tr h="396286">
                 <a:tc>
                   <a:txBody>
                     <a:bodyPr/>
@@ -4836,7 +4860,11 @@
                       </a:endParaRPr>
                     </a:p>
                   </a:txBody>
-                  <a:tcPr/>
+                  <a:tcPr>
+                    <a:solidFill>
+                      <a:srgbClr val="FFFF00"/>
+                    </a:solidFill>
+                  </a:tcPr>
                 </a:tc>
                 <a:tc>
                   <a:txBody>
@@ -4865,7 +4893,11 @@
                       </a:endParaRPr>
                     </a:p>
                   </a:txBody>
-                  <a:tcPr/>
+                  <a:tcPr>
+                    <a:solidFill>
+                      <a:srgbClr val="FFFF00"/>
+                    </a:solidFill>
+                  </a:tcPr>
                 </a:tc>
                 <a:tc>
                   <a:txBody>
@@ -4894,7 +4926,11 @@
                       </a:endParaRPr>
                     </a:p>
                   </a:txBody>
-                  <a:tcPr/>
+                  <a:tcPr>
+                    <a:solidFill>
+                      <a:srgbClr val="FFFF00"/>
+                    </a:solidFill>
+                  </a:tcPr>
                 </a:tc>
                 <a:tc>
                   <a:txBody>
@@ -4923,7 +4959,11 @@
                       </a:endParaRPr>
                     </a:p>
                   </a:txBody>
-                  <a:tcPr/>
+                  <a:tcPr>
+                    <a:solidFill>
+                      <a:srgbClr val="FFFF00"/>
+                    </a:solidFill>
+                  </a:tcPr>
                 </a:tc>
                 <a:tc>
                   <a:txBody>
@@ -4952,7 +4992,11 @@
                       </a:endParaRPr>
                     </a:p>
                   </a:txBody>
-                  <a:tcPr/>
+                  <a:tcPr>
+                    <a:solidFill>
+                      <a:srgbClr val="FFFF00"/>
+                    </a:solidFill>
+                  </a:tcPr>
                 </a:tc>
                 <a:extLst>
                   <a:ext uri="{0D108BD9-81ED-4DB2-BD59-A6C34878D82A}">
@@ -4960,7 +5004,7 @@
                   </a:ext>
                 </a:extLst>
               </a:tr>
-              <a:tr h="488215">
+              <a:tr h="396286">
                 <a:tc>
                   <a:txBody>
                     <a:bodyPr/>
@@ -5103,7 +5147,7 @@
                   </a:ext>
                 </a:extLst>
               </a:tr>
-              <a:tr h="488215">
+              <a:tr h="396286">
                 <a:tc>
                   <a:txBody>
                     <a:bodyPr/>
@@ -5246,7 +5290,7 @@
                   </a:ext>
                 </a:extLst>
               </a:tr>
-              <a:tr h="488215">
+              <a:tr h="396286">
                 <a:tc>
                   <a:txBody>
                     <a:bodyPr/>
@@ -5411,7 +5455,7 @@
         </p:nvSpPr>
         <p:spPr>
           <a:xfrm>
-            <a:off x="1935803" y="4266627"/>
+            <a:off x="1935803" y="4052439"/>
             <a:ext cx="8820000" cy="2734656"/>
           </a:xfrm>
           <a:noFill/>
@@ -5717,7 +5761,23 @@
             <a:pPr lvl="1"/>
             <a:r>
               <a:rPr lang="en-AT" dirty="0"/>
-              <a:t>With the assumption that the data can be expressed with an additive model, we apply FTF to the dataset to find the most common frequencies in the dataset  and find the seasonality. Combining these findings with seasonal decompose we extract the seasons and found no trend in the dataset.</a:t>
+              <a:t>With the assumption that the data can be expressed with an additive model, </a:t>
+            </a:r>
+            <a:r>
+              <a:rPr lang="en-AT"/>
+              <a:t>we apply </a:t>
+            </a:r>
+            <a:r>
+              <a:rPr lang="en-US" dirty="0"/>
+              <a:t>FFT</a:t>
+            </a:r>
+            <a:r>
+              <a:rPr lang="en-AT"/>
+              <a:t> to </a:t>
+            </a:r>
+            <a:r>
+              <a:rPr lang="en-AT" dirty="0"/>
+              <a:t>the dataset to find the most common frequencies in the dataset  and find the seasonality. Combining these findings with seasonal decompose we extract the seasons and found no trend in the dataset.</a:t>
             </a:r>
           </a:p>
           <a:p>
@@ -5799,7 +5859,7 @@
         </p:blipFill>
         <p:spPr>
           <a:xfrm>
-            <a:off x="11729178" y="7897864"/>
+            <a:off x="11724631" y="8570342"/>
             <a:ext cx="9485253" cy="3111127"/>
           </a:xfrm>
           <a:prstGeom prst="rect">
@@ -5829,7 +5889,7 @@
         </p:blipFill>
         <p:spPr>
           <a:xfrm>
-            <a:off x="11728314" y="10829000"/>
+            <a:off x="11648496" y="11517383"/>
             <a:ext cx="9481571" cy="2826327"/>
           </a:xfrm>
           <a:prstGeom prst="rect">
@@ -5859,8 +5919,8 @@
         </p:blipFill>
         <p:spPr>
           <a:xfrm>
-            <a:off x="11740733" y="13421766"/>
-            <a:ext cx="9137457" cy="3005447"/>
+            <a:off x="11724631" y="14088458"/>
+            <a:ext cx="9049394" cy="3364528"/>
           </a:xfrm>
           <a:prstGeom prst="rect">
             <a:avLst/>
@@ -5869,10 +5929,10 @@
       </p:pic>
       <p:pic>
         <p:nvPicPr>
-          <p:cNvPr id="18" name="Picture 17">
+          <p:cNvPr id="20" name="Picture 19">
             <a:extLst>
               <a:ext uri="{FF2B5EF4-FFF2-40B4-BE49-F238E27FC236}">
-                <a16:creationId xmlns:a16="http://schemas.microsoft.com/office/drawing/2014/main" id="{F5BB0F34-248C-864E-E37F-FA0920A591FD}"/>
+                <a16:creationId xmlns:a16="http://schemas.microsoft.com/office/drawing/2014/main" id="{1D8A1646-C4B4-B90B-B509-0056CA6389AB}"/>
               </a:ext>
             </a:extLst>
           </p:cNvPr>
@@ -5889,8 +5949,8 @@
         </p:blipFill>
         <p:spPr>
           <a:xfrm>
-            <a:off x="11580234" y="16312651"/>
-            <a:ext cx="9297956" cy="2814351"/>
+            <a:off x="11827735" y="17349835"/>
+            <a:ext cx="8946290" cy="2826327"/>
           </a:xfrm>
           <a:prstGeom prst="rect">
             <a:avLst/>

--- a/Poster.pptx
+++ b/Poster.pptx
@@ -208,7 +208,7 @@
           <a:p>
             <a:fld id="{8EC4A873-0FC3-4DFC-B48E-97ACF1B5AC04}" type="datetimeFigureOut">
               <a:rPr lang="en-US" smtClean="0"/>
-              <a:t>1/22/23</a:t>
+              <a:t>1/22/2023</a:t>
             </a:fld>
             <a:endParaRPr lang="en-US"/>
           </a:p>
@@ -2127,55 +2127,44 @@
           <a:p>
             <a:pPr lvl="2"/>
             <a:r>
-              <a:rPr lang="de-DE" dirty="0"/>
-              <a:t>Models </a:t>
-            </a:r>
-            <a:r>
-              <a:rPr lang="de-DE" dirty="0" err="1"/>
-              <a:t>that</a:t>
-            </a:r>
-            <a:r>
-              <a:rPr lang="de-DE" dirty="0"/>
-              <a:t> </a:t>
-            </a:r>
-            <a:r>
-              <a:rPr lang="de-DE" dirty="0" err="1"/>
-              <a:t>were</a:t>
-            </a:r>
-            <a:r>
-              <a:rPr lang="de-DE" dirty="0"/>
-              <a:t> </a:t>
-            </a:r>
-            <a:r>
-              <a:rPr lang="de-DE" dirty="0" err="1"/>
-              <a:t>tested</a:t>
-            </a:r>
-            <a:r>
-              <a:rPr lang="de-DE" dirty="0"/>
-              <a:t> </a:t>
-            </a:r>
-            <a:r>
-              <a:rPr lang="de-DE" dirty="0" err="1"/>
-              <a:t>XGBoost</a:t>
-            </a:r>
-            <a:r>
-              <a:rPr lang="de-DE" dirty="0"/>
-              <a:t>, </a:t>
-            </a:r>
-            <a:r>
-              <a:rPr lang="de-DE" dirty="0" err="1"/>
-              <a:t>LightGBM</a:t>
-            </a:r>
-            <a:r>
-              <a:rPr lang="de-DE" dirty="0"/>
-              <a:t>, Additive Model , SARIMAX, LSTM</a:t>
-            </a:r>
-          </a:p>
-          <a:p>
-            <a:pPr lvl="2"/>
+              <a:rPr lang="en-AT" sz="2000" b="0" dirty="0"/>
+              <a:t>D</a:t>
+            </a:r>
+            <a:r>
+              <a:rPr lang="en-US" sz="2000" b="0" dirty="0" err="1"/>
+              <a:t>ifferent</a:t>
+            </a:r>
             <a:r>
               <a:rPr lang="en-US" sz="2000" b="0" dirty="0"/>
-              <a:t>Different LSTM Models architecture with different window sizes were tested for forecasting the noise data from the additive model. However, most of the LSTM models did not showed good performance and the best model was with a window size of 5.</a:t>
+              <a:t> LSTM </a:t>
+            </a:r>
+            <a:r>
+              <a:rPr lang="en-AT" sz="2000" b="0" dirty="0"/>
+              <a:t>m</a:t>
+            </a:r>
+            <a:r>
+              <a:rPr lang="en-US" sz="2000" b="0" dirty="0" err="1"/>
+              <a:t>odel</a:t>
+            </a:r>
+            <a:r>
+              <a:rPr lang="en-US" sz="2000" b="0" dirty="0"/>
+              <a:t> architecture</a:t>
+            </a:r>
+            <a:r>
+              <a:rPr lang="en-AT" sz="2000" b="0" dirty="0"/>
+              <a:t>s</a:t>
+            </a:r>
+            <a:r>
+              <a:rPr lang="en-US" sz="2000" b="0" dirty="0"/>
+              <a:t> with different window sizes were tested for forecasting the noise data from the additive model. However, most of the LSTM models did not </a:t>
+            </a:r>
+            <a:r>
+              <a:rPr lang="en-US" sz="2000" b="0" dirty="0" err="1"/>
+              <a:t>showe</a:t>
+            </a:r>
+            <a:r>
+              <a:rPr lang="en-US" sz="2000" b="0" dirty="0"/>
+              <a:t> good performance and the best model was with a window size of 5.</a:t>
             </a:r>
           </a:p>
           <a:p>
@@ -2388,13 +2377,13 @@
           <p:nvPr>
             <p:extLst>
               <p:ext uri="{D42A27DB-BD31-4B8C-83A1-F6EECF244321}">
-                <p14:modId xmlns:p14="http://schemas.microsoft.com/office/powerpoint/2010/main" val="1981769729"/>
+                <p14:modId xmlns:p14="http://schemas.microsoft.com/office/powerpoint/2010/main" val="366730835"/>
               </p:ext>
             </p:extLst>
           </p:nvPr>
         </p:nvGraphicFramePr>
         <p:xfrm>
-          <a:off x="11827735" y="28064384"/>
+          <a:off x="11728314" y="28034400"/>
           <a:ext cx="8820216" cy="678752"/>
         </p:xfrm>
         <a:graphic>
@@ -2572,7 +2561,7 @@
         </p:nvSpPr>
         <p:spPr>
           <a:xfrm>
-            <a:off x="1837245" y="16200938"/>
+            <a:off x="1837245" y="16342940"/>
             <a:ext cx="8820000" cy="3005447"/>
           </a:xfrm>
           <a:prstGeom prst="rect">
@@ -2745,7 +2734,7 @@
             </a:r>
           </a:p>
           <a:p>
-            <a:pPr marL="342900" lvl="1" indent="-342900">
+            <a:pPr marL="342900" lvl="1" indent="-342900" algn="l">
               <a:buClr>
                 <a:schemeClr val="accent1"/>
               </a:buClr>
@@ -2818,7 +2807,7 @@
             </a:r>
           </a:p>
           <a:p>
-            <a:pPr marL="342900" lvl="1" indent="-342900">
+            <a:pPr marL="342900" lvl="1" indent="-342900" algn="l">
               <a:buClr>
                 <a:schemeClr val="accent1"/>
               </a:buClr>
@@ -2845,15 +2834,9 @@
               <a:rPr lang="de-DE" dirty="0"/>
               <a:t> [MBM]:</a:t>
             </a:r>
-          </a:p>
-          <a:p>
-            <a:pPr marL="342900" lvl="1" indent="-342900">
-              <a:buClr>
-                <a:schemeClr val="accent1"/>
-              </a:buClr>
-              <a:buFont typeface="Wingdings" pitchFamily="2" charset="2"/>
-              <a:buChar char="§"/>
-            </a:pPr>
+            <a:br>
+              <a:rPr lang="en-AT" dirty="0"/>
+            </a:br>
             <a:r>
               <a:rPr lang="de-DE" dirty="0" err="1"/>
               <a:t>Predicted</a:t>
@@ -3501,8 +3484,8 @@
         </p:nvSpPr>
         <p:spPr>
           <a:xfrm>
-            <a:off x="11827951" y="24100229"/>
-            <a:ext cx="8820000" cy="5584787"/>
+            <a:off x="11827735" y="23893601"/>
+            <a:ext cx="8820000" cy="4010839"/>
           </a:xfrm>
           <a:prstGeom prst="rect">
             <a:avLst/>
@@ -3705,28 +3688,12 @@
               <a:t> LSTM </a:t>
             </a:r>
             <a:r>
-              <a:rPr lang="de-DE" dirty="0" err="1"/>
-              <a:t>with</a:t>
-            </a:r>
-            <a:r>
-              <a:rPr lang="de-DE" dirty="0"/>
-              <a:t> </a:t>
-            </a:r>
-            <a:r>
-              <a:rPr lang="de-DE" dirty="0" err="1"/>
-              <a:t>windows</a:t>
-            </a:r>
-            <a:r>
-              <a:rPr lang="de-DE" dirty="0"/>
-              <a:t> </a:t>
-            </a:r>
-            <a:r>
-              <a:rPr lang="de-DE" dirty="0" err="1"/>
-              <a:t>did</a:t>
-            </a:r>
-            <a:r>
-              <a:rPr lang="de-DE" dirty="0"/>
-              <a:t> not perform </a:t>
+              <a:rPr lang="en-AT" dirty="0"/>
+              <a:t>models do not</a:t>
+            </a:r>
+            <a:r>
+              <a:rPr lang="de-DE" dirty="0"/>
+              <a:t> perform </a:t>
             </a:r>
             <a:r>
               <a:rPr lang="de-DE" dirty="0" err="1"/>
@@ -3734,7 +3701,15 @@
             </a:r>
             <a:r>
               <a:rPr lang="de-DE" dirty="0"/>
-              <a:t> in </a:t>
+              <a:t> in</a:t>
+            </a:r>
+            <a:r>
+              <a:rPr lang="en-AT" dirty="0"/>
+              <a:t> long term</a:t>
+            </a:r>
+            <a:r>
+              <a:rPr lang="de-DE" dirty="0"/>
+              <a:t> </a:t>
             </a:r>
             <a:r>
               <a:rPr lang="de-DE" dirty="0" err="1"/>
@@ -3742,7 +3717,15 @@
             </a:r>
             <a:r>
               <a:rPr lang="de-DE" dirty="0"/>
-              <a:t>. ARIMA and SARIMAX </a:t>
+              <a:t>.</a:t>
+            </a:r>
+            <a:endParaRPr lang="en-AT" dirty="0"/>
+          </a:p>
+          <a:p>
+            <a:pPr lvl="2"/>
+            <a:r>
+              <a:rPr lang="de-DE" dirty="0"/>
+              <a:t>ARIMA and SARIMAX </a:t>
             </a:r>
             <a:r>
               <a:rPr lang="de-DE" dirty="0" err="1"/>
@@ -3750,11 +3733,11 @@
             </a:r>
             <a:r>
               <a:rPr lang="de-DE" dirty="0"/>
-              <a:t> </a:t>
-            </a:r>
-            <a:r>
-              <a:rPr lang="de-DE" dirty="0" err="1"/>
-              <a:t>performed</a:t>
+              <a:t> perform</a:t>
+            </a:r>
+            <a:r>
+              <a:rPr lang="en-AT" dirty="0"/>
+              <a:t>e</a:t>
             </a:r>
             <a:r>
               <a:rPr lang="de-DE" dirty="0"/>
@@ -3793,8 +3776,8 @@
               <a:t> but </a:t>
             </a:r>
             <a:r>
-              <a:rPr lang="de-DE" dirty="0" err="1"/>
-              <a:t>did</a:t>
+              <a:rPr lang="en-AT" dirty="0"/>
+              <a:t>do</a:t>
             </a:r>
             <a:r>
               <a:rPr lang="de-DE" dirty="0"/>
@@ -3824,16 +3807,17 @@
               <a:rPr lang="de-DE" dirty="0"/>
               <a:t>.</a:t>
             </a:r>
-          </a:p>
-          <a:p>
-            <a:pPr lvl="2"/>
-            <a:r>
-              <a:rPr lang="de-DE" dirty="0"/>
-              <a:t>SARIMAX </a:t>
-            </a:r>
-            <a:r>
-              <a:rPr lang="de-DE" dirty="0" err="1"/>
-              <a:t>performed</a:t>
+            <a:r>
+              <a:rPr lang="en-AT" dirty="0"/>
+              <a:t> </a:t>
+            </a:r>
+            <a:r>
+              <a:rPr lang="de-DE" dirty="0"/>
+              <a:t>SARIMAX performe</a:t>
+            </a:r>
+            <a:r>
+              <a:rPr lang="en-AT" dirty="0"/>
+              <a:t>s</a:t>
             </a:r>
             <a:r>
               <a:rPr lang="de-DE" dirty="0"/>
@@ -3853,47 +3837,11 @@
             </a:r>
             <a:r>
               <a:rPr lang="de-DE" dirty="0"/>
-              <a:t> ARIMA </a:t>
-            </a:r>
-            <a:r>
-              <a:rPr lang="de-DE" dirty="0" err="1"/>
-              <a:t>because</a:t>
-            </a:r>
-            <a:r>
-              <a:rPr lang="de-DE" dirty="0"/>
-              <a:t> not all </a:t>
-            </a:r>
-            <a:r>
-              <a:rPr lang="de-DE" dirty="0" err="1"/>
-              <a:t>seasonailties</a:t>
-            </a:r>
-            <a:r>
-              <a:rPr lang="de-DE" dirty="0"/>
-              <a:t> in </a:t>
-            </a:r>
-            <a:r>
-              <a:rPr lang="de-DE" dirty="0" err="1"/>
-              <a:t>the</a:t>
-            </a:r>
-            <a:r>
-              <a:rPr lang="de-DE" dirty="0"/>
-              <a:t> </a:t>
-            </a:r>
-            <a:r>
-              <a:rPr lang="de-DE"/>
-              <a:t>data </a:t>
-            </a:r>
-            <a:r>
-              <a:rPr lang="de-DE" dirty="0" err="1"/>
-              <a:t>were</a:t>
-            </a:r>
-            <a:r>
-              <a:rPr lang="de-DE" dirty="0"/>
-              <a:t> </a:t>
-            </a:r>
-            <a:r>
-              <a:rPr lang="de-DE" dirty="0" err="1"/>
-              <a:t>reomved</a:t>
+              <a:t> ARIMA</a:t>
+            </a:r>
+            <a:r>
+              <a:rPr lang="en-AT" dirty="0"/>
+              <a:t> because it does not assume that all the seasonality is removed</a:t>
             </a:r>
             <a:r>
               <a:rPr lang="de-DE" dirty="0"/>
@@ -3904,73 +3852,36 @@
             <a:pPr lvl="2"/>
             <a:r>
               <a:rPr lang="de-DE" dirty="0"/>
-              <a:t>Additive Model </a:t>
-            </a:r>
-            <a:r>
-              <a:rPr lang="de-DE" dirty="0" err="1"/>
-              <a:t>using</a:t>
-            </a:r>
-            <a:r>
-              <a:rPr lang="de-DE" dirty="0"/>
-              <a:t> </a:t>
-            </a:r>
-            <a:r>
-              <a:rPr lang="de-DE" dirty="0" err="1"/>
-              <a:t>the</a:t>
-            </a:r>
-            <a:r>
-              <a:rPr lang="de-DE" dirty="0"/>
-              <a:t> 4 </a:t>
-            </a:r>
-            <a:r>
-              <a:rPr lang="de-DE" dirty="0" err="1"/>
-              <a:t>most</a:t>
-            </a:r>
-            <a:r>
-              <a:rPr lang="de-DE" dirty="0"/>
-              <a:t> </a:t>
-            </a:r>
-            <a:r>
-              <a:rPr lang="de-DE" dirty="0" err="1"/>
-              <a:t>occuring</a:t>
-            </a:r>
-            <a:r>
-              <a:rPr lang="de-DE" dirty="0"/>
-              <a:t> </a:t>
-            </a:r>
-            <a:r>
-              <a:rPr lang="de-DE" dirty="0" err="1"/>
-              <a:t>frequencies</a:t>
-            </a:r>
-            <a:r>
-              <a:rPr lang="de-DE" dirty="0"/>
-              <a:t> </a:t>
-            </a:r>
-            <a:r>
-              <a:rPr lang="de-DE" dirty="0" err="1"/>
-              <a:t>performed</a:t>
-            </a:r>
-            <a:r>
-              <a:rPr lang="de-DE" dirty="0"/>
-              <a:t> best.</a:t>
-            </a:r>
-          </a:p>
-          <a:p>
-            <a:pPr lvl="2"/>
-            <a:endParaRPr lang="de-DE" dirty="0"/>
-          </a:p>
-          <a:p>
-            <a:pPr lvl="2"/>
-            <a:endParaRPr lang="de-DE" dirty="0"/>
-          </a:p>
-          <a:p>
-            <a:pPr lvl="2"/>
-            <a:endParaRPr lang="de-DE" dirty="0"/>
-          </a:p>
-          <a:p>
-            <a:pPr marL="0" lvl="2" indent="0">
-              <a:buNone/>
-            </a:pPr>
+              <a:t>Additive Model</a:t>
+            </a:r>
+            <a:r>
+              <a:rPr lang="en-AT" dirty="0"/>
+              <a:t> achieves better </a:t>
+            </a:r>
+            <a:r>
+              <a:rPr lang="en-AT" dirty="0" err="1"/>
+              <a:t>performanc</a:t>
+            </a:r>
+            <a:r>
+              <a:rPr lang="bs-Latn-BA" dirty="0"/>
+              <a:t>e</a:t>
+            </a:r>
+            <a:r>
+              <a:rPr lang="en-AT" dirty="0"/>
+              <a:t> when the most common </a:t>
+            </a:r>
+            <a:r>
+              <a:rPr lang="en-AT" dirty="0" err="1"/>
+              <a:t>seasonalities</a:t>
+            </a:r>
+            <a:r>
+              <a:rPr lang="en-AT"/>
+              <a:t> are </a:t>
+            </a:r>
+            <a:r>
+              <a:rPr lang="en-AT" dirty="0"/>
+              <a:t>removed but not all the seasonality.</a:t>
+            </a:r>
             <a:endParaRPr lang="de-DE" dirty="0"/>
           </a:p>
         </p:txBody>
@@ -4148,7 +4059,7 @@
         <p:spPr>
           <a:xfrm>
             <a:off x="1677462" y="21997278"/>
-            <a:ext cx="9447739" cy="6175566"/>
+            <a:ext cx="9447739" cy="6745858"/>
           </a:xfrm>
           <a:prstGeom prst="rect">
             <a:avLst/>
@@ -4170,13 +4081,13 @@
           <p:nvPr>
             <p:extLst>
               <p:ext uri="{D42A27DB-BD31-4B8C-83A1-F6EECF244321}">
-                <p14:modId xmlns:p14="http://schemas.microsoft.com/office/powerpoint/2010/main" val="697067994"/>
+                <p14:modId xmlns:p14="http://schemas.microsoft.com/office/powerpoint/2010/main" val="1710292720"/>
               </p:ext>
             </p:extLst>
           </p:nvPr>
         </p:nvGraphicFramePr>
         <p:xfrm>
-          <a:off x="12101513" y="20266523"/>
+          <a:off x="12101513" y="19913228"/>
           <a:ext cx="8776676" cy="3566528"/>
         </p:xfrm>
         <a:graphic>
@@ -5475,7 +5386,7 @@
           <a:p>
             <a:pPr lvl="1"/>
             <a:r>
-              <a:rPr lang="en-AT"/>
+              <a:rPr lang="en-AT" dirty="0"/>
               <a:t>In the forecasting tasks, the goal is to predict future values based on the previously observed values. We use the</a:t>
             </a:r>
             <a:r>
@@ -5483,7 +5394,7 @@
               <a:t> </a:t>
             </a:r>
             <a:r>
-              <a:rPr lang="en-AT"/>
+              <a:rPr lang="en-AT" dirty="0"/>
               <a:t>p</a:t>
             </a:r>
             <a:r>
@@ -5491,7 +5402,7 @@
               <a:t>ower</a:t>
             </a:r>
             <a:r>
-              <a:rPr lang="en-AT"/>
+              <a:rPr lang="en-AT" dirty="0"/>
               <a:t> </a:t>
             </a:r>
             <a:r>
@@ -5499,7 +5410,7 @@
               <a:t>supply dataset</a:t>
             </a:r>
             <a:r>
-              <a:rPr lang="en-AT"/>
+              <a:rPr lang="en-AT" dirty="0"/>
               <a:t> that</a:t>
             </a:r>
             <a:r>
@@ -5507,7 +5418,7 @@
               <a:t> contains hourly measurements of </a:t>
             </a:r>
             <a:r>
-              <a:rPr lang="en-AT"/>
+              <a:rPr lang="en-AT" dirty="0"/>
               <a:t>the</a:t>
             </a:r>
             <a:r>
@@ -5515,7 +5426,7 @@
               <a:t> </a:t>
             </a:r>
             <a:r>
-              <a:rPr lang="en-AT"/>
+              <a:rPr lang="en-AT" dirty="0"/>
               <a:t>I</a:t>
             </a:r>
             <a:r>
@@ -5714,6 +5625,11 @@
             </a:lvl9pPr>
           </a:lstStyle>
           <a:p>
+            <a:pPr>
+              <a:buClr>
+                <a:srgbClr val="F70146"/>
+              </a:buClr>
+            </a:pPr>
             <a:r>
               <a:rPr lang="en-AT" dirty="0"/>
               <a:t>Dataset </a:t>
@@ -5725,14 +5641,26 @@
             <a:endParaRPr lang="de-DE" dirty="0"/>
           </a:p>
           <a:p>
-            <a:pPr lvl="1"/>
+            <a:pPr marL="342900" lvl="1" indent="-342900">
+              <a:buClr>
+                <a:srgbClr val="F70146"/>
+              </a:buClr>
+              <a:buFont typeface="Wingdings" panose="05000000000000000000" pitchFamily="2" charset="2"/>
+              <a:buChar char="§"/>
+            </a:pPr>
             <a:r>
               <a:rPr lang="en-AT" dirty="0"/>
               <a:t>Dataset contains one more feature that represents hours when the data was recorded. But this feature contains an error in one sample, the hour is set to 9 even though the right record is 6.</a:t>
             </a:r>
           </a:p>
           <a:p>
-            <a:pPr lvl="1"/>
+            <a:pPr marL="342900" lvl="1" indent="-342900">
+              <a:buClr>
+                <a:srgbClr val="F70146"/>
+              </a:buClr>
+              <a:buFont typeface="Wingdings" panose="05000000000000000000" pitchFamily="2" charset="2"/>
+              <a:buChar char="§"/>
+            </a:pPr>
             <a:r>
               <a:rPr lang="en-AT" dirty="0"/>
               <a:t>In the dataset description stands that the data is collected from 1995 to 1998, so we assume that it started in the beg</a:t>
@@ -5751,37 +5679,47 @@
             </a:r>
           </a:p>
           <a:p>
-            <a:pPr lvl="1"/>
+            <a:pPr marL="342900" lvl="1" indent="-342900">
+              <a:buClr>
+                <a:srgbClr val="F70146"/>
+              </a:buClr>
+              <a:buFont typeface="Wingdings" panose="05000000000000000000" pitchFamily="2" charset="2"/>
+              <a:buChar char="§"/>
+            </a:pPr>
             <a:r>
               <a:rPr lang="en-AT" dirty="0"/>
               <a:t>We apply the Augmented Dickey-Fuller test on the dataset with alpha value equal to 0.05. We get the p value of 5.13 e-10, which tells us that the data is stationary.</a:t>
             </a:r>
           </a:p>
           <a:p>
-            <a:pPr lvl="1"/>
+            <a:pPr marL="342900" lvl="1" indent="-342900">
+              <a:buClr>
+                <a:srgbClr val="F70146"/>
+              </a:buClr>
+              <a:buFont typeface="Wingdings" panose="05000000000000000000" pitchFamily="2" charset="2"/>
+              <a:buChar char="§"/>
+            </a:pPr>
             <a:r>
               <a:rPr lang="en-AT" dirty="0"/>
-              <a:t>With the assumption that the data can be expressed with an additive model, </a:t>
-            </a:r>
-            <a:r>
-              <a:rPr lang="en-AT"/>
-              <a:t>we apply </a:t>
+              <a:t>With the assumption that the data can be expressed with an additive model, we apply </a:t>
             </a:r>
             <a:r>
               <a:rPr lang="en-US" dirty="0"/>
               <a:t>FFT</a:t>
             </a:r>
             <a:r>
-              <a:rPr lang="en-AT"/>
-              <a:t> to </a:t>
-            </a:r>
-            <a:r>
               <a:rPr lang="en-AT" dirty="0"/>
-              <a:t>the dataset to find the most common frequencies in the dataset  and find the seasonality. Combining these findings with seasonal decompose we extract the seasons and found no trend in the dataset.</a:t>
-            </a:r>
-          </a:p>
-          <a:p>
-            <a:pPr lvl="1"/>
+              <a:t> to the dataset to find the most common frequencies in the dataset  and find the seasonality. Combining these findings with seasonal decompose we extract the seasons and found no trend in the dataset.</a:t>
+            </a:r>
+          </a:p>
+          <a:p>
+            <a:pPr marL="342900" lvl="1" indent="-342900">
+              <a:buClr>
+                <a:srgbClr val="F70146"/>
+              </a:buClr>
+              <a:buFont typeface="Wingdings" panose="05000000000000000000" pitchFamily="2" charset="2"/>
+              <a:buChar char="§"/>
+            </a:pPr>
             <a:r>
               <a:rPr lang="en-AT" dirty="0"/>
               <a:t>In the end we split the dataset into two sets, the training and the test set. The test set contains the last 20% of the data.</a:t>
@@ -5819,7 +5757,7 @@
         </p:blipFill>
         <p:spPr bwMode="auto">
           <a:xfrm>
-            <a:off x="1837245" y="12819129"/>
+            <a:off x="1849879" y="12997319"/>
             <a:ext cx="8820000" cy="3043804"/>
           </a:xfrm>
           <a:prstGeom prst="rect">
@@ -5859,7 +5797,7 @@
         </p:blipFill>
         <p:spPr>
           <a:xfrm>
-            <a:off x="11724631" y="8570342"/>
+            <a:off x="11724631" y="8141228"/>
             <a:ext cx="9485253" cy="3111127"/>
           </a:xfrm>
           <a:prstGeom prst="rect">
@@ -5889,7 +5827,7 @@
         </p:blipFill>
         <p:spPr>
           <a:xfrm>
-            <a:off x="11648496" y="11517383"/>
+            <a:off x="11648496" y="11088269"/>
             <a:ext cx="9481571" cy="2826327"/>
           </a:xfrm>
           <a:prstGeom prst="rect">
@@ -5919,7 +5857,7 @@
         </p:blipFill>
         <p:spPr>
           <a:xfrm>
-            <a:off x="11724631" y="14088458"/>
+            <a:off x="11724631" y="13659344"/>
             <a:ext cx="9049394" cy="3364528"/>
           </a:xfrm>
           <a:prstGeom prst="rect">
@@ -5949,7 +5887,7 @@
         </p:blipFill>
         <p:spPr>
           <a:xfrm>
-            <a:off x="11827735" y="17349835"/>
+            <a:off x="11827735" y="16920721"/>
             <a:ext cx="8946290" cy="2826327"/>
           </a:xfrm>
           <a:prstGeom prst="rect">

--- a/Poster.pptx
+++ b/Poster.pptx
@@ -1001,14 +1001,14 @@
           </a:ln>
           <a:extLst>
             <a:ext uri="{909E8E84-426E-40dd-AFC4-6F175D3DCCD1}">
-              <a14:hiddenFill xmlns="" xmlns:a14="http://schemas.microsoft.com/office/drawing/2010/main">
+              <a14:hiddenFill xmlns:a14="http://schemas.microsoft.com/office/drawing/2010/main" xmlns="">
                 <a:solidFill>
                   <a:srgbClr val="FFFFFF"/>
                 </a:solidFill>
               </a14:hiddenFill>
             </a:ext>
             <a:ext uri="{91240B29-F687-4f45-9708-019B960494DF}">
-              <a14:hiddenLine xmlns="" xmlns:a14="http://schemas.microsoft.com/office/drawing/2010/main" w="9525">
+              <a14:hiddenLine xmlns:a14="http://schemas.microsoft.com/office/drawing/2010/main" xmlns="" w="9525">
                 <a:solidFill>
                   <a:srgbClr val="000000"/>
                 </a:solidFill>
@@ -1145,14 +1145,14 @@
           </a:ln>
           <a:extLst>
             <a:ext uri="{909E8E84-426E-40dd-AFC4-6F175D3DCCD1}">
-              <a14:hiddenFill xmlns="" xmlns:a14="http://schemas.microsoft.com/office/drawing/2010/main">
+              <a14:hiddenFill xmlns:a14="http://schemas.microsoft.com/office/drawing/2010/main" xmlns="">
                 <a:solidFill>
                   <a:srgbClr val="FFFFFF"/>
                 </a:solidFill>
               </a14:hiddenFill>
             </a:ext>
             <a:ext uri="{91240B29-F687-4f45-9708-019B960494DF}">
-              <a14:hiddenLine xmlns="" xmlns:a14="http://schemas.microsoft.com/office/drawing/2010/main" w="9525">
+              <a14:hiddenLine xmlns:a14="http://schemas.microsoft.com/office/drawing/2010/main" xmlns="" w="9525">
                 <a:solidFill>
                   <a:srgbClr val="000000"/>
                 </a:solidFill>
@@ -2156,22 +2156,14 @@
             </a:r>
             <a:r>
               <a:rPr lang="en-US" sz="2000" b="0" dirty="0"/>
-              <a:t> with different window sizes were tested for forecasting the noise data from the additive model. However, most of the LSTM models did not </a:t>
-            </a:r>
-            <a:r>
-              <a:rPr lang="en-US" sz="2000" b="0" dirty="0" err="1"/>
-              <a:t>showe</a:t>
-            </a:r>
+              <a:t> with different window sizes were tested for forecasting the noise data from the additive model. However, most of the LSTM models did not show good performance and the best model was with a window size of 5.</a:t>
+            </a:r>
+          </a:p>
+          <a:p>
+            <a:pPr lvl="2"/>
             <a:r>
               <a:rPr lang="en-US" sz="2000" b="0" dirty="0"/>
-              <a:t> good performance and the best model was with a window size of 5.</a:t>
-            </a:r>
-          </a:p>
-          <a:p>
-            <a:pPr lvl="2"/>
-            <a:r>
-              <a:rPr lang="en-US" sz="2000" b="0" dirty="0"/>
-              <a:t> We also try to enhance the LSTM models using Hypernetworks, but they do not perform well long term.</a:t>
+              <a:t> We also tried to enhance the LSTM models using Hypernetworks, but they do not perform well long term.</a:t>
             </a:r>
           </a:p>
           <a:p>
@@ -2186,7 +2178,23 @@
             </a:r>
             <a:r>
               <a:rPr lang="en-US" sz="2000" b="0" dirty="0"/>
-              <a:t>used to predict randomness after removing seasonality and they showed showed slightly better results than LSTM results.</a:t>
+              <a:t>used to </a:t>
+            </a:r>
+            <a:r>
+              <a:rPr lang="en-US" dirty="0"/>
+              <a:t>enhance the additive model by </a:t>
+            </a:r>
+            <a:r>
+              <a:rPr lang="en-US" sz="2000" b="0" dirty="0"/>
+              <a:t>predicting leftover randomness after removing </a:t>
+            </a:r>
+            <a:r>
+              <a:rPr lang="en-US" sz="2000" b="0" dirty="0" err="1"/>
+              <a:t>seasonalities</a:t>
+            </a:r>
+            <a:r>
+              <a:rPr lang="en-US" sz="2000" b="0" dirty="0"/>
+              <a:t> and they showed slightly better results than LSTM.</a:t>
             </a:r>
           </a:p>
           <a:p>
@@ -2319,52 +2327,6 @@
               <a:rPr lang="de-DE" dirty="0"/>
               <a:t>.</a:t>
             </a:r>
-          </a:p>
-        </p:txBody>
-      </p:sp>
-      <p:sp>
-        <p:nvSpPr>
-          <p:cNvPr id="19" name="Rechteck 18"/>
-          <p:cNvSpPr/>
-          <p:nvPr/>
-        </p:nvSpPr>
-        <p:spPr>
-          <a:xfrm>
-            <a:off x="1838109" y="29251273"/>
-            <a:ext cx="1686141" cy="956743"/>
-          </a:xfrm>
-          <a:prstGeom prst="rect">
-            <a:avLst/>
-          </a:prstGeom>
-          <a:noFill/>
-          <a:ln>
-            <a:solidFill>
-              <a:schemeClr val="accent5"/>
-            </a:solidFill>
-            <a:prstDash val="dash"/>
-          </a:ln>
-          <a:effectLst/>
-        </p:spPr>
-        <p:style>
-          <a:lnRef idx="1">
-            <a:schemeClr val="accent1"/>
-          </a:lnRef>
-          <a:fillRef idx="3">
-            <a:schemeClr val="accent1"/>
-          </a:fillRef>
-          <a:effectRef idx="2">
-            <a:schemeClr val="accent1"/>
-          </a:effectRef>
-          <a:fontRef idx="minor">
-            <a:schemeClr val="lt1"/>
-          </a:fontRef>
-        </p:style>
-        <p:txBody>
-          <a:bodyPr rtlCol="0" anchor="ctr"/>
-          <a:lstStyle/>
-          <a:p>
-            <a:pPr algn="ctr"/>
-            <a:endParaRPr lang="de-DE" dirty="0"/>
           </a:p>
         </p:txBody>
       </p:sp>
@@ -2377,14 +2339,14 @@
           <p:nvPr>
             <p:extLst>
               <p:ext uri="{D42A27DB-BD31-4B8C-83A1-F6EECF244321}">
-                <p14:modId xmlns:p14="http://schemas.microsoft.com/office/powerpoint/2010/main" val="366730835"/>
+                <p14:modId xmlns:p14="http://schemas.microsoft.com/office/powerpoint/2010/main" val="845972928"/>
               </p:ext>
             </p:extLst>
           </p:nvPr>
         </p:nvGraphicFramePr>
         <p:xfrm>
-          <a:off x="11728314" y="28034400"/>
-          <a:ext cx="8820216" cy="678752"/>
+          <a:off x="265472" y="29251203"/>
+          <a:ext cx="8820216" cy="850520"/>
         </p:xfrm>
         <a:graphic>
           <a:graphicData uri="http://schemas.openxmlformats.org/drawingml/2006/table">
@@ -2501,6 +2463,27 @@
                         <a:t> </a:t>
                       </a:r>
                     </a:p>
+                    <a:p>
+                      <a:pPr marL="285750" lvl="1" indent="-285750">
+                        <a:lnSpc>
+                          <a:spcPct val="110000"/>
+                        </a:lnSpc>
+                        <a:buFont typeface="Arial" panose="020B0604020202020204" pitchFamily="34" charset="0"/>
+                        <a:buChar char="•"/>
+                        <a:tabLst/>
+                      </a:pPr>
+                      <a:r>
+                        <a:rPr lang="de-DE" sz="1400" kern="1200" dirty="0">
+                          <a:solidFill>
+                            <a:schemeClr val="tx1"/>
+                          </a:solidFill>
+                          <a:latin typeface="+mn-lt"/>
+                          <a:ea typeface="+mn-ea"/>
+                          <a:cs typeface="+mn-cs"/>
+                        </a:rPr>
+                        <a:t>[1] https://www.cse.fau.edu/~xqzhu/stream.html</a:t>
+                      </a:r>
+                    </a:p>
                   </a:txBody>
                   <a:tcPr>
                     <a:lnL w="12700" cap="flat" cmpd="sng" algn="ctr">
@@ -2561,7 +2544,7 @@
         </p:nvSpPr>
         <p:spPr>
           <a:xfrm>
-            <a:off x="1837245" y="16342940"/>
+            <a:off x="1837245" y="15651012"/>
             <a:ext cx="8820000" cy="3005447"/>
           </a:xfrm>
           <a:prstGeom prst="rect">
@@ -3050,7 +3033,7 @@
         </p:nvSpPr>
         <p:spPr>
           <a:xfrm>
-            <a:off x="1837245" y="19123160"/>
+            <a:off x="1837245" y="18410504"/>
             <a:ext cx="8820000" cy="3005447"/>
           </a:xfrm>
           <a:prstGeom prst="rect">
@@ -3310,6 +3293,30 @@
             </a:r>
             <a:r>
               <a:rPr lang="de-DE" sz="2000" b="0" dirty="0" err="1"/>
+              <a:t>seasonal</a:t>
+            </a:r>
+            <a:r>
+              <a:rPr lang="de-DE" sz="2000" b="0" dirty="0"/>
+              <a:t> </a:t>
+            </a:r>
+            <a:r>
+              <a:rPr lang="de-DE" sz="2000" b="0" dirty="0" err="1"/>
+              <a:t>signals</a:t>
+            </a:r>
+            <a:r>
+              <a:rPr lang="de-DE" sz="2000" b="0" dirty="0"/>
+              <a:t> </a:t>
+            </a:r>
+            <a:r>
+              <a:rPr lang="de-DE" sz="2000" b="0" dirty="0" err="1"/>
+              <a:t>of</a:t>
+            </a:r>
+            <a:r>
+              <a:rPr lang="de-DE" sz="2000" b="0" dirty="0"/>
+              <a:t> </a:t>
+            </a:r>
+            <a:r>
+              <a:rPr lang="de-DE" sz="2000" b="0" dirty="0" err="1"/>
               <a:t>found</a:t>
             </a:r>
             <a:r>
@@ -3322,15 +3329,7 @@
             </a:r>
             <a:r>
               <a:rPr lang="de-DE" sz="2000" b="0" dirty="0"/>
-              <a:t> </a:t>
-            </a:r>
-            <a:r>
-              <a:rPr lang="de-DE" sz="2000" b="0" dirty="0" err="1"/>
-              <a:t>of</a:t>
-            </a:r>
-            <a:r>
-              <a:rPr lang="de-DE" sz="2000" b="0" dirty="0"/>
-              <a:t> </a:t>
+              <a:t> in </a:t>
             </a:r>
             <a:r>
               <a:rPr lang="de-DE" sz="2000" b="0" dirty="0" err="1"/>
@@ -3342,7 +3341,7 @@
             </a:r>
             <a:r>
               <a:rPr lang="de-DE" sz="2000" b="0" dirty="0" err="1"/>
-              <a:t>signal</a:t>
+              <a:t>data</a:t>
             </a:r>
             <a:r>
               <a:rPr lang="de-DE" sz="2000" b="0" dirty="0"/>
@@ -3366,15 +3365,11 @@
             </a:r>
             <a:r>
               <a:rPr lang="de-DE" sz="2000" b="0" i="1" dirty="0"/>
-              <a:t>“, </a:t>
-            </a:r>
-            <a:r>
-              <a:rPr lang="de-DE" sz="2000" b="0" dirty="0" err="1"/>
-              <a:t>using</a:t>
+              <a:t>“ </a:t>
             </a:r>
             <a:r>
               <a:rPr lang="de-DE" sz="2000" b="0" dirty="0"/>
-              <a:t> top 4 </a:t>
+              <a:t>(top 4 </a:t>
             </a:r>
             <a:r>
               <a:rPr lang="de-DE" sz="2000" b="0" dirty="0" err="1"/>
@@ -3382,7 +3377,7 @@
             </a:r>
             <a:r>
               <a:rPr lang="de-DE" sz="2000" b="0" dirty="0"/>
-              <a:t>.</a:t>
+              <a:t>).</a:t>
             </a:r>
           </a:p>
           <a:p>
@@ -3450,7 +3445,26 @@
               <a:rPr lang="de-DE" sz="2000" b="0" dirty="0" err="1"/>
               <a:t>fashion</a:t>
             </a:r>
-            <a:endParaRPr lang="de-DE" sz="2000" b="0" dirty="0"/>
+            <a:r>
+              <a:rPr lang="de-DE" sz="2000" b="0" dirty="0"/>
+              <a:t> </a:t>
+            </a:r>
+            <a:r>
+              <a:rPr lang="de-DE" sz="2000" b="0" dirty="0" err="1"/>
+              <a:t>for</a:t>
+            </a:r>
+            <a:r>
+              <a:rPr lang="de-DE" sz="2000" b="0" dirty="0"/>
+              <a:t> </a:t>
+            </a:r>
+            <a:r>
+              <a:rPr lang="de-DE" sz="2000" b="0" dirty="0" err="1"/>
+              <a:t>predictions</a:t>
+            </a:r>
+            <a:r>
+              <a:rPr lang="de-DE" sz="2000" b="0" dirty="0"/>
+              <a:t>.</a:t>
+            </a:r>
           </a:p>
           <a:p>
             <a:pPr marL="457200" indent="-457200">
@@ -3484,7 +3498,7 @@
         </p:nvSpPr>
         <p:spPr>
           <a:xfrm>
-            <a:off x="11827735" y="23893601"/>
+            <a:off x="12230250" y="24583612"/>
             <a:ext cx="8820000" cy="4010839"/>
           </a:xfrm>
           <a:prstGeom prst="rect">
@@ -3661,7 +3675,7 @@
             <a:pPr lvl="2"/>
             <a:r>
               <a:rPr lang="en-US" sz="2000" b="0" dirty="0"/>
-              <a:t>Predicting multiple </a:t>
+              <a:t>Predicting with multiple </a:t>
             </a:r>
             <a:r>
               <a:rPr lang="en-US" sz="2000" b="0" dirty="0" err="1"/>
@@ -3669,15 +3683,83 @@
             </a:r>
             <a:r>
               <a:rPr lang="en-US" sz="2000" b="0" dirty="0"/>
-              <a:t>, </a:t>
-            </a:r>
-            <a:r>
-              <a:rPr lang="en-US" sz="2000" b="0" dirty="0" err="1"/>
-              <a:t>whithout</a:t>
-            </a:r>
-            <a:r>
-              <a:rPr lang="en-US" sz="2000" b="0" dirty="0"/>
-              <a:t> the noise, was the main challenge with this dataset. Therefore the goal was to create models, which perform well in these settings.</a:t>
+              <a:t>, was the main challenge with this dataset. </a:t>
+            </a:r>
+            <a:r>
+              <a:rPr lang="de-AT" sz="2000" b="0" dirty="0"/>
+              <a:t>Different </a:t>
+            </a:r>
+            <a:r>
+              <a:rPr lang="de-AT" sz="2000" b="0" dirty="0" err="1"/>
+              <a:t>models</a:t>
+            </a:r>
+            <a:r>
+              <a:rPr lang="de-AT" sz="2000" b="0" dirty="0"/>
+              <a:t> </a:t>
+            </a:r>
+            <a:r>
+              <a:rPr lang="de-AT" sz="2000" b="0" dirty="0" err="1"/>
+              <a:t>were</a:t>
+            </a:r>
+            <a:r>
+              <a:rPr lang="de-AT" sz="2000" b="0" dirty="0"/>
+              <a:t> </a:t>
+            </a:r>
+            <a:r>
+              <a:rPr lang="de-AT" sz="2000" b="0" dirty="0" err="1"/>
+              <a:t>created</a:t>
+            </a:r>
+            <a:r>
+              <a:rPr lang="de-AT" sz="2000" b="0" dirty="0"/>
+              <a:t> </a:t>
+            </a:r>
+            <a:r>
+              <a:rPr lang="de-AT" sz="2000" b="0" dirty="0" err="1"/>
+              <a:t>to</a:t>
+            </a:r>
+            <a:r>
+              <a:rPr lang="de-AT" sz="2000" b="0" dirty="0"/>
+              <a:t> </a:t>
+            </a:r>
+            <a:r>
+              <a:rPr lang="de-AT" sz="2000" b="0" dirty="0" err="1"/>
+              <a:t>test</a:t>
+            </a:r>
+            <a:r>
+              <a:rPr lang="de-AT" sz="2000" b="0" dirty="0"/>
+              <a:t> </a:t>
+            </a:r>
+            <a:r>
+              <a:rPr lang="de-AT" sz="2000" b="0" dirty="0" err="1"/>
+              <a:t>their</a:t>
+            </a:r>
+            <a:r>
+              <a:rPr lang="de-AT" sz="2000" b="0" dirty="0"/>
+              <a:t> </a:t>
+            </a:r>
+            <a:r>
+              <a:rPr lang="de-AT" sz="2000" b="0" dirty="0" err="1"/>
+              <a:t>behaviour</a:t>
+            </a:r>
+            <a:r>
+              <a:rPr lang="de-AT" sz="2000" b="0" dirty="0"/>
+              <a:t> in </a:t>
+            </a:r>
+            <a:r>
+              <a:rPr lang="de-AT" sz="2000" b="0" dirty="0" err="1"/>
+              <a:t>these</a:t>
+            </a:r>
+            <a:r>
+              <a:rPr lang="de-AT" sz="2000" b="0" dirty="0"/>
+              <a:t> </a:t>
+            </a:r>
+            <a:r>
+              <a:rPr lang="de-AT" sz="2000" b="0" dirty="0" err="1"/>
+              <a:t>settings</a:t>
+            </a:r>
+            <a:r>
+              <a:rPr lang="de-AT" sz="2000" b="0" dirty="0"/>
+              <a:t>.</a:t>
             </a:r>
             <a:endParaRPr lang="de-DE" dirty="0"/>
           </a:p>
@@ -3856,7 +3938,15 @@
             </a:r>
             <a:r>
               <a:rPr lang="en-AT" dirty="0"/>
-              <a:t> achieves better </a:t>
+              <a:t> achieves </a:t>
+            </a:r>
+            <a:r>
+              <a:rPr lang="de-AT" dirty="0" err="1"/>
+              <a:t>good</a:t>
+            </a:r>
+            <a:r>
+              <a:rPr lang="en-AT" dirty="0"/>
+              <a:t> </a:t>
             </a:r>
             <a:r>
               <a:rPr lang="en-AT" dirty="0" err="1"/>
@@ -3868,19 +3958,23 @@
             </a:r>
             <a:r>
               <a:rPr lang="en-AT" dirty="0"/>
-              <a:t> when the most common </a:t>
+              <a:t> when the most </a:t>
+            </a:r>
+            <a:r>
+              <a:rPr lang="de-AT" dirty="0" err="1"/>
+              <a:t>present</a:t>
+            </a:r>
+            <a:r>
+              <a:rPr lang="en-AT" dirty="0"/>
+              <a:t> </a:t>
             </a:r>
             <a:r>
               <a:rPr lang="en-AT" dirty="0" err="1"/>
               <a:t>seasonalities</a:t>
             </a:r>
             <a:r>
-              <a:rPr lang="en-AT"/>
-              <a:t> are </a:t>
-            </a:r>
-            <a:r>
               <a:rPr lang="en-AT" dirty="0"/>
-              <a:t>removed but not all the seasonality.</a:t>
+              <a:t> are removed.</a:t>
             </a:r>
             <a:endParaRPr lang="de-DE" dirty="0"/>
           </a:p>
@@ -3908,8 +4002,8 @@
         </p:blipFill>
         <p:spPr>
           <a:xfrm>
-            <a:off x="1935803" y="29361433"/>
-            <a:ext cx="1430960" cy="693212"/>
+            <a:off x="9476577" y="29329856"/>
+            <a:ext cx="2041769" cy="989111"/>
           </a:xfrm>
           <a:prstGeom prst="rect">
             <a:avLst/>
@@ -4037,35 +4131,6 @@
           </a:p>
         </p:txBody>
       </p:sp>
-      <p:pic>
-        <p:nvPicPr>
-          <p:cNvPr id="5" name="Picture 4" descr="Diagram&#10;&#10;Description automatically generated with medium confidence">
-            <a:extLst>
-              <a:ext uri="{FF2B5EF4-FFF2-40B4-BE49-F238E27FC236}">
-                <a16:creationId xmlns:a16="http://schemas.microsoft.com/office/drawing/2014/main" id="{230F4192-C7FA-D598-021A-8D1D976D6A58}"/>
-              </a:ext>
-            </a:extLst>
-          </p:cNvPr>
-          <p:cNvPicPr>
-            <a:picLocks noChangeAspect="1"/>
-          </p:cNvPicPr>
-          <p:nvPr/>
-        </p:nvPicPr>
-        <p:blipFill rotWithShape="1">
-          <a:blip r:embed="rId4"/>
-          <a:srcRect l="10919" t="5149" r="9191" b="8341"/>
-          <a:stretch/>
-        </p:blipFill>
-        <p:spPr>
-          <a:xfrm>
-            <a:off x="1677462" y="21997278"/>
-            <a:ext cx="9447739" cy="6745858"/>
-          </a:xfrm>
-          <a:prstGeom prst="rect">
-            <a:avLst/>
-          </a:prstGeom>
-        </p:spPr>
-      </p:pic>
       <p:graphicFrame>
         <p:nvGraphicFramePr>
           <p:cNvPr id="9" name="Table 9">
@@ -4081,13 +4146,13 @@
           <p:nvPr>
             <p:extLst>
               <p:ext uri="{D42A27DB-BD31-4B8C-83A1-F6EECF244321}">
-                <p14:modId xmlns:p14="http://schemas.microsoft.com/office/powerpoint/2010/main" val="1710292720"/>
+                <p14:modId xmlns:p14="http://schemas.microsoft.com/office/powerpoint/2010/main" val="1381333938"/>
               </p:ext>
             </p:extLst>
           </p:nvPr>
         </p:nvGraphicFramePr>
         <p:xfrm>
-          <a:off x="12101513" y="19913228"/>
+          <a:off x="12273574" y="20785236"/>
           <a:ext cx="8776676" cy="3566528"/>
         </p:xfrm>
         <a:graphic>
@@ -5387,10 +5452,42 @@
             <a:pPr lvl="1"/>
             <a:r>
               <a:rPr lang="en-AT" dirty="0"/>
-              <a:t>In the forecasting tasks, the goal is to predict future values based on the previously observed values. We use the</a:t>
-            </a:r>
-            <a:r>
-              <a:rPr lang="en-US" dirty="0"/>
+              <a:t>In </a:t>
+            </a:r>
+            <a:r>
+              <a:rPr lang="de-AT" dirty="0"/>
+              <a:t>f</a:t>
+            </a:r>
+            <a:r>
+              <a:rPr lang="en-AT" dirty="0" err="1"/>
+              <a:t>orecasting</a:t>
+            </a:r>
+            <a:r>
+              <a:rPr lang="en-AT" dirty="0"/>
+              <a:t> tasks, the goal is to predict future values based on the previously observed values. </a:t>
+            </a:r>
+            <a:r>
+              <a:rPr lang="de-AT" dirty="0" err="1"/>
+              <a:t>Our</a:t>
+            </a:r>
+            <a:r>
+              <a:rPr lang="de-AT" dirty="0"/>
+              <a:t> </a:t>
+            </a:r>
+            <a:r>
+              <a:rPr lang="de-AT" dirty="0" err="1"/>
+              <a:t>dataset</a:t>
+            </a:r>
+            <a:r>
+              <a:rPr lang="de-AT" dirty="0"/>
+              <a:t> </a:t>
+            </a:r>
+            <a:r>
+              <a:rPr lang="de-AT" dirty="0" err="1"/>
+              <a:t>contains</a:t>
+            </a:r>
+            <a:r>
+              <a:rPr lang="de-AT" dirty="0"/>
               <a:t> </a:t>
             </a:r>
             <a:r>
@@ -5407,19 +5504,23 @@
             </a:r>
             <a:r>
               <a:rPr lang="en-US" dirty="0"/>
-              <a:t>supply dataset</a:t>
-            </a:r>
-            <a:r>
-              <a:rPr lang="en-AT" dirty="0"/>
-              <a:t> that</a:t>
+              <a:t>supply hourly </a:t>
+            </a:r>
+            <a:r>
+              <a:rPr lang="de-AT" dirty="0" err="1"/>
+              <a:t>measurments</a:t>
+            </a:r>
+            <a:r>
+              <a:rPr lang="de-AT" dirty="0"/>
+              <a:t> </a:t>
             </a:r>
             <a:r>
               <a:rPr lang="en-US" dirty="0"/>
-              <a:t> contains hourly measurements of </a:t>
-            </a:r>
-            <a:r>
-              <a:rPr lang="en-AT" dirty="0"/>
-              <a:t>the</a:t>
+              <a:t>of </a:t>
+            </a:r>
+            <a:r>
+              <a:rPr lang="de-AT" dirty="0"/>
+              <a:t>an</a:t>
             </a:r>
             <a:r>
               <a:rPr lang="en-US" dirty="0"/>
@@ -5435,7 +5536,7 @@
             </a:r>
             <a:r>
               <a:rPr lang="en-US" dirty="0"/>
-              <a:t> electricity company in a span of 3 years. There are two sources in these records, the main grid and the power transformed from other grids. In this work the focus is on the main grid</a:t>
+              <a:t> electricity company in a span of 3 years. There are two sources in these records, the main grid and the power transformed from other grids. In this work the focus is on the main grid. [1]</a:t>
             </a:r>
             <a:endParaRPr lang="en-AT" dirty="0"/>
           </a:p>
@@ -5650,8 +5751,153 @@
             </a:pPr>
             <a:r>
               <a:rPr lang="en-AT" dirty="0"/>
-              <a:t>Dataset contains one more feature that represents hours when the data was recorded. But this feature contains an error in one sample, the hour is set to 9 even though the right record is 6.</a:t>
-            </a:r>
+              <a:t>Dataset contains one more feature that represents </a:t>
+            </a:r>
+            <a:r>
+              <a:rPr lang="de-AT" dirty="0" err="1"/>
+              <a:t>the</a:t>
+            </a:r>
+            <a:r>
+              <a:rPr lang="de-AT" dirty="0"/>
+              <a:t> </a:t>
+            </a:r>
+            <a:r>
+              <a:rPr lang="de-AT" dirty="0" err="1"/>
+              <a:t>hour</a:t>
+            </a:r>
+            <a:r>
+              <a:rPr lang="de-AT" dirty="0"/>
+              <a:t> </a:t>
+            </a:r>
+            <a:r>
+              <a:rPr lang="de-AT" dirty="0" err="1"/>
+              <a:t>of</a:t>
+            </a:r>
+            <a:r>
+              <a:rPr lang="de-AT" dirty="0"/>
+              <a:t> </a:t>
+            </a:r>
+            <a:r>
+              <a:rPr lang="de-AT" dirty="0" err="1"/>
+              <a:t>the</a:t>
+            </a:r>
+            <a:r>
+              <a:rPr lang="de-AT" dirty="0"/>
+              <a:t> </a:t>
+            </a:r>
+            <a:r>
+              <a:rPr lang="de-AT" dirty="0" err="1"/>
+              <a:t>day</a:t>
+            </a:r>
+            <a:r>
+              <a:rPr lang="en-AT" dirty="0"/>
+              <a:t> when the data was recorded. </a:t>
+            </a:r>
+            <a:r>
+              <a:rPr lang="de-AT" dirty="0" err="1"/>
+              <a:t>During</a:t>
+            </a:r>
+            <a:r>
+              <a:rPr lang="de-AT" dirty="0"/>
+              <a:t> </a:t>
+            </a:r>
+            <a:r>
+              <a:rPr lang="de-AT" dirty="0" err="1"/>
+              <a:t>data</a:t>
+            </a:r>
+            <a:r>
+              <a:rPr lang="de-AT" dirty="0"/>
+              <a:t> </a:t>
+            </a:r>
+            <a:r>
+              <a:rPr lang="de-AT" dirty="0" err="1"/>
+              <a:t>cleaning</a:t>
+            </a:r>
+            <a:r>
+              <a:rPr lang="de-AT" dirty="0"/>
+              <a:t> </a:t>
+            </a:r>
+            <a:r>
+              <a:rPr lang="de-AT" dirty="0" err="1"/>
+              <a:t>only</a:t>
+            </a:r>
+            <a:r>
+              <a:rPr lang="de-AT" dirty="0"/>
+              <a:t> </a:t>
+            </a:r>
+            <a:r>
+              <a:rPr lang="de-AT" dirty="0" err="1"/>
+              <a:t>one</a:t>
+            </a:r>
+            <a:r>
+              <a:rPr lang="de-AT" dirty="0"/>
+              <a:t> </a:t>
+            </a:r>
+            <a:r>
+              <a:rPr lang="de-AT" dirty="0" err="1"/>
+              <a:t>error</a:t>
+            </a:r>
+            <a:r>
+              <a:rPr lang="de-AT" dirty="0"/>
+              <a:t> in </a:t>
+            </a:r>
+            <a:r>
+              <a:rPr lang="de-AT" dirty="0" err="1"/>
+              <a:t>the</a:t>
+            </a:r>
+            <a:r>
+              <a:rPr lang="de-AT" dirty="0"/>
+              <a:t> </a:t>
+            </a:r>
+            <a:r>
+              <a:rPr lang="de-AT" dirty="0" err="1"/>
+              <a:t>hour</a:t>
+            </a:r>
+            <a:r>
+              <a:rPr lang="de-AT" dirty="0"/>
+              <a:t> was </a:t>
+            </a:r>
+            <a:r>
+              <a:rPr lang="de-AT" dirty="0" err="1"/>
+              <a:t>found</a:t>
+            </a:r>
+            <a:r>
+              <a:rPr lang="de-AT" dirty="0"/>
+              <a:t>. </a:t>
+            </a:r>
+            <a:r>
+              <a:rPr lang="en-US" dirty="0"/>
+              <a:t>Otherwise</a:t>
+            </a:r>
+            <a:r>
+              <a:rPr lang="de-AT" dirty="0"/>
+              <a:t> </a:t>
+            </a:r>
+            <a:r>
+              <a:rPr lang="de-AT" dirty="0" err="1"/>
+              <a:t>nothing</a:t>
+            </a:r>
+            <a:r>
+              <a:rPr lang="de-AT" dirty="0"/>
+              <a:t> </a:t>
+            </a:r>
+            <a:r>
+              <a:rPr lang="de-AT" dirty="0" err="1"/>
+              <a:t>spurrious</a:t>
+            </a:r>
+            <a:r>
+              <a:rPr lang="de-AT" dirty="0"/>
+              <a:t> was </a:t>
+            </a:r>
+            <a:r>
+              <a:rPr lang="de-AT" dirty="0" err="1"/>
+              <a:t>found</a:t>
+            </a:r>
+            <a:r>
+              <a:rPr lang="de-AT" dirty="0"/>
+              <a:t>.</a:t>
+            </a:r>
+            <a:endParaRPr lang="en-AT" dirty="0"/>
           </a:p>
           <a:p>
             <a:pPr marL="342900" lvl="1" indent="-342900">
@@ -5662,8 +5908,28 @@
               <a:buChar char="§"/>
             </a:pPr>
             <a:r>
+              <a:rPr lang="de-AT" dirty="0"/>
+              <a:t>T</a:t>
+            </a:r>
+            <a:r>
               <a:rPr lang="en-AT" dirty="0"/>
-              <a:t>In the dataset description stands that the data is collected from 1995 to 1998, so we assume that it started in the beg</a:t>
+              <a:t>he dataset description </a:t>
+            </a:r>
+            <a:r>
+              <a:rPr lang="de-AT" dirty="0" err="1"/>
+              <a:t>states</a:t>
+            </a:r>
+            <a:r>
+              <a:rPr lang="en-AT" dirty="0"/>
+              <a:t> that the data is collected from 1995 to 1998, so we assume</a:t>
+            </a:r>
+            <a:r>
+              <a:rPr lang="de-AT" dirty="0"/>
+              <a:t>d</a:t>
+            </a:r>
+            <a:r>
+              <a:rPr lang="en-AT" dirty="0"/>
+              <a:t> that it started in the beg</a:t>
             </a:r>
             <a:r>
               <a:rPr lang="bs-Latn-BA" dirty="0"/>
@@ -5675,7 +5941,47 @@
             </a:r>
             <a:r>
               <a:rPr lang="en-AT" dirty="0"/>
-              <a:t> of the year and we add timestamps from 01.01.1995 00:00 until 31.05.1998 23:00.</a:t>
+              <a:t> of the year</a:t>
+            </a:r>
+            <a:r>
+              <a:rPr lang="de-AT" dirty="0"/>
+              <a:t>. T</a:t>
+            </a:r>
+            <a:r>
+              <a:rPr lang="en-AT" dirty="0" err="1"/>
+              <a:t>imestamps</a:t>
+            </a:r>
+            <a:r>
+              <a:rPr lang="en-AT" dirty="0"/>
+              <a:t> </a:t>
+            </a:r>
+            <a:r>
+              <a:rPr lang="de-AT" dirty="0" err="1"/>
+              <a:t>were</a:t>
+            </a:r>
+            <a:r>
+              <a:rPr lang="de-AT" dirty="0"/>
+              <a:t> </a:t>
+            </a:r>
+            <a:r>
+              <a:rPr lang="de-AT" dirty="0" err="1"/>
+              <a:t>added</a:t>
+            </a:r>
+            <a:r>
+              <a:rPr lang="de-AT" dirty="0"/>
+              <a:t> </a:t>
+            </a:r>
+            <a:r>
+              <a:rPr lang="en-AT" dirty="0"/>
+              <a:t>from 01.01.1995 00:00 </a:t>
+            </a:r>
+            <a:r>
+              <a:rPr lang="de-AT" dirty="0" err="1"/>
+              <a:t>to</a:t>
+            </a:r>
+            <a:r>
+              <a:rPr lang="en-AT" dirty="0"/>
+              <a:t> 31.05.1998 23:00.</a:t>
             </a:r>
           </a:p>
           <a:p>
@@ -5687,8 +5993,124 @@
               <a:buChar char="§"/>
             </a:pPr>
             <a:r>
+              <a:rPr lang="de-AT" dirty="0" err="1"/>
+              <a:t>Stationarity</a:t>
+            </a:r>
+            <a:r>
+              <a:rPr lang="de-AT" dirty="0"/>
+              <a:t> </a:t>
+            </a:r>
+            <a:r>
+              <a:rPr lang="de-AT" dirty="0" err="1"/>
+              <a:t>test</a:t>
+            </a:r>
+            <a:r>
+              <a:rPr lang="de-AT" dirty="0"/>
+              <a:t> </a:t>
+            </a:r>
+            <a:r>
+              <a:rPr lang="de-AT" dirty="0" err="1"/>
+              <a:t>with</a:t>
+            </a:r>
+            <a:r>
               <a:rPr lang="en-AT" dirty="0"/>
-              <a:t>We apply the Augmented Dickey-Fuller test on the dataset with alpha value equal to 0.05. We get the p value of 5.13 e-10, which tells us that the data is stationary.</a:t>
+              <a:t> Augmented Dickey-Fuller </a:t>
+            </a:r>
+            <a:r>
+              <a:rPr lang="de-AT" dirty="0"/>
+              <a:t>was </a:t>
+            </a:r>
+            <a:r>
+              <a:rPr lang="de-AT" dirty="0" err="1"/>
+              <a:t>done</a:t>
+            </a:r>
+            <a:r>
+              <a:rPr lang="de-AT" dirty="0"/>
+              <a:t> </a:t>
+            </a:r>
+            <a:r>
+              <a:rPr lang="en-AT" dirty="0"/>
+              <a:t>on the dataset with alpha value equal to 0.05. </a:t>
+            </a:r>
+            <a:r>
+              <a:rPr lang="de-AT" dirty="0" err="1"/>
+              <a:t>Which</a:t>
+            </a:r>
+            <a:r>
+              <a:rPr lang="de-AT" dirty="0"/>
+              <a:t> </a:t>
+            </a:r>
+            <a:r>
+              <a:rPr lang="de-AT" dirty="0" err="1"/>
+              <a:t>resulted</a:t>
+            </a:r>
+            <a:r>
+              <a:rPr lang="de-AT" dirty="0"/>
+              <a:t> in a </a:t>
+            </a:r>
+            <a:r>
+              <a:rPr lang="en-AT" i="1" dirty="0"/>
+              <a:t>p</a:t>
+            </a:r>
+            <a:r>
+              <a:rPr lang="de-AT" i="1" dirty="0"/>
+              <a:t>-</a:t>
+            </a:r>
+            <a:r>
+              <a:rPr lang="en-AT" i="1" dirty="0"/>
+              <a:t>value </a:t>
+            </a:r>
+            <a:r>
+              <a:rPr lang="en-AT" dirty="0"/>
+              <a:t>of </a:t>
+            </a:r>
+            <a:r>
+              <a:rPr lang="en-AT" i="1" dirty="0"/>
+              <a:t>5.13 e-10</a:t>
+            </a:r>
+            <a:r>
+              <a:rPr lang="en-AT" dirty="0"/>
+              <a:t>, </a:t>
+            </a:r>
+            <a:r>
+              <a:rPr lang="de-AT" dirty="0" err="1"/>
+              <a:t>therefore</a:t>
+            </a:r>
+            <a:r>
+              <a:rPr lang="de-AT" dirty="0"/>
+              <a:t> </a:t>
+            </a:r>
+            <a:r>
+              <a:rPr lang="de-AT" dirty="0" err="1"/>
+              <a:t>stationarity</a:t>
+            </a:r>
+            <a:r>
+              <a:rPr lang="de-AT" dirty="0"/>
+              <a:t> </a:t>
+            </a:r>
+            <a:r>
+              <a:rPr lang="de-AT" dirty="0" err="1"/>
+              <a:t>can</a:t>
+            </a:r>
+            <a:r>
+              <a:rPr lang="de-AT" dirty="0"/>
+              <a:t> </a:t>
+            </a:r>
+            <a:r>
+              <a:rPr lang="de-AT" dirty="0" err="1"/>
+              <a:t>be</a:t>
+            </a:r>
+            <a:r>
+              <a:rPr lang="de-AT" dirty="0"/>
+              <a:t> </a:t>
+            </a:r>
+            <a:r>
+              <a:rPr lang="de-AT" dirty="0" err="1"/>
+              <a:t>assumed</a:t>
+            </a:r>
+            <a:r>
+              <a:rPr lang="en-AT" dirty="0"/>
+              <a:t>.</a:t>
             </a:r>
           </a:p>
           <a:p>
@@ -5700,17 +6122,142 @@
               <a:buChar char="§"/>
             </a:pPr>
             <a:r>
-              <a:rPr lang="en-AT" dirty="0"/>
-              <a:t>With the assumption that the data can be expressed with an additive model, we apply </a:t>
-            </a:r>
-            <a:r>
-              <a:rPr lang="en-US" dirty="0"/>
-              <a:t>FFT</a:t>
-            </a:r>
-            <a:r>
-              <a:rPr lang="en-AT" dirty="0"/>
-              <a:t> to the dataset to find the most common frequencies in the dataset  and find the seasonality. Combining these findings with seasonal decompose we extract the seasons and found no trend in the dataset.</a:t>
-            </a:r>
+              <a:rPr lang="de-AT" dirty="0" err="1"/>
+              <a:t>Analyzing</a:t>
+            </a:r>
+            <a:r>
+              <a:rPr lang="de-AT" dirty="0"/>
+              <a:t> </a:t>
+            </a:r>
+            <a:r>
+              <a:rPr lang="de-AT" dirty="0" err="1"/>
+              <a:t>the</a:t>
+            </a:r>
+            <a:r>
+              <a:rPr lang="de-AT" dirty="0"/>
+              <a:t> </a:t>
+            </a:r>
+            <a:r>
+              <a:rPr lang="de-AT" dirty="0" err="1"/>
+              <a:t>data</a:t>
+            </a:r>
+            <a:r>
+              <a:rPr lang="de-AT" dirty="0"/>
+              <a:t> </a:t>
+            </a:r>
+            <a:r>
+              <a:rPr lang="de-AT" dirty="0" err="1"/>
+              <a:t>visually</a:t>
+            </a:r>
+            <a:r>
+              <a:rPr lang="de-AT" dirty="0"/>
+              <a:t>, </a:t>
+            </a:r>
+            <a:r>
+              <a:rPr lang="de-AT" dirty="0" err="1"/>
+              <a:t>shows</a:t>
+            </a:r>
+            <a:r>
+              <a:rPr lang="de-AT" dirty="0"/>
+              <a:t> </a:t>
+            </a:r>
+            <a:r>
+              <a:rPr lang="de-AT" dirty="0" err="1"/>
+              <a:t>little</a:t>
+            </a:r>
+            <a:r>
+              <a:rPr lang="de-AT" dirty="0"/>
+              <a:t> </a:t>
+            </a:r>
+            <a:r>
+              <a:rPr lang="de-AT" dirty="0" err="1"/>
+              <a:t>to</a:t>
+            </a:r>
+            <a:r>
+              <a:rPr lang="de-AT" dirty="0"/>
+              <a:t> </a:t>
+            </a:r>
+            <a:r>
+              <a:rPr lang="de-AT" dirty="0" err="1"/>
+              <a:t>no</a:t>
+            </a:r>
+            <a:r>
+              <a:rPr lang="de-AT" dirty="0"/>
+              <a:t> </a:t>
+            </a:r>
+            <a:r>
+              <a:rPr lang="de-AT" dirty="0" err="1"/>
+              <a:t>trend</a:t>
+            </a:r>
+            <a:r>
+              <a:rPr lang="de-AT" dirty="0"/>
+              <a:t>, </a:t>
+            </a:r>
+            <a:r>
+              <a:rPr lang="de-AT" dirty="0" err="1"/>
+              <a:t>which</a:t>
+            </a:r>
+            <a:r>
+              <a:rPr lang="de-AT" dirty="0"/>
+              <a:t> was also </a:t>
+            </a:r>
+            <a:r>
+              <a:rPr lang="de-AT" dirty="0" err="1"/>
+              <a:t>found</a:t>
+            </a:r>
+            <a:r>
+              <a:rPr lang="de-AT" dirty="0"/>
+              <a:t> </a:t>
+            </a:r>
+            <a:r>
+              <a:rPr lang="de-AT" dirty="0" err="1"/>
+              <a:t>when</a:t>
+            </a:r>
+            <a:r>
+              <a:rPr lang="de-AT" dirty="0"/>
+              <a:t> </a:t>
+            </a:r>
+            <a:r>
+              <a:rPr lang="de-AT" dirty="0" err="1"/>
+              <a:t>fitting</a:t>
+            </a:r>
+            <a:r>
+              <a:rPr lang="de-AT" dirty="0"/>
+              <a:t> linear </a:t>
+            </a:r>
+            <a:r>
+              <a:rPr lang="de-AT" dirty="0" err="1"/>
+              <a:t>model</a:t>
+            </a:r>
+            <a:r>
+              <a:rPr lang="de-AT" dirty="0"/>
+              <a:t> </a:t>
+            </a:r>
+            <a:r>
+              <a:rPr lang="de-AT" dirty="0" err="1"/>
+              <a:t>to</a:t>
+            </a:r>
+            <a:r>
+              <a:rPr lang="de-AT" dirty="0"/>
+              <a:t> </a:t>
+            </a:r>
+            <a:r>
+              <a:rPr lang="de-AT" dirty="0" err="1"/>
+              <a:t>the</a:t>
+            </a:r>
+            <a:r>
+              <a:rPr lang="de-AT" dirty="0"/>
+              <a:t> </a:t>
+            </a:r>
+            <a:r>
+              <a:rPr lang="de-AT" dirty="0" err="1"/>
+              <a:t>data</a:t>
+            </a:r>
+            <a:r>
+              <a:rPr lang="de-AT" dirty="0"/>
+              <a:t>.</a:t>
+            </a:r>
+            <a:endParaRPr lang="en-AT" dirty="0"/>
           </a:p>
           <a:p>
             <a:pPr marL="342900" lvl="1" indent="-342900">
@@ -5743,7 +6290,7 @@
           <p:nvPr/>
         </p:nvPicPr>
         <p:blipFill>
-          <a:blip r:embed="rId5">
+          <a:blip r:embed="rId4">
             <a:extLst>
               <a:ext uri="{28A0092B-C50C-407E-A947-70E740481C1C}">
                 <a14:useLocalDpi xmlns:a14="http://schemas.microsoft.com/office/drawing/2010/main" val="0"/>
@@ -5757,7 +6304,7 @@
         </p:blipFill>
         <p:spPr bwMode="auto">
           <a:xfrm>
-            <a:off x="1849879" y="12997319"/>
+            <a:off x="1677461" y="12250303"/>
             <a:ext cx="8820000" cy="3043804"/>
           </a:xfrm>
           <a:prstGeom prst="rect">
@@ -5789,16 +6336,15 @@
           </p:cNvPicPr>
           <p:nvPr/>
         </p:nvPicPr>
-        <p:blipFill>
-          <a:blip r:embed="rId6"/>
-          <a:stretch>
-            <a:fillRect/>
-          </a:stretch>
+        <p:blipFill rotWithShape="1">
+          <a:blip r:embed="rId5"/>
+          <a:srcRect r="5549"/>
+          <a:stretch/>
         </p:blipFill>
         <p:spPr>
           <a:xfrm>
-            <a:off x="11724631" y="8141228"/>
-            <a:ext cx="9485253" cy="3111127"/>
+            <a:off x="11984767" y="8763066"/>
+            <a:ext cx="8958904" cy="2950184"/>
           </a:xfrm>
           <a:prstGeom prst="rect">
             <a:avLst/>
@@ -5815,50 +6361,19 @@
             </a:extLst>
           </p:cNvPr>
           <p:cNvPicPr>
-            <a:picLocks noChangeAspect="1"/>
+            <a:picLocks/>
           </p:cNvPicPr>
           <p:nvPr/>
         </p:nvPicPr>
-        <p:blipFill>
-          <a:blip r:embed="rId7"/>
-          <a:stretch>
-            <a:fillRect/>
-          </a:stretch>
+        <p:blipFill rotWithShape="1">
+          <a:blip r:embed="rId6"/>
+          <a:srcRect l="-723" t="566" r="3469" b="-566"/>
+          <a:stretch/>
         </p:blipFill>
         <p:spPr>
           <a:xfrm>
-            <a:off x="11648496" y="11088269"/>
-            <a:ext cx="9481571" cy="2826327"/>
-          </a:xfrm>
-          <a:prstGeom prst="rect">
-            <a:avLst/>
-          </a:prstGeom>
-        </p:spPr>
-      </p:pic>
-      <p:pic>
-        <p:nvPicPr>
-          <p:cNvPr id="16" name="Picture 15">
-            <a:extLst>
-              <a:ext uri="{FF2B5EF4-FFF2-40B4-BE49-F238E27FC236}">
-                <a16:creationId xmlns:a16="http://schemas.microsoft.com/office/drawing/2014/main" id="{243B4625-6379-4B2D-4776-5EE30632923E}"/>
-              </a:ext>
-            </a:extLst>
-          </p:cNvPr>
-          <p:cNvPicPr>
-            <a:picLocks noChangeAspect="1"/>
-          </p:cNvPicPr>
-          <p:nvPr/>
-        </p:nvPicPr>
-        <p:blipFill>
-          <a:blip r:embed="rId8"/>
-          <a:stretch>
-            <a:fillRect/>
-          </a:stretch>
-        </p:blipFill>
-        <p:spPr>
-          <a:xfrm>
-            <a:off x="11724631" y="13659344"/>
-            <a:ext cx="9049394" cy="3364528"/>
+            <a:off x="11878188" y="11808276"/>
+            <a:ext cx="9172062" cy="2844000"/>
           </a:xfrm>
           <a:prstGeom prst="rect">
             <a:avLst/>
@@ -5880,6 +6395,66 @@
           <p:nvPr/>
         </p:nvPicPr>
         <p:blipFill>
+          <a:blip r:embed="rId7"/>
+          <a:stretch>
+            <a:fillRect/>
+          </a:stretch>
+        </p:blipFill>
+        <p:spPr>
+          <a:xfrm>
+            <a:off x="12095375" y="17727061"/>
+            <a:ext cx="9000000" cy="2843295"/>
+          </a:xfrm>
+          <a:prstGeom prst="rect">
+            <a:avLst/>
+          </a:prstGeom>
+        </p:spPr>
+      </p:pic>
+      <p:pic>
+        <p:nvPicPr>
+          <p:cNvPr id="24" name="Picture 23">
+            <a:extLst>
+              <a:ext uri="{FF2B5EF4-FFF2-40B4-BE49-F238E27FC236}">
+                <a16:creationId xmlns:a16="http://schemas.microsoft.com/office/drawing/2014/main" id="{C65582FC-4FA9-6AC8-2A56-4991A108DE60}"/>
+              </a:ext>
+            </a:extLst>
+          </p:cNvPr>
+          <p:cNvPicPr>
+            <a:picLocks/>
+          </p:cNvPicPr>
+          <p:nvPr/>
+        </p:nvPicPr>
+        <p:blipFill>
+          <a:blip r:embed="rId8"/>
+          <a:stretch>
+            <a:fillRect/>
+          </a:stretch>
+        </p:blipFill>
+        <p:spPr>
+          <a:xfrm>
+            <a:off x="12050250" y="14809417"/>
+            <a:ext cx="9000000" cy="2844000"/>
+          </a:xfrm>
+          <a:prstGeom prst="rect">
+            <a:avLst/>
+          </a:prstGeom>
+        </p:spPr>
+      </p:pic>
+      <p:pic>
+        <p:nvPicPr>
+          <p:cNvPr id="27" name="Picture 26">
+            <a:extLst>
+              <a:ext uri="{FF2B5EF4-FFF2-40B4-BE49-F238E27FC236}">
+                <a16:creationId xmlns:a16="http://schemas.microsoft.com/office/drawing/2014/main" id="{80E51333-8E0F-7899-4A7A-CFB29CC3BACE}"/>
+              </a:ext>
+            </a:extLst>
+          </p:cNvPr>
+          <p:cNvPicPr>
+            <a:picLocks noChangeAspect="1"/>
+          </p:cNvPicPr>
+          <p:nvPr/>
+        </p:nvPicPr>
+        <p:blipFill>
           <a:blip r:embed="rId9"/>
           <a:stretch>
             <a:fillRect/>
@@ -5887,8 +6462,8 @@
         </p:blipFill>
         <p:spPr>
           <a:xfrm>
-            <a:off x="11827735" y="16920721"/>
-            <a:ext cx="8946290" cy="2826327"/>
+            <a:off x="391573" y="21386092"/>
+            <a:ext cx="11391777" cy="7045357"/>
           </a:xfrm>
           <a:prstGeom prst="rect">
             <a:avLst/>
@@ -6524,21 +7099,6 @@
 </file>
 
 <file path=customXml/item1.xml><?xml version="1.0" encoding="utf-8"?>
-<?mso-contentType ?>
-<FormTemplates xmlns="http://schemas.microsoft.com/sharepoint/v3/contenttype/forms">
-  <Display>DocumentLibraryForm</Display>
-  <Edit>DocumentLibraryForm</Edit>
-  <New>DocumentLibraryForm</New>
-</FormTemplates>
-</file>
-
-<file path=customXml/item2.xml><?xml version="1.0" encoding="utf-8"?>
-<p:properties xmlns:p="http://schemas.microsoft.com/office/2006/metadata/properties" xmlns:xsi="http://www.w3.org/2001/XMLSchema-instance" xmlns:pc="http://schemas.microsoft.com/office/infopath/2007/PartnerControls">
-  <documentManagement/>
-</p:properties>
-</file>
-
-<file path=customXml/item3.xml><?xml version="1.0" encoding="utf-8"?>
 <ct:contentTypeSchema xmlns:ct="http://schemas.microsoft.com/office/2006/metadata/contentType" xmlns:ma="http://schemas.microsoft.com/office/2006/metadata/properties/metaAttributes" ct:_="" ma:_="" ma:contentTypeName="Document" ma:contentTypeID="0x01010091FB4E2C44785744AD758A08C31CB8BB" ma:contentTypeVersion="" ma:contentTypeDescription="Create a new document." ma:contentTypeScope="" ma:versionID="c10ed37576fa3e2355debe60a3f3e110">
   <xsd:schema xmlns:xsd="http://www.w3.org/2001/XMLSchema" xmlns:xs="http://www.w3.org/2001/XMLSchema" xmlns:p="http://schemas.microsoft.com/office/2006/metadata/properties" targetNamespace="http://schemas.microsoft.com/office/2006/metadata/properties" ma:root="true" ma:fieldsID="b2384c6cc0088fcedbaf6edaf557defa">
     <xsd:element name="properties">
@@ -6652,10 +7212,33 @@
 </ct:contentTypeSchema>
 </file>
 
+<file path=customXml/item2.xml><?xml version="1.0" encoding="utf-8"?>
+<p:properties xmlns:p="http://schemas.microsoft.com/office/2006/metadata/properties" xmlns:xsi="http://www.w3.org/2001/XMLSchema-instance" xmlns:pc="http://schemas.microsoft.com/office/infopath/2007/PartnerControls">
+  <documentManagement/>
+</p:properties>
+</file>
+
+<file path=customXml/item3.xml><?xml version="1.0" encoding="utf-8"?>
+<?mso-contentType ?>
+<FormTemplates xmlns="http://schemas.microsoft.com/sharepoint/v3/contenttype/forms">
+  <Display>DocumentLibraryForm</Display>
+  <Edit>DocumentLibraryForm</Edit>
+  <New>DocumentLibraryForm</New>
+</FormTemplates>
+</file>
+
 <file path=customXml/itemProps1.xml><?xml version="1.0" encoding="utf-8"?>
-<ds:datastoreItem xmlns:ds="http://schemas.openxmlformats.org/officeDocument/2006/customXml" ds:itemID="{F775AA27-F288-48DE-998B-34BCC959C2C3}">
+<ds:datastoreItem xmlns:ds="http://schemas.openxmlformats.org/officeDocument/2006/customXml" ds:itemID="{CEAA2269-7DA5-4899-9701-3B66F199AD34}">
   <ds:schemaRefs>
-    <ds:schemaRef ds:uri="http://schemas.microsoft.com/sharepoint/v3/contenttype/forms"/>
+    <ds:schemaRef ds:uri="http://schemas.microsoft.com/office/2006/metadata/contentType"/>
+    <ds:schemaRef ds:uri="http://schemas.microsoft.com/office/2006/metadata/properties/metaAttributes"/>
+    <ds:schemaRef ds:uri="http://www.w3.org/2001/XMLSchema"/>
+    <ds:schemaRef ds:uri="http://schemas.microsoft.com/office/2006/metadata/properties"/>
+    <ds:schemaRef ds:uri="http://schemas.openxmlformats.org/package/2006/metadata/core-properties"/>
+    <ds:schemaRef ds:uri="http://purl.org/dc/elements/1.1/"/>
+    <ds:schemaRef ds:uri="http://purl.org/dc/terms/"/>
+    <ds:schemaRef ds:uri="http://schemas.microsoft.com/internal/obd"/>
+    <ds:schemaRef ds:uri="http://schemas.microsoft.com/office/infopath/2007/PartnerControls"/>
   </ds:schemaRefs>
 </ds:datastoreItem>
 </file>
@@ -6670,17 +7253,9 @@
 </file>
 
 <file path=customXml/itemProps3.xml><?xml version="1.0" encoding="utf-8"?>
-<ds:datastoreItem xmlns:ds="http://schemas.openxmlformats.org/officeDocument/2006/customXml" ds:itemID="{CEAA2269-7DA5-4899-9701-3B66F199AD34}">
+<ds:datastoreItem xmlns:ds="http://schemas.openxmlformats.org/officeDocument/2006/customXml" ds:itemID="{F775AA27-F288-48DE-998B-34BCC959C2C3}">
   <ds:schemaRefs>
-    <ds:schemaRef ds:uri="http://schemas.microsoft.com/office/2006/metadata/contentType"/>
-    <ds:schemaRef ds:uri="http://schemas.microsoft.com/office/2006/metadata/properties/metaAttributes"/>
-    <ds:schemaRef ds:uri="http://www.w3.org/2001/XMLSchema"/>
-    <ds:schemaRef ds:uri="http://schemas.microsoft.com/office/2006/metadata/properties"/>
-    <ds:schemaRef ds:uri="http://schemas.openxmlformats.org/package/2006/metadata/core-properties"/>
-    <ds:schemaRef ds:uri="http://purl.org/dc/elements/1.1/"/>
-    <ds:schemaRef ds:uri="http://purl.org/dc/terms/"/>
-    <ds:schemaRef ds:uri="http://schemas.microsoft.com/internal/obd"/>
-    <ds:schemaRef ds:uri="http://schemas.microsoft.com/office/infopath/2007/PartnerControls"/>
+    <ds:schemaRef ds:uri="http://schemas.microsoft.com/sharepoint/v3/contenttype/forms"/>
   </ds:schemaRefs>
 </ds:datastoreItem>
 </file>